--- a/praesentation/abschluss-praesentation.pptx
+++ b/praesentation/abschluss-praesentation.pptx
@@ -15,7 +15,8 @@
     <p:sldId id="263" r:id="rId9"/>
     <p:sldId id="264" r:id="rId10"/>
     <p:sldId id="265" r:id="rId11"/>
-    <p:sldId id="266" r:id="rId12"/>
+    <p:sldId id="267" r:id="rId12"/>
+    <p:sldId id="266" r:id="rId13"/>
   </p:sldIdLst>
   <p:sldSz cx="12192000" cy="6858000"/>
   <p:notesSz cx="6858000" cy="9144000"/>
@@ -3564,6 +3565,68 @@
 <file path=ppt/slides/slide11.xml><?xml version="1.0" encoding="utf-8"?>
 <p:sld xmlns:a="http://schemas.openxmlformats.org/drawingml/2006/main" xmlns:r="http://schemas.openxmlformats.org/officeDocument/2006/relationships" xmlns:p="http://schemas.openxmlformats.org/presentationml/2006/main">
   <p:cSld>
+    <p:spTree>
+      <p:nvGrpSpPr>
+        <p:cNvPr id="1" name=""/>
+        <p:cNvGrpSpPr/>
+        <p:nvPr/>
+      </p:nvGrpSpPr>
+      <p:grpSpPr>
+        <a:xfrm>
+          <a:off x="0" y="0"/>
+          <a:ext cx="0" cy="0"/>
+          <a:chOff x="0" y="0"/>
+          <a:chExt cx="0" cy="0"/>
+        </a:xfrm>
+      </p:grpSpPr>
+      <p:sp>
+        <p:nvSpPr>
+          <p:cNvPr id="2" name="Titel 1">
+            <a:extLst>
+              <a:ext uri="{FF2B5EF4-FFF2-40B4-BE49-F238E27FC236}">
+                <a16:creationId xmlns:a16="http://schemas.microsoft.com/office/drawing/2014/main" id="{1953E359-0FE8-EE4E-41BB-99E9B165A72C}"/>
+              </a:ext>
+            </a:extLst>
+          </p:cNvPr>
+          <p:cNvSpPr>
+            <a:spLocks noGrp="1"/>
+          </p:cNvSpPr>
+          <p:nvPr>
+            <p:ph type="title"/>
+          </p:nvPr>
+        </p:nvSpPr>
+        <p:spPr/>
+        <p:txBody>
+          <a:bodyPr>
+            <a:normAutofit/>
+          </a:bodyPr>
+          <a:lstStyle/>
+          <a:p>
+            <a:r>
+              <a:rPr lang="de-DE" sz="4000" i="1" dirty="0">
+                <a:latin typeface="Montserrat Medium" pitchFamily="2" charset="77"/>
+              </a:rPr>
+              <a:t>Fehler/Probleme</a:t>
+            </a:r>
+          </a:p>
+        </p:txBody>
+      </p:sp>
+    </p:spTree>
+    <p:extLst>
+      <p:ext uri="{BB962C8B-B14F-4D97-AF65-F5344CB8AC3E}">
+        <p14:creationId xmlns:p14="http://schemas.microsoft.com/office/powerpoint/2010/main" val="589435528"/>
+      </p:ext>
+    </p:extLst>
+  </p:cSld>
+  <p:clrMapOvr>
+    <a:masterClrMapping/>
+  </p:clrMapOvr>
+</p:sld>
+</file>
+
+<file path=ppt/slides/slide12.xml><?xml version="1.0" encoding="utf-8"?>
+<p:sld xmlns:a="http://schemas.openxmlformats.org/drawingml/2006/main" xmlns:r="http://schemas.openxmlformats.org/officeDocument/2006/relationships" xmlns:p="http://schemas.openxmlformats.org/presentationml/2006/main">
+  <p:cSld>
     <p:bg>
       <p:bgPr>
         <a:solidFill>

--- a/praesentation/abschluss-praesentation.pptx
+++ b/praesentation/abschluss-praesentation.pptx
@@ -3611,6 +3611,99 @@
           </a:p>
         </p:txBody>
       </p:sp>
+      <p:sp>
+        <p:nvSpPr>
+          <p:cNvPr id="4" name="Titel 1">
+            <a:extLst>
+              <a:ext uri="{FF2B5EF4-FFF2-40B4-BE49-F238E27FC236}">
+                <a16:creationId xmlns:a16="http://schemas.microsoft.com/office/drawing/2014/main" id="{A13BBBEE-CA1D-D9CB-21EB-A54957673FA5}"/>
+              </a:ext>
+            </a:extLst>
+          </p:cNvPr>
+          <p:cNvSpPr txBox="1">
+            <a:spLocks/>
+          </p:cNvSpPr>
+          <p:nvPr/>
+        </p:nvSpPr>
+        <p:spPr>
+          <a:xfrm>
+            <a:off x="838199" y="1690688"/>
+            <a:ext cx="9445487" cy="3809309"/>
+          </a:xfrm>
+          <a:prstGeom prst="rect">
+            <a:avLst/>
+          </a:prstGeom>
+        </p:spPr>
+        <p:txBody>
+          <a:bodyPr vert="horz" lIns="91440" tIns="45720" rIns="91440" bIns="45720" rtlCol="0" anchor="t">
+            <a:normAutofit/>
+          </a:bodyPr>
+          <a:lstStyle>
+            <a:lvl1pPr algn="l" defTabSz="914400" rtl="0" eaLnBrk="1" latinLnBrk="0" hangingPunct="1">
+              <a:lnSpc>
+                <a:spcPct val="90000"/>
+              </a:lnSpc>
+              <a:spcBef>
+                <a:spcPct val="0"/>
+              </a:spcBef>
+              <a:buNone/>
+              <a:defRPr sz="4400" kern="1200">
+                <a:solidFill>
+                  <a:schemeClr val="tx1"/>
+                </a:solidFill>
+                <a:latin typeface="+mj-lt"/>
+                <a:ea typeface="+mj-ea"/>
+                <a:cs typeface="+mj-cs"/>
+              </a:defRPr>
+            </a:lvl1pPr>
+          </a:lstStyle>
+          <a:p>
+            <a:pPr marL="342900" indent="-342900">
+              <a:lnSpc>
+                <a:spcPct val="150000"/>
+              </a:lnSpc>
+              <a:buFontTx/>
+              <a:buChar char="-"/>
+            </a:pPr>
+            <a:r>
+              <a:rPr lang="de-DE" sz="2000" dirty="0">
+                <a:latin typeface="Montserrat Medium" pitchFamily="2" charset="77"/>
+              </a:rPr>
+              <a:t>Datenaufbereitung hat sehr lange gedauert</a:t>
+            </a:r>
+          </a:p>
+          <a:p>
+            <a:pPr marL="342900" indent="-342900">
+              <a:lnSpc>
+                <a:spcPct val="150000"/>
+              </a:lnSpc>
+              <a:buFontTx/>
+              <a:buChar char="-"/>
+            </a:pPr>
+            <a:r>
+              <a:rPr lang="de-DE" sz="2000" dirty="0">
+                <a:latin typeface="Montserrat Medium" pitchFamily="2" charset="77"/>
+              </a:rPr>
+              <a:t>In Teilen Schwierigkeiten bei der Kommunikation im Team</a:t>
+            </a:r>
+          </a:p>
+          <a:p>
+            <a:pPr marL="342900" indent="-342900">
+              <a:lnSpc>
+                <a:spcPct val="150000"/>
+              </a:lnSpc>
+              <a:buFontTx/>
+              <a:buChar char="-"/>
+            </a:pPr>
+            <a:r>
+              <a:rPr lang="de-DE" sz="2000" dirty="0">
+                <a:latin typeface="Montserrat Medium" pitchFamily="2" charset="77"/>
+              </a:rPr>
+              <a:t>Steile Lernkurve</a:t>
+            </a:r>
+          </a:p>
+        </p:txBody>
+      </p:sp>
     </p:spTree>
     <p:extLst>
       <p:ext uri="{BB962C8B-B14F-4D97-AF65-F5344CB8AC3E}">

--- a/praesentation/abschluss-praesentation.pptx
+++ b/praesentation/abschluss-praesentation.pptx
@@ -9,14 +9,16 @@
     <p:sldId id="257" r:id="rId3"/>
     <p:sldId id="259" r:id="rId4"/>
     <p:sldId id="258" r:id="rId5"/>
-    <p:sldId id="260" r:id="rId6"/>
-    <p:sldId id="261" r:id="rId7"/>
-    <p:sldId id="262" r:id="rId8"/>
-    <p:sldId id="263" r:id="rId9"/>
-    <p:sldId id="264" r:id="rId10"/>
-    <p:sldId id="265" r:id="rId11"/>
-    <p:sldId id="267" r:id="rId12"/>
-    <p:sldId id="266" r:id="rId13"/>
+    <p:sldId id="268" r:id="rId6"/>
+    <p:sldId id="269" r:id="rId7"/>
+    <p:sldId id="260" r:id="rId8"/>
+    <p:sldId id="261" r:id="rId9"/>
+    <p:sldId id="262" r:id="rId10"/>
+    <p:sldId id="263" r:id="rId11"/>
+    <p:sldId id="264" r:id="rId12"/>
+    <p:sldId id="265" r:id="rId13"/>
+    <p:sldId id="267" r:id="rId14"/>
+    <p:sldId id="266" r:id="rId15"/>
   </p:sldIdLst>
   <p:sldSz cx="12192000" cy="6858000"/>
   <p:notesSz cx="6858000" cy="9144000"/>
@@ -115,6 +117,11 @@
       </a:defRPr>
     </a:lvl9pPr>
   </p:defaultTextStyle>
+  <p:extLst>
+    <p:ext uri="{EFAFB233-063F-42B5-8137-9DF3F51BA10A}">
+      <p15:sldGuideLst xmlns:p15="http://schemas.microsoft.com/office/powerpoint/2012/main"/>
+    </p:ext>
+  </p:extLst>
 </p:presentation>
 </file>
 
@@ -265,7 +272,7 @@
           <a:p>
             <a:fld id="{6E977458-B7B2-EC4A-8413-02655D6CC726}" type="datetimeFigureOut">
               <a:rPr lang="de-DE" smtClean="0"/>
-              <a:t>13.06.23</a:t>
+              <a:t>19.06.23</a:t>
             </a:fld>
             <a:endParaRPr lang="de-DE"/>
           </a:p>
@@ -463,7 +470,7 @@
           <a:p>
             <a:fld id="{6E977458-B7B2-EC4A-8413-02655D6CC726}" type="datetimeFigureOut">
               <a:rPr lang="de-DE" smtClean="0"/>
-              <a:t>13.06.23</a:t>
+              <a:t>19.06.23</a:t>
             </a:fld>
             <a:endParaRPr lang="de-DE"/>
           </a:p>
@@ -671,7 +678,7 @@
           <a:p>
             <a:fld id="{6E977458-B7B2-EC4A-8413-02655D6CC726}" type="datetimeFigureOut">
               <a:rPr lang="de-DE" smtClean="0"/>
-              <a:t>13.06.23</a:t>
+              <a:t>19.06.23</a:t>
             </a:fld>
             <a:endParaRPr lang="de-DE"/>
           </a:p>
@@ -869,7 +876,7 @@
           <a:p>
             <a:fld id="{6E977458-B7B2-EC4A-8413-02655D6CC726}" type="datetimeFigureOut">
               <a:rPr lang="de-DE" smtClean="0"/>
-              <a:t>13.06.23</a:t>
+              <a:t>19.06.23</a:t>
             </a:fld>
             <a:endParaRPr lang="de-DE"/>
           </a:p>
@@ -1144,7 +1151,7 @@
           <a:p>
             <a:fld id="{6E977458-B7B2-EC4A-8413-02655D6CC726}" type="datetimeFigureOut">
               <a:rPr lang="de-DE" smtClean="0"/>
-              <a:t>13.06.23</a:t>
+              <a:t>19.06.23</a:t>
             </a:fld>
             <a:endParaRPr lang="de-DE"/>
           </a:p>
@@ -1409,7 +1416,7 @@
           <a:p>
             <a:fld id="{6E977458-B7B2-EC4A-8413-02655D6CC726}" type="datetimeFigureOut">
               <a:rPr lang="de-DE" smtClean="0"/>
-              <a:t>13.06.23</a:t>
+              <a:t>19.06.23</a:t>
             </a:fld>
             <a:endParaRPr lang="de-DE"/>
           </a:p>
@@ -1821,7 +1828,7 @@
           <a:p>
             <a:fld id="{6E977458-B7B2-EC4A-8413-02655D6CC726}" type="datetimeFigureOut">
               <a:rPr lang="de-DE" smtClean="0"/>
-              <a:t>13.06.23</a:t>
+              <a:t>19.06.23</a:t>
             </a:fld>
             <a:endParaRPr lang="de-DE"/>
           </a:p>
@@ -1962,7 +1969,7 @@
           <a:p>
             <a:fld id="{6E977458-B7B2-EC4A-8413-02655D6CC726}" type="datetimeFigureOut">
               <a:rPr lang="de-DE" smtClean="0"/>
-              <a:t>13.06.23</a:t>
+              <a:t>19.06.23</a:t>
             </a:fld>
             <a:endParaRPr lang="de-DE"/>
           </a:p>
@@ -2075,7 +2082,7 @@
           <a:p>
             <a:fld id="{6E977458-B7B2-EC4A-8413-02655D6CC726}" type="datetimeFigureOut">
               <a:rPr lang="de-DE" smtClean="0"/>
-              <a:t>13.06.23</a:t>
+              <a:t>19.06.23</a:t>
             </a:fld>
             <a:endParaRPr lang="de-DE"/>
           </a:p>
@@ -2386,7 +2393,7 @@
           <a:p>
             <a:fld id="{6E977458-B7B2-EC4A-8413-02655D6CC726}" type="datetimeFigureOut">
               <a:rPr lang="de-DE" smtClean="0"/>
-              <a:t>13.06.23</a:t>
+              <a:t>19.06.23</a:t>
             </a:fld>
             <a:endParaRPr lang="de-DE"/>
           </a:p>
@@ -2674,7 +2681,7 @@
           <a:p>
             <a:fld id="{6E977458-B7B2-EC4A-8413-02655D6CC726}" type="datetimeFigureOut">
               <a:rPr lang="de-DE" smtClean="0"/>
-              <a:t>13.06.23</a:t>
+              <a:t>19.06.23</a:t>
             </a:fld>
             <a:endParaRPr lang="de-DE"/>
           </a:p>
@@ -2915,7 +2922,7 @@
           <a:p>
             <a:fld id="{6E977458-B7B2-EC4A-8413-02655D6CC726}" type="datetimeFigureOut">
               <a:rPr lang="de-DE" smtClean="0"/>
-              <a:t>13.06.23</a:t>
+              <a:t>19.06.23</a:t>
             </a:fld>
             <a:endParaRPr lang="de-DE"/>
           </a:p>
@@ -3541,7 +3548,7 @@
               <a:rPr lang="de-DE" sz="2000" b="1" dirty="0">
                 <a:latin typeface="Montserrat SemiBold" pitchFamily="2" charset="77"/>
               </a:rPr>
-              <a:t>MAPE für den Zeitraum vom 9.6.2019 bis 30.7.2019</a:t>
+              <a:t>Source Code - Definition neuronales Netz</a:t>
             </a:r>
             <a:endParaRPr lang="de-DE" sz="2000" b="1" baseline="30000" dirty="0">
               <a:latin typeface="Montserrat SemiBold" pitchFamily="2" charset="77"/>
@@ -3552,7 +3559,7 @@
     </p:spTree>
     <p:extLst>
       <p:ext uri="{BB962C8B-B14F-4D97-AF65-F5344CB8AC3E}">
-        <p14:creationId xmlns:p14="http://schemas.microsoft.com/office/powerpoint/2010/main" val="3502325909"/>
+        <p14:creationId xmlns:p14="http://schemas.microsoft.com/office/powerpoint/2010/main" val="1286007366"/>
       </p:ext>
     </p:extLst>
   </p:cSld>
@@ -3606,6 +3613,248 @@
               <a:rPr lang="de-DE" sz="4000" i="1" dirty="0">
                 <a:latin typeface="Montserrat Medium" pitchFamily="2" charset="77"/>
               </a:rPr>
+              <a:t>Optimierung – neuronales Netz</a:t>
+            </a:r>
+          </a:p>
+        </p:txBody>
+      </p:sp>
+      <p:sp>
+        <p:nvSpPr>
+          <p:cNvPr id="3" name="Titel 1">
+            <a:extLst>
+              <a:ext uri="{FF2B5EF4-FFF2-40B4-BE49-F238E27FC236}">
+                <a16:creationId xmlns:a16="http://schemas.microsoft.com/office/drawing/2014/main" id="{FF5D0F16-79BB-E6CF-B6D5-C219CEA28F67}"/>
+              </a:ext>
+            </a:extLst>
+          </p:cNvPr>
+          <p:cNvSpPr txBox="1">
+            <a:spLocks/>
+          </p:cNvSpPr>
+          <p:nvPr/>
+        </p:nvSpPr>
+        <p:spPr>
+          <a:xfrm>
+            <a:off x="838200" y="1345787"/>
+            <a:ext cx="6781800" cy="456510"/>
+          </a:xfrm>
+          <a:prstGeom prst="rect">
+            <a:avLst/>
+          </a:prstGeom>
+        </p:spPr>
+        <p:txBody>
+          <a:bodyPr vert="horz" lIns="91440" tIns="45720" rIns="91440" bIns="45720" rtlCol="0" anchor="ctr">
+            <a:normAutofit/>
+          </a:bodyPr>
+          <a:lstStyle>
+            <a:lvl1pPr algn="l" defTabSz="914400" rtl="0" eaLnBrk="1" latinLnBrk="0" hangingPunct="1">
+              <a:lnSpc>
+                <a:spcPct val="90000"/>
+              </a:lnSpc>
+              <a:spcBef>
+                <a:spcPct val="0"/>
+              </a:spcBef>
+              <a:buNone/>
+              <a:defRPr sz="4400" kern="1200">
+                <a:solidFill>
+                  <a:schemeClr val="tx1"/>
+                </a:solidFill>
+                <a:latin typeface="+mj-lt"/>
+                <a:ea typeface="+mj-ea"/>
+                <a:cs typeface="+mj-cs"/>
+              </a:defRPr>
+            </a:lvl1pPr>
+          </a:lstStyle>
+          <a:p>
+            <a:r>
+              <a:rPr lang="de-DE" sz="2000" b="1" dirty="0">
+                <a:latin typeface="Montserrat SemiBold" pitchFamily="2" charset="77"/>
+              </a:rPr>
+              <a:t>Loss-Funktion Trainings/Validierungsdaten</a:t>
+            </a:r>
+            <a:endParaRPr lang="de-DE" sz="2000" b="1" baseline="30000" dirty="0">
+              <a:latin typeface="Montserrat SemiBold" pitchFamily="2" charset="77"/>
+            </a:endParaRPr>
+          </a:p>
+        </p:txBody>
+      </p:sp>
+    </p:spTree>
+    <p:extLst>
+      <p:ext uri="{BB962C8B-B14F-4D97-AF65-F5344CB8AC3E}">
+        <p14:creationId xmlns:p14="http://schemas.microsoft.com/office/powerpoint/2010/main" val="3883534872"/>
+      </p:ext>
+    </p:extLst>
+  </p:cSld>
+  <p:clrMapOvr>
+    <a:masterClrMapping/>
+  </p:clrMapOvr>
+</p:sld>
+</file>
+
+<file path=ppt/slides/slide12.xml><?xml version="1.0" encoding="utf-8"?>
+<p:sld xmlns:a="http://schemas.openxmlformats.org/drawingml/2006/main" xmlns:r="http://schemas.openxmlformats.org/officeDocument/2006/relationships" xmlns:p="http://schemas.openxmlformats.org/presentationml/2006/main">
+  <p:cSld>
+    <p:spTree>
+      <p:nvGrpSpPr>
+        <p:cNvPr id="1" name=""/>
+        <p:cNvGrpSpPr/>
+        <p:nvPr/>
+      </p:nvGrpSpPr>
+      <p:grpSpPr>
+        <a:xfrm>
+          <a:off x="0" y="0"/>
+          <a:ext cx="0" cy="0"/>
+          <a:chOff x="0" y="0"/>
+          <a:chExt cx="0" cy="0"/>
+        </a:xfrm>
+      </p:grpSpPr>
+      <p:sp>
+        <p:nvSpPr>
+          <p:cNvPr id="2" name="Titel 1">
+            <a:extLst>
+              <a:ext uri="{FF2B5EF4-FFF2-40B4-BE49-F238E27FC236}">
+                <a16:creationId xmlns:a16="http://schemas.microsoft.com/office/drawing/2014/main" id="{1953E359-0FE8-EE4E-41BB-99E9B165A72C}"/>
+              </a:ext>
+            </a:extLst>
+          </p:cNvPr>
+          <p:cNvSpPr>
+            <a:spLocks noGrp="1"/>
+          </p:cNvSpPr>
+          <p:nvPr>
+            <p:ph type="title"/>
+          </p:nvPr>
+        </p:nvSpPr>
+        <p:spPr/>
+        <p:txBody>
+          <a:bodyPr>
+            <a:normAutofit/>
+          </a:bodyPr>
+          <a:lstStyle/>
+          <a:p>
+            <a:r>
+              <a:rPr lang="de-DE" sz="4000" i="1" dirty="0">
+                <a:latin typeface="Montserrat Medium" pitchFamily="2" charset="77"/>
+              </a:rPr>
+              <a:t>Optimierung – neuronales Netz</a:t>
+            </a:r>
+          </a:p>
+        </p:txBody>
+      </p:sp>
+      <p:sp>
+        <p:nvSpPr>
+          <p:cNvPr id="3" name="Titel 1">
+            <a:extLst>
+              <a:ext uri="{FF2B5EF4-FFF2-40B4-BE49-F238E27FC236}">
+                <a16:creationId xmlns:a16="http://schemas.microsoft.com/office/drawing/2014/main" id="{FF5D0F16-79BB-E6CF-B6D5-C219CEA28F67}"/>
+              </a:ext>
+            </a:extLst>
+          </p:cNvPr>
+          <p:cNvSpPr txBox="1">
+            <a:spLocks/>
+          </p:cNvSpPr>
+          <p:nvPr/>
+        </p:nvSpPr>
+        <p:spPr>
+          <a:xfrm>
+            <a:off x="838200" y="1345787"/>
+            <a:ext cx="6781800" cy="456510"/>
+          </a:xfrm>
+          <a:prstGeom prst="rect">
+            <a:avLst/>
+          </a:prstGeom>
+        </p:spPr>
+        <p:txBody>
+          <a:bodyPr vert="horz" lIns="91440" tIns="45720" rIns="91440" bIns="45720" rtlCol="0" anchor="ctr">
+            <a:normAutofit/>
+          </a:bodyPr>
+          <a:lstStyle>
+            <a:lvl1pPr algn="l" defTabSz="914400" rtl="0" eaLnBrk="1" latinLnBrk="0" hangingPunct="1">
+              <a:lnSpc>
+                <a:spcPct val="90000"/>
+              </a:lnSpc>
+              <a:spcBef>
+                <a:spcPct val="0"/>
+              </a:spcBef>
+              <a:buNone/>
+              <a:defRPr sz="4400" kern="1200">
+                <a:solidFill>
+                  <a:schemeClr val="tx1"/>
+                </a:solidFill>
+                <a:latin typeface="+mj-lt"/>
+                <a:ea typeface="+mj-ea"/>
+                <a:cs typeface="+mj-cs"/>
+              </a:defRPr>
+            </a:lvl1pPr>
+          </a:lstStyle>
+          <a:p>
+            <a:r>
+              <a:rPr lang="de-DE" sz="2000" b="1" dirty="0">
+                <a:latin typeface="Montserrat SemiBold" pitchFamily="2" charset="77"/>
+              </a:rPr>
+              <a:t>MAPE für den Zeitraum vom 9.6.2019 bis 30.7.2019</a:t>
+            </a:r>
+            <a:endParaRPr lang="de-DE" sz="2000" b="1" baseline="30000" dirty="0">
+              <a:latin typeface="Montserrat SemiBold" pitchFamily="2" charset="77"/>
+            </a:endParaRPr>
+          </a:p>
+        </p:txBody>
+      </p:sp>
+    </p:spTree>
+    <p:extLst>
+      <p:ext uri="{BB962C8B-B14F-4D97-AF65-F5344CB8AC3E}">
+        <p14:creationId xmlns:p14="http://schemas.microsoft.com/office/powerpoint/2010/main" val="3502325909"/>
+      </p:ext>
+    </p:extLst>
+  </p:cSld>
+  <p:clrMapOvr>
+    <a:masterClrMapping/>
+  </p:clrMapOvr>
+</p:sld>
+</file>
+
+<file path=ppt/slides/slide13.xml><?xml version="1.0" encoding="utf-8"?>
+<p:sld xmlns:a="http://schemas.openxmlformats.org/drawingml/2006/main" xmlns:r="http://schemas.openxmlformats.org/officeDocument/2006/relationships" xmlns:p="http://schemas.openxmlformats.org/presentationml/2006/main">
+  <p:cSld>
+    <p:spTree>
+      <p:nvGrpSpPr>
+        <p:cNvPr id="1" name=""/>
+        <p:cNvGrpSpPr/>
+        <p:nvPr/>
+      </p:nvGrpSpPr>
+      <p:grpSpPr>
+        <a:xfrm>
+          <a:off x="0" y="0"/>
+          <a:ext cx="0" cy="0"/>
+          <a:chOff x="0" y="0"/>
+          <a:chExt cx="0" cy="0"/>
+        </a:xfrm>
+      </p:grpSpPr>
+      <p:sp>
+        <p:nvSpPr>
+          <p:cNvPr id="2" name="Titel 1">
+            <a:extLst>
+              <a:ext uri="{FF2B5EF4-FFF2-40B4-BE49-F238E27FC236}">
+                <a16:creationId xmlns:a16="http://schemas.microsoft.com/office/drawing/2014/main" id="{1953E359-0FE8-EE4E-41BB-99E9B165A72C}"/>
+              </a:ext>
+            </a:extLst>
+          </p:cNvPr>
+          <p:cNvSpPr>
+            <a:spLocks noGrp="1"/>
+          </p:cNvSpPr>
+          <p:nvPr>
+            <p:ph type="title"/>
+          </p:nvPr>
+        </p:nvSpPr>
+        <p:spPr/>
+        <p:txBody>
+          <a:bodyPr>
+            <a:normAutofit/>
+          </a:bodyPr>
+          <a:lstStyle/>
+          <a:p>
+            <a:r>
+              <a:rPr lang="de-DE" sz="4000" i="1" dirty="0">
+                <a:latin typeface="Montserrat Medium" pitchFamily="2" charset="77"/>
+              </a:rPr>
               <a:t>Fehler/Probleme</a:t>
             </a:r>
           </a:p>
@@ -3717,7 +3966,7 @@
 </p:sld>
 </file>
 
-<file path=ppt/slides/slide12.xml><?xml version="1.0" encoding="utf-8"?>
+<file path=ppt/slides/slide14.xml><?xml version="1.0" encoding="utf-8"?>
 <p:sld xmlns:a="http://schemas.openxmlformats.org/drawingml/2006/main" xmlns:r="http://schemas.openxmlformats.org/officeDocument/2006/relationships" xmlns:p="http://schemas.openxmlformats.org/presentationml/2006/main">
   <p:cSld>
     <p:bg>
@@ -6829,6 +7078,36 @@
           </a:p>
         </p:txBody>
       </p:sp>
+      <p:pic>
+        <p:nvPicPr>
+          <p:cNvPr id="4" name="Grafik 3">
+            <a:extLst>
+              <a:ext uri="{FF2B5EF4-FFF2-40B4-BE49-F238E27FC236}">
+                <a16:creationId xmlns:a16="http://schemas.microsoft.com/office/drawing/2014/main" id="{26ADE9BD-5E43-B1FD-FCBE-FDCEB2CE7957}"/>
+              </a:ext>
+            </a:extLst>
+          </p:cNvPr>
+          <p:cNvPicPr>
+            <a:picLocks noChangeAspect="1"/>
+          </p:cNvPicPr>
+          <p:nvPr/>
+        </p:nvPicPr>
+        <p:blipFill>
+          <a:blip r:embed="rId2"/>
+          <a:stretch>
+            <a:fillRect/>
+          </a:stretch>
+        </p:blipFill>
+        <p:spPr>
+          <a:xfrm>
+            <a:off x="838200" y="1470991"/>
+            <a:ext cx="7772400" cy="4796681"/>
+          </a:xfrm>
+          <a:prstGeom prst="rect">
+            <a:avLst/>
+          </a:prstGeom>
+        </p:spPr>
+      </p:pic>
     </p:spTree>
     <p:extLst>
       <p:ext uri="{BB962C8B-B14F-4D97-AF65-F5344CB8AC3E}">
@@ -6886,71 +7165,44 @@
               <a:rPr lang="de-DE" sz="4000" i="1" dirty="0">
                 <a:latin typeface="Montserrat Medium" pitchFamily="2" charset="77"/>
               </a:rPr>
-              <a:t>Optimierung – lineares Modell</a:t>
-            </a:r>
-          </a:p>
-        </p:txBody>
-      </p:sp>
-      <p:sp>
-        <p:nvSpPr>
-          <p:cNvPr id="3" name="Titel 1">
-            <a:extLst>
-              <a:ext uri="{FF2B5EF4-FFF2-40B4-BE49-F238E27FC236}">
-                <a16:creationId xmlns:a16="http://schemas.microsoft.com/office/drawing/2014/main" id="{FF5D0F16-79BB-E6CF-B6D5-C219CEA28F67}"/>
-              </a:ext>
-            </a:extLst>
-          </p:cNvPr>
-          <p:cNvSpPr txBox="1">
-            <a:spLocks/>
-          </p:cNvSpPr>
+              <a:t>Konfidenzintervalle</a:t>
+            </a:r>
+          </a:p>
+        </p:txBody>
+      </p:sp>
+      <p:pic>
+        <p:nvPicPr>
+          <p:cNvPr id="4" name="Grafik 3">
+            <a:extLst>
+              <a:ext uri="{FF2B5EF4-FFF2-40B4-BE49-F238E27FC236}">
+                <a16:creationId xmlns:a16="http://schemas.microsoft.com/office/drawing/2014/main" id="{26ADE9BD-5E43-B1FD-FCBE-FDCEB2CE7957}"/>
+              </a:ext>
+            </a:extLst>
+          </p:cNvPr>
+          <p:cNvPicPr>
+            <a:picLocks noChangeAspect="1"/>
+          </p:cNvPicPr>
           <p:nvPr/>
-        </p:nvSpPr>
+        </p:nvPicPr>
+        <p:blipFill>
+          <a:blip r:embed="rId2"/>
+          <a:srcRect/>
+          <a:stretch/>
+        </p:blipFill>
         <p:spPr>
           <a:xfrm>
-            <a:off x="838200" y="1345787"/>
-            <a:ext cx="3919331" cy="456510"/>
+            <a:off x="838200" y="1470991"/>
+            <a:ext cx="7772399" cy="4796681"/>
           </a:xfrm>
           <a:prstGeom prst="rect">
             <a:avLst/>
           </a:prstGeom>
         </p:spPr>
-        <p:txBody>
-          <a:bodyPr vert="horz" lIns="91440" tIns="45720" rIns="91440" bIns="45720" rtlCol="0" anchor="ctr">
-            <a:normAutofit/>
-          </a:bodyPr>
-          <a:lstStyle>
-            <a:lvl1pPr algn="l" defTabSz="914400" rtl="0" eaLnBrk="1" latinLnBrk="0" hangingPunct="1">
-              <a:lnSpc>
-                <a:spcPct val="90000"/>
-              </a:lnSpc>
-              <a:spcBef>
-                <a:spcPct val="0"/>
-              </a:spcBef>
-              <a:buNone/>
-              <a:defRPr sz="4400" kern="1200">
-                <a:solidFill>
-                  <a:schemeClr val="tx1"/>
-                </a:solidFill>
-                <a:latin typeface="+mj-lt"/>
-                <a:ea typeface="+mj-ea"/>
-                <a:cs typeface="+mj-cs"/>
-              </a:defRPr>
-            </a:lvl1pPr>
-          </a:lstStyle>
-          <a:p>
-            <a:r>
-              <a:rPr lang="de-DE" sz="2000" b="1" dirty="0">
-                <a:latin typeface="Montserrat SemiBold" pitchFamily="2" charset="77"/>
-              </a:rPr>
-              <a:t>Modellausgleichung</a:t>
-            </a:r>
-          </a:p>
-        </p:txBody>
-      </p:sp>
+      </p:pic>
     </p:spTree>
     <p:extLst>
       <p:ext uri="{BB962C8B-B14F-4D97-AF65-F5344CB8AC3E}">
-        <p14:creationId xmlns:p14="http://schemas.microsoft.com/office/powerpoint/2010/main" val="1050369584"/>
+        <p14:creationId xmlns:p14="http://schemas.microsoft.com/office/powerpoint/2010/main" val="3560576038"/>
       </p:ext>
     </p:extLst>
   </p:cSld>
@@ -7004,83 +7256,44 @@
               <a:rPr lang="de-DE" sz="4000" i="1" dirty="0">
                 <a:latin typeface="Montserrat Medium" pitchFamily="2" charset="77"/>
               </a:rPr>
-              <a:t>Optimierung – lineares Modell</a:t>
-            </a:r>
-          </a:p>
-        </p:txBody>
-      </p:sp>
-      <p:sp>
-        <p:nvSpPr>
-          <p:cNvPr id="3" name="Titel 1">
-            <a:extLst>
-              <a:ext uri="{FF2B5EF4-FFF2-40B4-BE49-F238E27FC236}">
-                <a16:creationId xmlns:a16="http://schemas.microsoft.com/office/drawing/2014/main" id="{FF5D0F16-79BB-E6CF-B6D5-C219CEA28F67}"/>
-              </a:ext>
-            </a:extLst>
-          </p:cNvPr>
-          <p:cNvSpPr txBox="1">
-            <a:spLocks/>
-          </p:cNvSpPr>
+              <a:t>Konfidenzintervalle</a:t>
+            </a:r>
+          </a:p>
+        </p:txBody>
+      </p:sp>
+      <p:pic>
+        <p:nvPicPr>
+          <p:cNvPr id="4" name="Grafik 3">
+            <a:extLst>
+              <a:ext uri="{FF2B5EF4-FFF2-40B4-BE49-F238E27FC236}">
+                <a16:creationId xmlns:a16="http://schemas.microsoft.com/office/drawing/2014/main" id="{26ADE9BD-5E43-B1FD-FCBE-FDCEB2CE7957}"/>
+              </a:ext>
+            </a:extLst>
+          </p:cNvPr>
+          <p:cNvPicPr>
+            <a:picLocks noChangeAspect="1"/>
+          </p:cNvPicPr>
           <p:nvPr/>
-        </p:nvSpPr>
+        </p:nvPicPr>
+        <p:blipFill>
+          <a:blip r:embed="rId2"/>
+          <a:srcRect/>
+          <a:stretch/>
+        </p:blipFill>
         <p:spPr>
           <a:xfrm>
-            <a:off x="838200" y="1345787"/>
-            <a:ext cx="3919331" cy="456510"/>
+            <a:off x="838200" y="1470991"/>
+            <a:ext cx="7772399" cy="4796680"/>
           </a:xfrm>
           <a:prstGeom prst="rect">
             <a:avLst/>
           </a:prstGeom>
         </p:spPr>
-        <p:txBody>
-          <a:bodyPr vert="horz" lIns="91440" tIns="45720" rIns="91440" bIns="45720" rtlCol="0" anchor="ctr">
-            <a:normAutofit/>
-          </a:bodyPr>
-          <a:lstStyle>
-            <a:lvl1pPr algn="l" defTabSz="914400" rtl="0" eaLnBrk="1" latinLnBrk="0" hangingPunct="1">
-              <a:lnSpc>
-                <a:spcPct val="90000"/>
-              </a:lnSpc>
-              <a:spcBef>
-                <a:spcPct val="0"/>
-              </a:spcBef>
-              <a:buNone/>
-              <a:defRPr sz="4400" kern="1200">
-                <a:solidFill>
-                  <a:schemeClr val="tx1"/>
-                </a:solidFill>
-                <a:latin typeface="+mj-lt"/>
-                <a:ea typeface="+mj-ea"/>
-                <a:cs typeface="+mj-cs"/>
-              </a:defRPr>
-            </a:lvl1pPr>
-          </a:lstStyle>
-          <a:p>
-            <a:r>
-              <a:rPr lang="de-DE" sz="2000" b="1" dirty="0" err="1">
-                <a:latin typeface="Montserrat SemiBold" pitchFamily="2" charset="77"/>
-              </a:rPr>
-              <a:t>adjusted</a:t>
-            </a:r>
-            <a:r>
-              <a:rPr lang="de-DE" sz="2000" b="1" dirty="0">
-                <a:latin typeface="Montserrat SemiBold" pitchFamily="2" charset="77"/>
-              </a:rPr>
-              <a:t> r</a:t>
-            </a:r>
-            <a:r>
-              <a:rPr lang="de-DE" sz="2000" b="1" baseline="30000" dirty="0">
-                <a:latin typeface="Montserrat SemiBold" pitchFamily="2" charset="77"/>
-              </a:rPr>
-              <a:t>2</a:t>
-            </a:r>
-          </a:p>
-        </p:txBody>
-      </p:sp>
+      </p:pic>
     </p:spTree>
     <p:extLst>
       <p:ext uri="{BB962C8B-B14F-4D97-AF65-F5344CB8AC3E}">
-        <p14:creationId xmlns:p14="http://schemas.microsoft.com/office/powerpoint/2010/main" val="1342806202"/>
+        <p14:creationId xmlns:p14="http://schemas.microsoft.com/office/powerpoint/2010/main" val="2114864638"/>
       </p:ext>
     </p:extLst>
   </p:cSld>
@@ -7156,7 +7369,7 @@
         <p:spPr>
           <a:xfrm>
             <a:off x="838200" y="1345787"/>
-            <a:ext cx="6781800" cy="456510"/>
+            <a:ext cx="3919331" cy="456510"/>
           </a:xfrm>
           <a:prstGeom prst="rect">
             <a:avLst/>
@@ -7190,18 +7403,15 @@
               <a:rPr lang="de-DE" sz="2000" b="1" dirty="0">
                 <a:latin typeface="Montserrat SemiBold" pitchFamily="2" charset="77"/>
               </a:rPr>
-              <a:t>MAPE für den Zeitraum vom 9.6.2019 bis 30.7.2019</a:t>
-            </a:r>
-            <a:endParaRPr lang="de-DE" sz="2000" b="1" baseline="30000" dirty="0">
-              <a:latin typeface="Montserrat SemiBold" pitchFamily="2" charset="77"/>
-            </a:endParaRPr>
+              <a:t>Modellausgleichung</a:t>
+            </a:r>
           </a:p>
         </p:txBody>
       </p:sp>
     </p:spTree>
     <p:extLst>
       <p:ext uri="{BB962C8B-B14F-4D97-AF65-F5344CB8AC3E}">
-        <p14:creationId xmlns:p14="http://schemas.microsoft.com/office/powerpoint/2010/main" val="772739273"/>
+        <p14:creationId xmlns:p14="http://schemas.microsoft.com/office/powerpoint/2010/main" val="1050369584"/>
       </p:ext>
     </p:extLst>
   </p:cSld>
@@ -7255,7 +7465,7 @@
               <a:rPr lang="de-DE" sz="4000" i="1" dirty="0">
                 <a:latin typeface="Montserrat Medium" pitchFamily="2" charset="77"/>
               </a:rPr>
-              <a:t>Optimierung – neuronales Netz</a:t>
+              <a:t>Optimierung – lineares Modell</a:t>
             </a:r>
           </a:p>
         </p:txBody>
@@ -7277,7 +7487,7 @@
         <p:spPr>
           <a:xfrm>
             <a:off x="838200" y="1345787"/>
-            <a:ext cx="6781800" cy="456510"/>
+            <a:ext cx="3919331" cy="456510"/>
           </a:xfrm>
           <a:prstGeom prst="rect">
             <a:avLst/>
@@ -7308,21 +7518,30 @@
           </a:lstStyle>
           <a:p>
             <a:r>
+              <a:rPr lang="de-DE" sz="2000" b="1" dirty="0" err="1">
+                <a:latin typeface="Montserrat SemiBold" pitchFamily="2" charset="77"/>
+              </a:rPr>
+              <a:t>adjusted</a:t>
+            </a:r>
+            <a:r>
               <a:rPr lang="de-DE" sz="2000" b="1" dirty="0">
                 <a:latin typeface="Montserrat SemiBold" pitchFamily="2" charset="77"/>
               </a:rPr>
-              <a:t>Source Code - Definition neuronales Netz</a:t>
-            </a:r>
-            <a:endParaRPr lang="de-DE" sz="2000" b="1" baseline="30000" dirty="0">
-              <a:latin typeface="Montserrat SemiBold" pitchFamily="2" charset="77"/>
-            </a:endParaRPr>
+              <a:t> r</a:t>
+            </a:r>
+            <a:r>
+              <a:rPr lang="de-DE" sz="2000" b="1" baseline="30000" dirty="0">
+                <a:latin typeface="Montserrat SemiBold" pitchFamily="2" charset="77"/>
+              </a:rPr>
+              <a:t>2</a:t>
+            </a:r>
           </a:p>
         </p:txBody>
       </p:sp>
     </p:spTree>
     <p:extLst>
       <p:ext uri="{BB962C8B-B14F-4D97-AF65-F5344CB8AC3E}">
-        <p14:creationId xmlns:p14="http://schemas.microsoft.com/office/powerpoint/2010/main" val="1286007366"/>
+        <p14:creationId xmlns:p14="http://schemas.microsoft.com/office/powerpoint/2010/main" val="1342806202"/>
       </p:ext>
     </p:extLst>
   </p:cSld>
@@ -7376,7 +7595,7 @@
               <a:rPr lang="de-DE" sz="4000" i="1" dirty="0">
                 <a:latin typeface="Montserrat Medium" pitchFamily="2" charset="77"/>
               </a:rPr>
-              <a:t>Optimierung – neuronales Netz</a:t>
+              <a:t>Optimierung – lineares Modell</a:t>
             </a:r>
           </a:p>
         </p:txBody>
@@ -7432,7 +7651,7 @@
               <a:rPr lang="de-DE" sz="2000" b="1" dirty="0">
                 <a:latin typeface="Montserrat SemiBold" pitchFamily="2" charset="77"/>
               </a:rPr>
-              <a:t>Loss-Funktion Trainings/Validierungsdaten</a:t>
+              <a:t>MAPE für den Zeitraum vom 9.6.2019 bis 30.7.2019</a:t>
             </a:r>
             <a:endParaRPr lang="de-DE" sz="2000" b="1" baseline="30000" dirty="0">
               <a:latin typeface="Montserrat SemiBold" pitchFamily="2" charset="77"/>
@@ -7443,7 +7662,7 @@
     </p:spTree>
     <p:extLst>
       <p:ext uri="{BB962C8B-B14F-4D97-AF65-F5344CB8AC3E}">
-        <p14:creationId xmlns:p14="http://schemas.microsoft.com/office/powerpoint/2010/main" val="3883534872"/>
+        <p14:creationId xmlns:p14="http://schemas.microsoft.com/office/powerpoint/2010/main" val="772739273"/>
       </p:ext>
     </p:extLst>
   </p:cSld>

--- a/praesentation/abschluss-praesentation.pptx
+++ b/praesentation/abschluss-praesentation.pptx
@@ -17,8 +17,9 @@
     <p:sldId id="263" r:id="rId11"/>
     <p:sldId id="264" r:id="rId12"/>
     <p:sldId id="265" r:id="rId13"/>
-    <p:sldId id="267" r:id="rId14"/>
-    <p:sldId id="266" r:id="rId15"/>
+    <p:sldId id="270" r:id="rId14"/>
+    <p:sldId id="267" r:id="rId15"/>
+    <p:sldId id="266" r:id="rId16"/>
   </p:sldIdLst>
   <p:sldSz cx="12192000" cy="6858000"/>
   <p:notesSz cx="6858000" cy="9144000"/>
@@ -3556,6 +3557,416 @@
           </a:p>
         </p:txBody>
       </p:sp>
+      <p:sp>
+        <p:nvSpPr>
+          <p:cNvPr id="4" name="Titel 1">
+            <a:extLst>
+              <a:ext uri="{FF2B5EF4-FFF2-40B4-BE49-F238E27FC236}">
+                <a16:creationId xmlns:a16="http://schemas.microsoft.com/office/drawing/2014/main" id="{4675B89B-4EB2-91BA-08F5-663BE6D4596B}"/>
+              </a:ext>
+            </a:extLst>
+          </p:cNvPr>
+          <p:cNvSpPr txBox="1">
+            <a:spLocks/>
+          </p:cNvSpPr>
+          <p:nvPr/>
+        </p:nvSpPr>
+        <p:spPr>
+          <a:xfrm>
+            <a:off x="11492947" y="6162260"/>
+            <a:ext cx="447261" cy="516835"/>
+          </a:xfrm>
+          <a:prstGeom prst="rect">
+            <a:avLst/>
+          </a:prstGeom>
+        </p:spPr>
+        <p:txBody>
+          <a:bodyPr vert="horz" lIns="91440" tIns="45720" rIns="91440" bIns="45720" rtlCol="0" anchor="ctr">
+            <a:normAutofit/>
+          </a:bodyPr>
+          <a:lstStyle>
+            <a:lvl1pPr algn="l" defTabSz="914400" rtl="0" eaLnBrk="1" latinLnBrk="0" hangingPunct="1">
+              <a:lnSpc>
+                <a:spcPct val="90000"/>
+              </a:lnSpc>
+              <a:spcBef>
+                <a:spcPct val="0"/>
+              </a:spcBef>
+              <a:buNone/>
+              <a:defRPr sz="4400" kern="1200">
+                <a:solidFill>
+                  <a:schemeClr val="tx1"/>
+                </a:solidFill>
+                <a:latin typeface="+mj-lt"/>
+                <a:ea typeface="+mj-ea"/>
+                <a:cs typeface="+mj-cs"/>
+              </a:defRPr>
+            </a:lvl1pPr>
+          </a:lstStyle>
+          <a:p>
+            <a:pPr algn="ctr">
+              <a:lnSpc>
+                <a:spcPct val="100000"/>
+              </a:lnSpc>
+            </a:pPr>
+            <a:r>
+              <a:rPr lang="de-DE" sz="1600" b="1" dirty="0">
+                <a:latin typeface="Montserrat SemiBold" pitchFamily="2" charset="77"/>
+              </a:rPr>
+              <a:t>9</a:t>
+            </a:r>
+            <a:endParaRPr lang="de-DE" sz="1100" b="1" dirty="0">
+              <a:latin typeface="Montserrat SemiBold" pitchFamily="2" charset="77"/>
+            </a:endParaRPr>
+          </a:p>
+        </p:txBody>
+      </p:sp>
+      <p:sp>
+        <p:nvSpPr>
+          <p:cNvPr id="7" name="Titel 1">
+            <a:extLst>
+              <a:ext uri="{FF2B5EF4-FFF2-40B4-BE49-F238E27FC236}">
+                <a16:creationId xmlns:a16="http://schemas.microsoft.com/office/drawing/2014/main" id="{7046AEB0-0C86-6AFD-6C55-B2893984037B}"/>
+              </a:ext>
+            </a:extLst>
+          </p:cNvPr>
+          <p:cNvSpPr txBox="1">
+            <a:spLocks/>
+          </p:cNvSpPr>
+          <p:nvPr/>
+        </p:nvSpPr>
+        <p:spPr>
+          <a:xfrm>
+            <a:off x="838200" y="2810495"/>
+            <a:ext cx="10233992" cy="2701717"/>
+          </a:xfrm>
+          <a:prstGeom prst="rect">
+            <a:avLst/>
+          </a:prstGeom>
+        </p:spPr>
+        <p:txBody>
+          <a:bodyPr vert="horz" lIns="91440" tIns="45720" rIns="91440" bIns="45720" rtlCol="0" anchor="ctr">
+            <a:normAutofit/>
+          </a:bodyPr>
+          <a:lstStyle>
+            <a:lvl1pPr algn="l" defTabSz="914400" rtl="0" eaLnBrk="1" latinLnBrk="0" hangingPunct="1">
+              <a:lnSpc>
+                <a:spcPct val="90000"/>
+              </a:lnSpc>
+              <a:spcBef>
+                <a:spcPct val="0"/>
+              </a:spcBef>
+              <a:buNone/>
+              <a:defRPr sz="4400" kern="1200">
+                <a:solidFill>
+                  <a:schemeClr val="tx1"/>
+                </a:solidFill>
+                <a:latin typeface="+mj-lt"/>
+                <a:ea typeface="+mj-ea"/>
+                <a:cs typeface="+mj-cs"/>
+              </a:defRPr>
+            </a:lvl1pPr>
+          </a:lstStyle>
+          <a:p>
+            <a:endParaRPr lang="de-DE" sz="1100" dirty="0"/>
+          </a:p>
+        </p:txBody>
+      </p:sp>
+      <p:sp>
+        <p:nvSpPr>
+          <p:cNvPr id="8" name="Titel 1">
+            <a:extLst>
+              <a:ext uri="{FF2B5EF4-FFF2-40B4-BE49-F238E27FC236}">
+                <a16:creationId xmlns:a16="http://schemas.microsoft.com/office/drawing/2014/main" id="{A5B4C587-401B-0651-E340-55F285EB4C20}"/>
+              </a:ext>
+            </a:extLst>
+          </p:cNvPr>
+          <p:cNvSpPr txBox="1">
+            <a:spLocks/>
+          </p:cNvSpPr>
+          <p:nvPr/>
+        </p:nvSpPr>
+        <p:spPr>
+          <a:xfrm>
+            <a:off x="838200" y="2375968"/>
+            <a:ext cx="10233992" cy="3570770"/>
+          </a:xfrm>
+          <a:prstGeom prst="rect">
+            <a:avLst/>
+          </a:prstGeom>
+        </p:spPr>
+        <p:txBody>
+          <a:bodyPr vert="horz" lIns="91440" tIns="45720" rIns="91440" bIns="45720" rtlCol="0" anchor="ctr">
+            <a:normAutofit fontScale="77500" lnSpcReduction="20000"/>
+          </a:bodyPr>
+          <a:lstStyle>
+            <a:lvl1pPr algn="l" defTabSz="914400" rtl="0" eaLnBrk="1" latinLnBrk="0" hangingPunct="1">
+              <a:lnSpc>
+                <a:spcPct val="90000"/>
+              </a:lnSpc>
+              <a:spcBef>
+                <a:spcPct val="0"/>
+              </a:spcBef>
+              <a:buNone/>
+              <a:defRPr sz="4400" kern="1200">
+                <a:solidFill>
+                  <a:schemeClr val="tx1"/>
+                </a:solidFill>
+                <a:latin typeface="+mj-lt"/>
+                <a:ea typeface="+mj-ea"/>
+                <a:cs typeface="+mj-cs"/>
+              </a:defRPr>
+            </a:lvl1pPr>
+          </a:lstStyle>
+          <a:p>
+            <a:pPr>
+              <a:lnSpc>
+                <a:spcPct val="170000"/>
+              </a:lnSpc>
+            </a:pPr>
+            <a:r>
+              <a:rPr lang="de-DE" sz="2800" dirty="0">
+                <a:latin typeface="Montserrat Medium" pitchFamily="2" charset="77"/>
+              </a:rPr>
+              <a:t>model_1 = </a:t>
+            </a:r>
+            <a:r>
+              <a:rPr lang="de-DE" sz="2800" dirty="0" err="1">
+                <a:latin typeface="Montserrat Medium" pitchFamily="2" charset="77"/>
+              </a:rPr>
+              <a:t>Sequential</a:t>
+            </a:r>
+            <a:r>
+              <a:rPr lang="de-DE" sz="2800" dirty="0">
+                <a:latin typeface="Montserrat Medium" pitchFamily="2" charset="77"/>
+              </a:rPr>
+              <a:t>([</a:t>
+            </a:r>
+          </a:p>
+          <a:p>
+            <a:pPr>
+              <a:lnSpc>
+                <a:spcPct val="170000"/>
+              </a:lnSpc>
+            </a:pPr>
+            <a:r>
+              <a:rPr lang="de-DE" sz="2800" dirty="0">
+                <a:latin typeface="Montserrat Medium" pitchFamily="2" charset="77"/>
+              </a:rPr>
+              <a:t>  </a:t>
+            </a:r>
+            <a:r>
+              <a:rPr lang="de-DE" sz="2800" dirty="0" err="1">
+                <a:latin typeface="Montserrat Medium" pitchFamily="2" charset="77"/>
+              </a:rPr>
+              <a:t>InputLayer</a:t>
+            </a:r>
+            <a:r>
+              <a:rPr lang="de-DE" sz="2800" dirty="0">
+                <a:latin typeface="Montserrat Medium" pitchFamily="2" charset="77"/>
+              </a:rPr>
+              <a:t>(</a:t>
+            </a:r>
+            <a:r>
+              <a:rPr lang="de-DE" sz="2800" dirty="0" err="1">
+                <a:latin typeface="Montserrat Medium" pitchFamily="2" charset="77"/>
+              </a:rPr>
+              <a:t>input_shape</a:t>
+            </a:r>
+            <a:r>
+              <a:rPr lang="de-DE" sz="2800" dirty="0">
+                <a:latin typeface="Montserrat Medium" pitchFamily="2" charset="77"/>
+              </a:rPr>
+              <a:t>=(</a:t>
+            </a:r>
+            <a:r>
+              <a:rPr lang="de-DE" sz="2800" dirty="0" err="1">
+                <a:latin typeface="Montserrat Medium" pitchFamily="2" charset="77"/>
+              </a:rPr>
+              <a:t>len</a:t>
+            </a:r>
+            <a:r>
+              <a:rPr lang="de-DE" sz="2800" dirty="0">
+                <a:latin typeface="Montserrat Medium" pitchFamily="2" charset="77"/>
+              </a:rPr>
+              <a:t>(</a:t>
+            </a:r>
+            <a:r>
+              <a:rPr lang="de-DE" sz="2800" dirty="0" err="1">
+                <a:latin typeface="Montserrat Medium" pitchFamily="2" charset="77"/>
+              </a:rPr>
+              <a:t>r.training_features.keys</a:t>
+            </a:r>
+            <a:r>
+              <a:rPr lang="de-DE" sz="2800" dirty="0">
+                <a:latin typeface="Montserrat Medium" pitchFamily="2" charset="77"/>
+              </a:rPr>
+              <a:t>()), )),</a:t>
+            </a:r>
+          </a:p>
+          <a:p>
+            <a:pPr>
+              <a:lnSpc>
+                <a:spcPct val="170000"/>
+              </a:lnSpc>
+            </a:pPr>
+            <a:r>
+              <a:rPr lang="de-DE" sz="2800" dirty="0">
+                <a:latin typeface="Montserrat Medium" pitchFamily="2" charset="77"/>
+              </a:rPr>
+              <a:t>  </a:t>
+            </a:r>
+            <a:r>
+              <a:rPr lang="de-DE" sz="2800" dirty="0" err="1">
+                <a:latin typeface="Montserrat Medium" pitchFamily="2" charset="77"/>
+              </a:rPr>
+              <a:t>BatchNormalization</a:t>
+            </a:r>
+            <a:r>
+              <a:rPr lang="de-DE" sz="2800" dirty="0">
+                <a:latin typeface="Montserrat Medium" pitchFamily="2" charset="77"/>
+              </a:rPr>
+              <a:t>(),</a:t>
+            </a:r>
+          </a:p>
+          <a:p>
+            <a:pPr>
+              <a:lnSpc>
+                <a:spcPct val="170000"/>
+              </a:lnSpc>
+            </a:pPr>
+            <a:r>
+              <a:rPr lang="de-DE" sz="2800" dirty="0">
+                <a:latin typeface="Montserrat Medium" pitchFamily="2" charset="77"/>
+              </a:rPr>
+              <a:t>  </a:t>
+            </a:r>
+            <a:r>
+              <a:rPr lang="de-DE" sz="2800" dirty="0" err="1">
+                <a:latin typeface="Montserrat Medium" pitchFamily="2" charset="77"/>
+              </a:rPr>
+              <a:t>Dense</a:t>
+            </a:r>
+            <a:r>
+              <a:rPr lang="de-DE" sz="2800" dirty="0">
+                <a:latin typeface="Montserrat Medium" pitchFamily="2" charset="77"/>
+              </a:rPr>
+              <a:t>(16, </a:t>
+            </a:r>
+            <a:r>
+              <a:rPr lang="de-DE" sz="2800" dirty="0" err="1">
+                <a:latin typeface="Montserrat Medium" pitchFamily="2" charset="77"/>
+              </a:rPr>
+              <a:t>activation</a:t>
+            </a:r>
+            <a:r>
+              <a:rPr lang="de-DE" sz="2800" dirty="0">
+                <a:latin typeface="Montserrat Medium" pitchFamily="2" charset="77"/>
+              </a:rPr>
+              <a:t>='</a:t>
+            </a:r>
+            <a:r>
+              <a:rPr lang="de-DE" sz="2800" dirty="0" err="1">
+                <a:latin typeface="Montserrat Medium" pitchFamily="2" charset="77"/>
+              </a:rPr>
+              <a:t>relu</a:t>
+            </a:r>
+            <a:r>
+              <a:rPr lang="de-DE" sz="2800" dirty="0">
+                <a:latin typeface="Montserrat Medium" pitchFamily="2" charset="77"/>
+              </a:rPr>
+              <a:t>'),</a:t>
+            </a:r>
+          </a:p>
+          <a:p>
+            <a:pPr>
+              <a:lnSpc>
+                <a:spcPct val="170000"/>
+              </a:lnSpc>
+            </a:pPr>
+            <a:r>
+              <a:rPr lang="de-DE" sz="2800" dirty="0">
+                <a:latin typeface="Montserrat Medium" pitchFamily="2" charset="77"/>
+              </a:rPr>
+              <a:t>  </a:t>
+            </a:r>
+            <a:r>
+              <a:rPr lang="de-DE" sz="2800" dirty="0" err="1">
+                <a:latin typeface="Montserrat Medium" pitchFamily="2" charset="77"/>
+              </a:rPr>
+              <a:t>Dense</a:t>
+            </a:r>
+            <a:r>
+              <a:rPr lang="de-DE" sz="2800" dirty="0">
+                <a:latin typeface="Montserrat Medium" pitchFamily="2" charset="77"/>
+              </a:rPr>
+              <a:t>(8, </a:t>
+            </a:r>
+            <a:r>
+              <a:rPr lang="de-DE" sz="2800" dirty="0" err="1">
+                <a:latin typeface="Montserrat Medium" pitchFamily="2" charset="77"/>
+              </a:rPr>
+              <a:t>activation</a:t>
+            </a:r>
+            <a:r>
+              <a:rPr lang="de-DE" sz="2800" dirty="0">
+                <a:latin typeface="Montserrat Medium" pitchFamily="2" charset="77"/>
+              </a:rPr>
+              <a:t>='</a:t>
+            </a:r>
+            <a:r>
+              <a:rPr lang="de-DE" sz="2800" dirty="0" err="1">
+                <a:latin typeface="Montserrat Medium" pitchFamily="2" charset="77"/>
+              </a:rPr>
+              <a:t>relu</a:t>
+            </a:r>
+            <a:r>
+              <a:rPr lang="de-DE" sz="2800" dirty="0">
+                <a:latin typeface="Montserrat Medium" pitchFamily="2" charset="77"/>
+              </a:rPr>
+              <a:t>'),</a:t>
+            </a:r>
+          </a:p>
+          <a:p>
+            <a:pPr>
+              <a:lnSpc>
+                <a:spcPct val="170000"/>
+              </a:lnSpc>
+            </a:pPr>
+            <a:r>
+              <a:rPr lang="de-DE" sz="2800" dirty="0">
+                <a:latin typeface="Montserrat Medium" pitchFamily="2" charset="77"/>
+              </a:rPr>
+              <a:t>  </a:t>
+            </a:r>
+            <a:r>
+              <a:rPr lang="de-DE" sz="2800" dirty="0" err="1">
+                <a:latin typeface="Montserrat Medium" pitchFamily="2" charset="77"/>
+              </a:rPr>
+              <a:t>Dense</a:t>
+            </a:r>
+            <a:r>
+              <a:rPr lang="de-DE" sz="2800" dirty="0">
+                <a:latin typeface="Montserrat Medium" pitchFamily="2" charset="77"/>
+              </a:rPr>
+              <a:t>(2)</a:t>
+            </a:r>
+          </a:p>
+          <a:p>
+            <a:pPr>
+              <a:lnSpc>
+                <a:spcPct val="170000"/>
+              </a:lnSpc>
+            </a:pPr>
+            <a:r>
+              <a:rPr lang="de-DE" sz="2800" dirty="0">
+                <a:latin typeface="Montserrat Medium" pitchFamily="2" charset="77"/>
+              </a:rPr>
+              <a:t>])</a:t>
+            </a:r>
+          </a:p>
+        </p:txBody>
+      </p:sp>
     </p:spTree>
     <p:extLst>
       <p:ext uri="{BB962C8B-B14F-4D97-AF65-F5344CB8AC3E}">
@@ -3677,6 +4088,179 @@
           </a:p>
         </p:txBody>
       </p:sp>
+      <p:sp>
+        <p:nvSpPr>
+          <p:cNvPr id="4" name="Titel 1">
+            <a:extLst>
+              <a:ext uri="{FF2B5EF4-FFF2-40B4-BE49-F238E27FC236}">
+                <a16:creationId xmlns:a16="http://schemas.microsoft.com/office/drawing/2014/main" id="{6323865D-7023-822A-1262-7B126B7EEA1D}"/>
+              </a:ext>
+            </a:extLst>
+          </p:cNvPr>
+          <p:cNvSpPr txBox="1">
+            <a:spLocks/>
+          </p:cNvSpPr>
+          <p:nvPr/>
+        </p:nvSpPr>
+        <p:spPr>
+          <a:xfrm>
+            <a:off x="11492947" y="6162260"/>
+            <a:ext cx="447261" cy="516835"/>
+          </a:xfrm>
+          <a:prstGeom prst="rect">
+            <a:avLst/>
+          </a:prstGeom>
+        </p:spPr>
+        <p:txBody>
+          <a:bodyPr vert="horz" lIns="91440" tIns="45720" rIns="91440" bIns="45720" rtlCol="0" anchor="ctr">
+            <a:normAutofit/>
+          </a:bodyPr>
+          <a:lstStyle>
+            <a:lvl1pPr algn="l" defTabSz="914400" rtl="0" eaLnBrk="1" latinLnBrk="0" hangingPunct="1">
+              <a:lnSpc>
+                <a:spcPct val="90000"/>
+              </a:lnSpc>
+              <a:spcBef>
+                <a:spcPct val="0"/>
+              </a:spcBef>
+              <a:buNone/>
+              <a:defRPr sz="4400" kern="1200">
+                <a:solidFill>
+                  <a:schemeClr val="tx1"/>
+                </a:solidFill>
+                <a:latin typeface="+mj-lt"/>
+                <a:ea typeface="+mj-ea"/>
+                <a:cs typeface="+mj-cs"/>
+              </a:defRPr>
+            </a:lvl1pPr>
+          </a:lstStyle>
+          <a:p>
+            <a:pPr algn="ctr">
+              <a:lnSpc>
+                <a:spcPct val="100000"/>
+              </a:lnSpc>
+            </a:pPr>
+            <a:r>
+              <a:rPr lang="de-DE" sz="1600" b="1" dirty="0">
+                <a:latin typeface="Montserrat SemiBold" pitchFamily="2" charset="77"/>
+              </a:rPr>
+              <a:t>10</a:t>
+            </a:r>
+            <a:endParaRPr lang="de-DE" sz="1100" b="1" dirty="0">
+              <a:latin typeface="Montserrat SemiBold" pitchFamily="2" charset="77"/>
+            </a:endParaRPr>
+          </a:p>
+        </p:txBody>
+      </p:sp>
+      <p:sp>
+        <p:nvSpPr>
+          <p:cNvPr id="5" name="Titel 1">
+            <a:extLst>
+              <a:ext uri="{FF2B5EF4-FFF2-40B4-BE49-F238E27FC236}">
+                <a16:creationId xmlns:a16="http://schemas.microsoft.com/office/drawing/2014/main" id="{8437DAB0-18B8-691D-D186-EE56AE7F3959}"/>
+              </a:ext>
+            </a:extLst>
+          </p:cNvPr>
+          <p:cNvSpPr txBox="1">
+            <a:spLocks/>
+          </p:cNvSpPr>
+          <p:nvPr/>
+        </p:nvSpPr>
+        <p:spPr>
+          <a:xfrm>
+            <a:off x="838200" y="5503480"/>
+            <a:ext cx="10515600" cy="658780"/>
+          </a:xfrm>
+          <a:prstGeom prst="rect">
+            <a:avLst/>
+          </a:prstGeom>
+        </p:spPr>
+        <p:txBody>
+          <a:bodyPr vert="horz" lIns="91440" tIns="45720" rIns="91440" bIns="45720" rtlCol="0" anchor="ctr">
+            <a:normAutofit/>
+          </a:bodyPr>
+          <a:lstStyle>
+            <a:lvl1pPr algn="l" defTabSz="914400" rtl="0" eaLnBrk="1" latinLnBrk="0" hangingPunct="1">
+              <a:lnSpc>
+                <a:spcPct val="90000"/>
+              </a:lnSpc>
+              <a:spcBef>
+                <a:spcPct val="0"/>
+              </a:spcBef>
+              <a:buNone/>
+              <a:defRPr sz="4400" kern="1200">
+                <a:solidFill>
+                  <a:schemeClr val="tx1"/>
+                </a:solidFill>
+                <a:latin typeface="+mj-lt"/>
+                <a:ea typeface="+mj-ea"/>
+                <a:cs typeface="+mj-cs"/>
+              </a:defRPr>
+            </a:lvl1pPr>
+          </a:lstStyle>
+          <a:p>
+            <a:pPr>
+              <a:lnSpc>
+                <a:spcPct val="170000"/>
+              </a:lnSpc>
+            </a:pPr>
+            <a:r>
+              <a:rPr lang="de-DE" sz="2400" dirty="0">
+                <a:latin typeface="Montserrat Medium" pitchFamily="2" charset="77"/>
+              </a:rPr>
+              <a:t>model_1.compile(</a:t>
+            </a:r>
+            <a:r>
+              <a:rPr lang="de-DE" sz="2400" dirty="0" err="1">
+                <a:latin typeface="Montserrat Medium" pitchFamily="2" charset="77"/>
+              </a:rPr>
+              <a:t>loss</a:t>
+            </a:r>
+            <a:r>
+              <a:rPr lang="de-DE" sz="2400" dirty="0">
+                <a:latin typeface="Montserrat Medium" pitchFamily="2" charset="77"/>
+              </a:rPr>
+              <a:t>="</a:t>
+            </a:r>
+            <a:r>
+              <a:rPr lang="de-DE" sz="2400" dirty="0" err="1">
+                <a:latin typeface="Montserrat Medium" pitchFamily="2" charset="77"/>
+              </a:rPr>
+              <a:t>mse</a:t>
+            </a:r>
+            <a:r>
+              <a:rPr lang="de-DE" sz="2400" dirty="0">
+                <a:latin typeface="Montserrat Medium" pitchFamily="2" charset="77"/>
+              </a:rPr>
+              <a:t>", </a:t>
+            </a:r>
+            <a:r>
+              <a:rPr lang="de-DE" sz="2400" dirty="0" err="1">
+                <a:latin typeface="Montserrat Medium" pitchFamily="2" charset="77"/>
+              </a:rPr>
+              <a:t>optimizer</a:t>
+            </a:r>
+            <a:r>
+              <a:rPr lang="de-DE" sz="2400" dirty="0">
+                <a:latin typeface="Montserrat Medium" pitchFamily="2" charset="77"/>
+              </a:rPr>
+              <a:t>=Adam(</a:t>
+            </a:r>
+            <a:r>
+              <a:rPr lang="de-DE" sz="2400" dirty="0" err="1">
+                <a:latin typeface="Montserrat Medium" pitchFamily="2" charset="77"/>
+              </a:rPr>
+              <a:t>learning_rate</a:t>
+            </a:r>
+            <a:r>
+              <a:rPr lang="de-DE" sz="2400" dirty="0">
+                <a:latin typeface="Montserrat Medium" pitchFamily="2" charset="77"/>
+              </a:rPr>
+              <a:t>=0.01))</a:t>
+            </a:r>
+          </a:p>
+        </p:txBody>
+      </p:sp>
     </p:spTree>
     <p:extLst>
       <p:ext uri="{BB962C8B-B14F-4D97-AF65-F5344CB8AC3E}">
@@ -3798,6 +4382,140 @@
           </a:p>
         </p:txBody>
       </p:sp>
+      <p:sp>
+        <p:nvSpPr>
+          <p:cNvPr id="4" name="Titel 1">
+            <a:extLst>
+              <a:ext uri="{FF2B5EF4-FFF2-40B4-BE49-F238E27FC236}">
+                <a16:creationId xmlns:a16="http://schemas.microsoft.com/office/drawing/2014/main" id="{54468AE6-88C0-32F7-119F-3F97B57BDD97}"/>
+              </a:ext>
+            </a:extLst>
+          </p:cNvPr>
+          <p:cNvSpPr txBox="1">
+            <a:spLocks/>
+          </p:cNvSpPr>
+          <p:nvPr/>
+        </p:nvSpPr>
+        <p:spPr>
+          <a:xfrm>
+            <a:off x="11492947" y="6162260"/>
+            <a:ext cx="447261" cy="516835"/>
+          </a:xfrm>
+          <a:prstGeom prst="rect">
+            <a:avLst/>
+          </a:prstGeom>
+        </p:spPr>
+        <p:txBody>
+          <a:bodyPr vert="horz" lIns="91440" tIns="45720" rIns="91440" bIns="45720" rtlCol="0" anchor="ctr">
+            <a:normAutofit/>
+          </a:bodyPr>
+          <a:lstStyle>
+            <a:lvl1pPr algn="l" defTabSz="914400" rtl="0" eaLnBrk="1" latinLnBrk="0" hangingPunct="1">
+              <a:lnSpc>
+                <a:spcPct val="90000"/>
+              </a:lnSpc>
+              <a:spcBef>
+                <a:spcPct val="0"/>
+              </a:spcBef>
+              <a:buNone/>
+              <a:defRPr sz="4400" kern="1200">
+                <a:solidFill>
+                  <a:schemeClr val="tx1"/>
+                </a:solidFill>
+                <a:latin typeface="+mj-lt"/>
+                <a:ea typeface="+mj-ea"/>
+                <a:cs typeface="+mj-cs"/>
+              </a:defRPr>
+            </a:lvl1pPr>
+          </a:lstStyle>
+          <a:p>
+            <a:pPr algn="ctr">
+              <a:lnSpc>
+                <a:spcPct val="100000"/>
+              </a:lnSpc>
+            </a:pPr>
+            <a:r>
+              <a:rPr lang="de-DE" sz="1600" b="1" dirty="0">
+                <a:latin typeface="Montserrat SemiBold" pitchFamily="2" charset="77"/>
+              </a:rPr>
+              <a:t>11</a:t>
+            </a:r>
+            <a:endParaRPr lang="de-DE" sz="1100" b="1" dirty="0">
+              <a:latin typeface="Montserrat SemiBold" pitchFamily="2" charset="77"/>
+            </a:endParaRPr>
+          </a:p>
+        </p:txBody>
+      </p:sp>
+      <p:sp>
+        <p:nvSpPr>
+          <p:cNvPr id="5" name="Titel 1">
+            <a:extLst>
+              <a:ext uri="{FF2B5EF4-FFF2-40B4-BE49-F238E27FC236}">
+                <a16:creationId xmlns:a16="http://schemas.microsoft.com/office/drawing/2014/main" id="{DF0B01EF-FF3C-D730-249C-868DDA6DEFD3}"/>
+              </a:ext>
+            </a:extLst>
+          </p:cNvPr>
+          <p:cNvSpPr txBox="1">
+            <a:spLocks/>
+          </p:cNvSpPr>
+          <p:nvPr/>
+        </p:nvSpPr>
+        <p:spPr>
+          <a:xfrm>
+            <a:off x="838200" y="2810496"/>
+            <a:ext cx="10233992" cy="1575974"/>
+          </a:xfrm>
+          <a:prstGeom prst="rect">
+            <a:avLst/>
+          </a:prstGeom>
+        </p:spPr>
+        <p:txBody>
+          <a:bodyPr vert="horz" lIns="91440" tIns="45720" rIns="91440" bIns="45720" rtlCol="0" anchor="ctr">
+            <a:normAutofit/>
+          </a:bodyPr>
+          <a:lstStyle>
+            <a:lvl1pPr algn="l" defTabSz="914400" rtl="0" eaLnBrk="1" latinLnBrk="0" hangingPunct="1">
+              <a:lnSpc>
+                <a:spcPct val="90000"/>
+              </a:lnSpc>
+              <a:spcBef>
+                <a:spcPct val="0"/>
+              </a:spcBef>
+              <a:buNone/>
+              <a:defRPr sz="4400" kern="1200">
+                <a:solidFill>
+                  <a:schemeClr val="tx1"/>
+                </a:solidFill>
+                <a:latin typeface="+mj-lt"/>
+                <a:ea typeface="+mj-ea"/>
+                <a:cs typeface="+mj-cs"/>
+              </a:defRPr>
+            </a:lvl1pPr>
+          </a:lstStyle>
+          <a:p>
+            <a:pPr algn="ctr">
+              <a:lnSpc>
+                <a:spcPct val="170000"/>
+              </a:lnSpc>
+            </a:pPr>
+            <a:r>
+              <a:rPr lang="de-DE" sz="4000" dirty="0">
+                <a:solidFill>
+                  <a:srgbClr val="00B050"/>
+                </a:solidFill>
+                <a:latin typeface="Montserrat Medium" pitchFamily="2" charset="77"/>
+              </a:rPr>
+              <a:t>19.32%</a:t>
+            </a:r>
+            <a:endParaRPr lang="de-DE" sz="3200" dirty="0">
+              <a:solidFill>
+                <a:srgbClr val="00B050"/>
+              </a:solidFill>
+              <a:latin typeface="Montserrat Medium" pitchFamily="2" charset="77"/>
+            </a:endParaRPr>
+          </a:p>
+        </p:txBody>
+      </p:sp>
     </p:spTree>
     <p:extLst>
       <p:ext uri="{BB962C8B-B14F-4D97-AF65-F5344CB8AC3E}">
@@ -3855,6 +4573,451 @@
               <a:rPr lang="de-DE" sz="4000" i="1" dirty="0">
                 <a:latin typeface="Montserrat Medium" pitchFamily="2" charset="77"/>
               </a:rPr>
+              <a:t>Vergleich - Modelle</a:t>
+            </a:r>
+          </a:p>
+        </p:txBody>
+      </p:sp>
+      <p:sp>
+        <p:nvSpPr>
+          <p:cNvPr id="3" name="Titel 1">
+            <a:extLst>
+              <a:ext uri="{FF2B5EF4-FFF2-40B4-BE49-F238E27FC236}">
+                <a16:creationId xmlns:a16="http://schemas.microsoft.com/office/drawing/2014/main" id="{FF5D0F16-79BB-E6CF-B6D5-C219CEA28F67}"/>
+              </a:ext>
+            </a:extLst>
+          </p:cNvPr>
+          <p:cNvSpPr txBox="1">
+            <a:spLocks/>
+          </p:cNvSpPr>
+          <p:nvPr/>
+        </p:nvSpPr>
+        <p:spPr>
+          <a:xfrm>
+            <a:off x="838200" y="1345787"/>
+            <a:ext cx="6781800" cy="456510"/>
+          </a:xfrm>
+          <a:prstGeom prst="rect">
+            <a:avLst/>
+          </a:prstGeom>
+        </p:spPr>
+        <p:txBody>
+          <a:bodyPr vert="horz" lIns="91440" tIns="45720" rIns="91440" bIns="45720" rtlCol="0" anchor="ctr">
+            <a:normAutofit/>
+          </a:bodyPr>
+          <a:lstStyle>
+            <a:lvl1pPr algn="l" defTabSz="914400" rtl="0" eaLnBrk="1" latinLnBrk="0" hangingPunct="1">
+              <a:lnSpc>
+                <a:spcPct val="90000"/>
+              </a:lnSpc>
+              <a:spcBef>
+                <a:spcPct val="0"/>
+              </a:spcBef>
+              <a:buNone/>
+              <a:defRPr sz="4400" kern="1200">
+                <a:solidFill>
+                  <a:schemeClr val="tx1"/>
+                </a:solidFill>
+                <a:latin typeface="+mj-lt"/>
+                <a:ea typeface="+mj-ea"/>
+                <a:cs typeface="+mj-cs"/>
+              </a:defRPr>
+            </a:lvl1pPr>
+          </a:lstStyle>
+          <a:p>
+            <a:r>
+              <a:rPr lang="de-DE" sz="2000" b="1" dirty="0">
+                <a:latin typeface="Montserrat SemiBold" pitchFamily="2" charset="77"/>
+              </a:rPr>
+              <a:t>MAPE für den Zeitraum vom 9.6.2019 bis 30.7.2019</a:t>
+            </a:r>
+            <a:endParaRPr lang="de-DE" sz="2000" b="1" baseline="30000" dirty="0">
+              <a:latin typeface="Montserrat SemiBold" pitchFamily="2" charset="77"/>
+            </a:endParaRPr>
+          </a:p>
+        </p:txBody>
+      </p:sp>
+      <p:sp>
+        <p:nvSpPr>
+          <p:cNvPr id="4" name="Titel 1">
+            <a:extLst>
+              <a:ext uri="{FF2B5EF4-FFF2-40B4-BE49-F238E27FC236}">
+                <a16:creationId xmlns:a16="http://schemas.microsoft.com/office/drawing/2014/main" id="{54468AE6-88C0-32F7-119F-3F97B57BDD97}"/>
+              </a:ext>
+            </a:extLst>
+          </p:cNvPr>
+          <p:cNvSpPr txBox="1">
+            <a:spLocks/>
+          </p:cNvSpPr>
+          <p:nvPr/>
+        </p:nvSpPr>
+        <p:spPr>
+          <a:xfrm>
+            <a:off x="11492947" y="6162260"/>
+            <a:ext cx="447261" cy="516835"/>
+          </a:xfrm>
+          <a:prstGeom prst="rect">
+            <a:avLst/>
+          </a:prstGeom>
+        </p:spPr>
+        <p:txBody>
+          <a:bodyPr vert="horz" lIns="91440" tIns="45720" rIns="91440" bIns="45720" rtlCol="0" anchor="ctr">
+            <a:normAutofit/>
+          </a:bodyPr>
+          <a:lstStyle>
+            <a:lvl1pPr algn="l" defTabSz="914400" rtl="0" eaLnBrk="1" latinLnBrk="0" hangingPunct="1">
+              <a:lnSpc>
+                <a:spcPct val="90000"/>
+              </a:lnSpc>
+              <a:spcBef>
+                <a:spcPct val="0"/>
+              </a:spcBef>
+              <a:buNone/>
+              <a:defRPr sz="4400" kern="1200">
+                <a:solidFill>
+                  <a:schemeClr val="tx1"/>
+                </a:solidFill>
+                <a:latin typeface="+mj-lt"/>
+                <a:ea typeface="+mj-ea"/>
+                <a:cs typeface="+mj-cs"/>
+              </a:defRPr>
+            </a:lvl1pPr>
+          </a:lstStyle>
+          <a:p>
+            <a:pPr algn="ctr">
+              <a:lnSpc>
+                <a:spcPct val="100000"/>
+              </a:lnSpc>
+            </a:pPr>
+            <a:r>
+              <a:rPr lang="de-DE" sz="1600" b="1" dirty="0">
+                <a:latin typeface="Montserrat SemiBold" pitchFamily="2" charset="77"/>
+              </a:rPr>
+              <a:t>11</a:t>
+            </a:r>
+            <a:endParaRPr lang="de-DE" sz="1100" b="1" dirty="0">
+              <a:latin typeface="Montserrat SemiBold" pitchFamily="2" charset="77"/>
+            </a:endParaRPr>
+          </a:p>
+        </p:txBody>
+      </p:sp>
+      <p:sp>
+        <p:nvSpPr>
+          <p:cNvPr id="5" name="Titel 1">
+            <a:extLst>
+              <a:ext uri="{FF2B5EF4-FFF2-40B4-BE49-F238E27FC236}">
+                <a16:creationId xmlns:a16="http://schemas.microsoft.com/office/drawing/2014/main" id="{DF0B01EF-FF3C-D730-249C-868DDA6DEFD3}"/>
+              </a:ext>
+            </a:extLst>
+          </p:cNvPr>
+          <p:cNvSpPr txBox="1">
+            <a:spLocks/>
+          </p:cNvSpPr>
+          <p:nvPr/>
+        </p:nvSpPr>
+        <p:spPr>
+          <a:xfrm>
+            <a:off x="6284844" y="2861605"/>
+            <a:ext cx="5272705" cy="1575974"/>
+          </a:xfrm>
+          <a:prstGeom prst="rect">
+            <a:avLst/>
+          </a:prstGeom>
+        </p:spPr>
+        <p:txBody>
+          <a:bodyPr vert="horz" lIns="91440" tIns="45720" rIns="91440" bIns="45720" rtlCol="0" anchor="ctr">
+            <a:normAutofit/>
+          </a:bodyPr>
+          <a:lstStyle>
+            <a:lvl1pPr algn="l" defTabSz="914400" rtl="0" eaLnBrk="1" latinLnBrk="0" hangingPunct="1">
+              <a:lnSpc>
+                <a:spcPct val="90000"/>
+              </a:lnSpc>
+              <a:spcBef>
+                <a:spcPct val="0"/>
+              </a:spcBef>
+              <a:buNone/>
+              <a:defRPr sz="4400" kern="1200">
+                <a:solidFill>
+                  <a:schemeClr val="tx1"/>
+                </a:solidFill>
+                <a:latin typeface="+mj-lt"/>
+                <a:ea typeface="+mj-ea"/>
+                <a:cs typeface="+mj-cs"/>
+              </a:defRPr>
+            </a:lvl1pPr>
+          </a:lstStyle>
+          <a:p>
+            <a:pPr algn="ctr">
+              <a:lnSpc>
+                <a:spcPct val="170000"/>
+              </a:lnSpc>
+            </a:pPr>
+            <a:r>
+              <a:rPr lang="de-DE" sz="4000" dirty="0">
+                <a:solidFill>
+                  <a:srgbClr val="00B050"/>
+                </a:solidFill>
+                <a:latin typeface="Montserrat Medium" pitchFamily="2" charset="77"/>
+              </a:rPr>
+              <a:t>19.32%</a:t>
+            </a:r>
+            <a:endParaRPr lang="de-DE" sz="3200" dirty="0">
+              <a:solidFill>
+                <a:srgbClr val="00B050"/>
+              </a:solidFill>
+              <a:latin typeface="Montserrat Medium" pitchFamily="2" charset="77"/>
+            </a:endParaRPr>
+          </a:p>
+        </p:txBody>
+      </p:sp>
+      <p:sp>
+        <p:nvSpPr>
+          <p:cNvPr id="6" name="Titel 1">
+            <a:extLst>
+              <a:ext uri="{FF2B5EF4-FFF2-40B4-BE49-F238E27FC236}">
+                <a16:creationId xmlns:a16="http://schemas.microsoft.com/office/drawing/2014/main" id="{87FB528A-87BD-A222-7D17-B86598EA537C}"/>
+              </a:ext>
+            </a:extLst>
+          </p:cNvPr>
+          <p:cNvSpPr txBox="1">
+            <a:spLocks/>
+          </p:cNvSpPr>
+          <p:nvPr/>
+        </p:nvSpPr>
+        <p:spPr>
+          <a:xfrm>
+            <a:off x="838200" y="2443095"/>
+            <a:ext cx="4909930" cy="456510"/>
+          </a:xfrm>
+          <a:prstGeom prst="rect">
+            <a:avLst/>
+          </a:prstGeom>
+        </p:spPr>
+        <p:txBody>
+          <a:bodyPr vert="horz" lIns="91440" tIns="45720" rIns="91440" bIns="45720" rtlCol="0" anchor="ctr">
+            <a:normAutofit/>
+          </a:bodyPr>
+          <a:lstStyle>
+            <a:lvl1pPr algn="l" defTabSz="914400" rtl="0" eaLnBrk="1" latinLnBrk="0" hangingPunct="1">
+              <a:lnSpc>
+                <a:spcPct val="90000"/>
+              </a:lnSpc>
+              <a:spcBef>
+                <a:spcPct val="0"/>
+              </a:spcBef>
+              <a:buNone/>
+              <a:defRPr sz="4400" kern="1200">
+                <a:solidFill>
+                  <a:schemeClr val="tx1"/>
+                </a:solidFill>
+                <a:latin typeface="+mj-lt"/>
+                <a:ea typeface="+mj-ea"/>
+                <a:cs typeface="+mj-cs"/>
+              </a:defRPr>
+            </a:lvl1pPr>
+          </a:lstStyle>
+          <a:p>
+            <a:pPr algn="ctr"/>
+            <a:r>
+              <a:rPr lang="de-DE" sz="2000" b="1" dirty="0">
+                <a:latin typeface="Montserrat SemiBold" pitchFamily="2" charset="77"/>
+              </a:rPr>
+              <a:t>Linear</a:t>
+            </a:r>
+            <a:endParaRPr lang="de-DE" sz="2000" b="1" baseline="30000" dirty="0">
+              <a:latin typeface="Montserrat SemiBold" pitchFamily="2" charset="77"/>
+            </a:endParaRPr>
+          </a:p>
+        </p:txBody>
+      </p:sp>
+      <p:sp>
+        <p:nvSpPr>
+          <p:cNvPr id="7" name="Titel 1">
+            <a:extLst>
+              <a:ext uri="{FF2B5EF4-FFF2-40B4-BE49-F238E27FC236}">
+                <a16:creationId xmlns:a16="http://schemas.microsoft.com/office/drawing/2014/main" id="{CD3DF65A-186A-E859-56A1-0156E613BC79}"/>
+              </a:ext>
+            </a:extLst>
+          </p:cNvPr>
+          <p:cNvSpPr txBox="1">
+            <a:spLocks/>
+          </p:cNvSpPr>
+          <p:nvPr/>
+        </p:nvSpPr>
+        <p:spPr>
+          <a:xfrm>
+            <a:off x="6443872" y="2452240"/>
+            <a:ext cx="4909930" cy="456510"/>
+          </a:xfrm>
+          <a:prstGeom prst="rect">
+            <a:avLst/>
+          </a:prstGeom>
+        </p:spPr>
+        <p:txBody>
+          <a:bodyPr vert="horz" lIns="91440" tIns="45720" rIns="91440" bIns="45720" rtlCol="0" anchor="ctr">
+            <a:normAutofit/>
+          </a:bodyPr>
+          <a:lstStyle>
+            <a:lvl1pPr algn="l" defTabSz="914400" rtl="0" eaLnBrk="1" latinLnBrk="0" hangingPunct="1">
+              <a:lnSpc>
+                <a:spcPct val="90000"/>
+              </a:lnSpc>
+              <a:spcBef>
+                <a:spcPct val="0"/>
+              </a:spcBef>
+              <a:buNone/>
+              <a:defRPr sz="4400" kern="1200">
+                <a:solidFill>
+                  <a:schemeClr val="tx1"/>
+                </a:solidFill>
+                <a:latin typeface="+mj-lt"/>
+                <a:ea typeface="+mj-ea"/>
+                <a:cs typeface="+mj-cs"/>
+              </a:defRPr>
+            </a:lvl1pPr>
+          </a:lstStyle>
+          <a:p>
+            <a:pPr algn="ctr"/>
+            <a:r>
+              <a:rPr lang="de-DE" sz="2000" b="1" dirty="0">
+                <a:latin typeface="Montserrat SemiBold" pitchFamily="2" charset="77"/>
+              </a:rPr>
+              <a:t>Neuronal</a:t>
+            </a:r>
+            <a:endParaRPr lang="de-DE" sz="2000" b="1" baseline="30000" dirty="0">
+              <a:latin typeface="Montserrat SemiBold" pitchFamily="2" charset="77"/>
+            </a:endParaRPr>
+          </a:p>
+        </p:txBody>
+      </p:sp>
+      <p:sp>
+        <p:nvSpPr>
+          <p:cNvPr id="9" name="Titel 1">
+            <a:extLst>
+              <a:ext uri="{FF2B5EF4-FFF2-40B4-BE49-F238E27FC236}">
+                <a16:creationId xmlns:a16="http://schemas.microsoft.com/office/drawing/2014/main" id="{D5179A26-09E2-DE55-D316-0F4D5FBAA898}"/>
+              </a:ext>
+            </a:extLst>
+          </p:cNvPr>
+          <p:cNvSpPr txBox="1">
+            <a:spLocks/>
+          </p:cNvSpPr>
+          <p:nvPr/>
+        </p:nvSpPr>
+        <p:spPr>
+          <a:xfrm>
+            <a:off x="823296" y="2908750"/>
+            <a:ext cx="5272705" cy="1575974"/>
+          </a:xfrm>
+          <a:prstGeom prst="rect">
+            <a:avLst/>
+          </a:prstGeom>
+        </p:spPr>
+        <p:txBody>
+          <a:bodyPr vert="horz" lIns="91440" tIns="45720" rIns="91440" bIns="45720" rtlCol="0" anchor="ctr">
+            <a:normAutofit/>
+          </a:bodyPr>
+          <a:lstStyle>
+            <a:lvl1pPr algn="l" defTabSz="914400" rtl="0" eaLnBrk="1" latinLnBrk="0" hangingPunct="1">
+              <a:lnSpc>
+                <a:spcPct val="90000"/>
+              </a:lnSpc>
+              <a:spcBef>
+                <a:spcPct val="0"/>
+              </a:spcBef>
+              <a:buNone/>
+              <a:defRPr sz="4400" kern="1200">
+                <a:solidFill>
+                  <a:schemeClr val="tx1"/>
+                </a:solidFill>
+                <a:latin typeface="+mj-lt"/>
+                <a:ea typeface="+mj-ea"/>
+                <a:cs typeface="+mj-cs"/>
+              </a:defRPr>
+            </a:lvl1pPr>
+          </a:lstStyle>
+          <a:p>
+            <a:pPr algn="ctr">
+              <a:lnSpc>
+                <a:spcPct val="170000"/>
+              </a:lnSpc>
+            </a:pPr>
+            <a:r>
+              <a:rPr lang="de-DE" sz="4000" dirty="0">
+                <a:solidFill>
+                  <a:srgbClr val="FF0000"/>
+                </a:solidFill>
+                <a:latin typeface="Montserrat Medium" pitchFamily="2" charset="77"/>
+              </a:rPr>
+              <a:t>82.32%</a:t>
+            </a:r>
+            <a:endParaRPr lang="de-DE" sz="3200" dirty="0">
+              <a:solidFill>
+                <a:srgbClr val="FF0000"/>
+              </a:solidFill>
+              <a:latin typeface="Montserrat Medium" pitchFamily="2" charset="77"/>
+            </a:endParaRPr>
+          </a:p>
+        </p:txBody>
+      </p:sp>
+    </p:spTree>
+    <p:extLst>
+      <p:ext uri="{BB962C8B-B14F-4D97-AF65-F5344CB8AC3E}">
+        <p14:creationId xmlns:p14="http://schemas.microsoft.com/office/powerpoint/2010/main" val="3000561670"/>
+      </p:ext>
+    </p:extLst>
+  </p:cSld>
+  <p:clrMapOvr>
+    <a:masterClrMapping/>
+  </p:clrMapOvr>
+</p:sld>
+</file>
+
+<file path=ppt/slides/slide14.xml><?xml version="1.0" encoding="utf-8"?>
+<p:sld xmlns:a="http://schemas.openxmlformats.org/drawingml/2006/main" xmlns:r="http://schemas.openxmlformats.org/officeDocument/2006/relationships" xmlns:p="http://schemas.openxmlformats.org/presentationml/2006/main">
+  <p:cSld>
+    <p:spTree>
+      <p:nvGrpSpPr>
+        <p:cNvPr id="1" name=""/>
+        <p:cNvGrpSpPr/>
+        <p:nvPr/>
+      </p:nvGrpSpPr>
+      <p:grpSpPr>
+        <a:xfrm>
+          <a:off x="0" y="0"/>
+          <a:ext cx="0" cy="0"/>
+          <a:chOff x="0" y="0"/>
+          <a:chExt cx="0" cy="0"/>
+        </a:xfrm>
+      </p:grpSpPr>
+      <p:sp>
+        <p:nvSpPr>
+          <p:cNvPr id="2" name="Titel 1">
+            <a:extLst>
+              <a:ext uri="{FF2B5EF4-FFF2-40B4-BE49-F238E27FC236}">
+                <a16:creationId xmlns:a16="http://schemas.microsoft.com/office/drawing/2014/main" id="{1953E359-0FE8-EE4E-41BB-99E9B165A72C}"/>
+              </a:ext>
+            </a:extLst>
+          </p:cNvPr>
+          <p:cNvSpPr>
+            <a:spLocks noGrp="1"/>
+          </p:cNvSpPr>
+          <p:nvPr>
+            <p:ph type="title"/>
+          </p:nvPr>
+        </p:nvSpPr>
+        <p:spPr/>
+        <p:txBody>
+          <a:bodyPr>
+            <a:normAutofit/>
+          </a:bodyPr>
+          <a:lstStyle/>
+          <a:p>
+            <a:r>
+              <a:rPr lang="de-DE" sz="4000" i="1" dirty="0">
+                <a:latin typeface="Montserrat Medium" pitchFamily="2" charset="77"/>
+              </a:rPr>
               <a:t>Fehler/Probleme</a:t>
             </a:r>
           </a:p>
@@ -3948,8 +5111,72 @@
               <a:rPr lang="de-DE" sz="2000" dirty="0">
                 <a:latin typeface="Montserrat Medium" pitchFamily="2" charset="77"/>
               </a:rPr>
-              <a:t>Steile Lernkurve</a:t>
-            </a:r>
+              <a:t>Steile Lernkurve im Kurs</a:t>
+            </a:r>
+          </a:p>
+        </p:txBody>
+      </p:sp>
+      <p:sp>
+        <p:nvSpPr>
+          <p:cNvPr id="3" name="Titel 1">
+            <a:extLst>
+              <a:ext uri="{FF2B5EF4-FFF2-40B4-BE49-F238E27FC236}">
+                <a16:creationId xmlns:a16="http://schemas.microsoft.com/office/drawing/2014/main" id="{107428A6-F04C-BD52-49D0-AD5DE1A1E4C4}"/>
+              </a:ext>
+            </a:extLst>
+          </p:cNvPr>
+          <p:cNvSpPr txBox="1">
+            <a:spLocks/>
+          </p:cNvSpPr>
+          <p:nvPr/>
+        </p:nvSpPr>
+        <p:spPr>
+          <a:xfrm>
+            <a:off x="11492947" y="6162260"/>
+            <a:ext cx="447261" cy="516835"/>
+          </a:xfrm>
+          <a:prstGeom prst="rect">
+            <a:avLst/>
+          </a:prstGeom>
+        </p:spPr>
+        <p:txBody>
+          <a:bodyPr vert="horz" lIns="91440" tIns="45720" rIns="91440" bIns="45720" rtlCol="0" anchor="ctr">
+            <a:normAutofit/>
+          </a:bodyPr>
+          <a:lstStyle>
+            <a:lvl1pPr algn="l" defTabSz="914400" rtl="0" eaLnBrk="1" latinLnBrk="0" hangingPunct="1">
+              <a:lnSpc>
+                <a:spcPct val="90000"/>
+              </a:lnSpc>
+              <a:spcBef>
+                <a:spcPct val="0"/>
+              </a:spcBef>
+              <a:buNone/>
+              <a:defRPr sz="4400" kern="1200">
+                <a:solidFill>
+                  <a:schemeClr val="tx1"/>
+                </a:solidFill>
+                <a:latin typeface="+mj-lt"/>
+                <a:ea typeface="+mj-ea"/>
+                <a:cs typeface="+mj-cs"/>
+              </a:defRPr>
+            </a:lvl1pPr>
+          </a:lstStyle>
+          <a:p>
+            <a:pPr algn="ctr">
+              <a:lnSpc>
+                <a:spcPct val="100000"/>
+              </a:lnSpc>
+            </a:pPr>
+            <a:r>
+              <a:rPr lang="de-DE" sz="1600" b="1" dirty="0">
+                <a:latin typeface="Montserrat SemiBold" pitchFamily="2" charset="77"/>
+              </a:rPr>
+              <a:t>12</a:t>
+            </a:r>
+            <a:endParaRPr lang="de-DE" sz="1100" b="1" dirty="0">
+              <a:latin typeface="Montserrat SemiBold" pitchFamily="2" charset="77"/>
+            </a:endParaRPr>
           </a:p>
         </p:txBody>
       </p:sp>
@@ -3966,7 +5193,7 @@
 </p:sld>
 </file>
 
-<file path=ppt/slides/slide14.xml><?xml version="1.0" encoding="utf-8"?>
+<file path=ppt/slides/slide15.xml><?xml version="1.0" encoding="utf-8"?>
 <p:sld xmlns:a="http://schemas.openxmlformats.org/drawingml/2006/main" xmlns:r="http://schemas.openxmlformats.org/officeDocument/2006/relationships" xmlns:p="http://schemas.openxmlformats.org/presentationml/2006/main">
   <p:cSld>
     <p:bg>
@@ -4109,14 +5336,14 @@
           <p:nvPr>
             <p:extLst>
               <p:ext uri="{D42A27DB-BD31-4B8C-83A1-F6EECF244321}">
-                <p14:modId xmlns:p14="http://schemas.microsoft.com/office/powerpoint/2010/main" val="3680351915"/>
+                <p14:modId xmlns:p14="http://schemas.microsoft.com/office/powerpoint/2010/main" val="1655932696"/>
               </p:ext>
             </p:extLst>
           </p:nvPr>
         </p:nvGraphicFramePr>
         <p:xfrm>
           <a:off x="918817" y="1574799"/>
-          <a:ext cx="10292522" cy="4600491"/>
+          <a:ext cx="10292522" cy="5047310"/>
         </p:xfrm>
         <a:graphic>
           <a:graphicData uri="http://schemas.openxmlformats.org/drawingml/2006/table">
@@ -5291,6 +6518,141 @@
                     <a:bodyPr/>
                     <a:lstStyle/>
                     <a:p>
+                      <a:r>
+                        <a:rPr lang="de-DE" sz="1600" b="0" i="0" dirty="0">
+                          <a:latin typeface="Montserrat Medium" pitchFamily="2" charset="77"/>
+                        </a:rPr>
+                        <a:t>Monat</a:t>
+                      </a:r>
+                    </a:p>
+                  </a:txBody>
+                  <a:tcPr>
+                    <a:solidFill>
+                      <a:srgbClr val="062854">
+                        <a:alpha val="25000"/>
+                      </a:srgbClr>
+                    </a:solidFill>
+                  </a:tcPr>
+                </a:tc>
+                <a:tc>
+                  <a:txBody>
+                    <a:bodyPr/>
+                    <a:lstStyle/>
+                    <a:p>
+                      <a:r>
+                        <a:rPr lang="de-DE" sz="1600" b="0" i="0" dirty="0" err="1">
+                          <a:latin typeface="Montserrat Medium" pitchFamily="2" charset="77"/>
+                        </a:rPr>
+                        <a:t>str</a:t>
+                      </a:r>
+                      <a:endParaRPr lang="de-DE" sz="1600" b="0" i="0" dirty="0">
+                        <a:latin typeface="Montserrat Medium" pitchFamily="2" charset="77"/>
+                      </a:endParaRPr>
+                    </a:p>
+                  </a:txBody>
+                  <a:tcPr>
+                    <a:solidFill>
+                      <a:srgbClr val="062854">
+                        <a:alpha val="25000"/>
+                      </a:srgbClr>
+                    </a:solidFill>
+                  </a:tcPr>
+                </a:tc>
+                <a:tc>
+                  <a:txBody>
+                    <a:bodyPr/>
+                    <a:lstStyle/>
+                    <a:p>
+                      <a:endParaRPr lang="de-DE" sz="1600" b="0" i="0" dirty="0">
+                        <a:latin typeface="Montserrat Medium" pitchFamily="2" charset="77"/>
+                      </a:endParaRPr>
+                    </a:p>
+                  </a:txBody>
+                  <a:tcPr>
+                    <a:solidFill>
+                      <a:srgbClr val="062854">
+                        <a:alpha val="25000"/>
+                      </a:srgbClr>
+                    </a:solidFill>
+                  </a:tcPr>
+                </a:tc>
+                <a:tc>
+                  <a:txBody>
+                    <a:bodyPr/>
+                    <a:lstStyle/>
+                    <a:p>
+                      <a:r>
+                        <a:rPr lang="de-DE" sz="1600" b="0" i="0" dirty="0">
+                          <a:latin typeface="Montserrat Medium" pitchFamily="2" charset="77"/>
+                        </a:rPr>
+                        <a:t>Intervall (Kardinal)</a:t>
+                      </a:r>
+                    </a:p>
+                  </a:txBody>
+                  <a:tcPr>
+                    <a:solidFill>
+                      <a:srgbClr val="062854">
+                        <a:alpha val="25000"/>
+                      </a:srgbClr>
+                    </a:solidFill>
+                  </a:tcPr>
+                </a:tc>
+                <a:tc>
+                  <a:txBody>
+                    <a:bodyPr/>
+                    <a:lstStyle/>
+                    <a:p>
+                      <a:pPr marL="0" marR="0" lvl="0" indent="0" algn="l" defTabSz="914400" rtl="0" eaLnBrk="1" fontAlgn="auto" latinLnBrk="0" hangingPunct="1">
+                        <a:lnSpc>
+                          <a:spcPct val="100000"/>
+                        </a:lnSpc>
+                        <a:spcBef>
+                          <a:spcPts val="0"/>
+                        </a:spcBef>
+                        <a:spcAft>
+                          <a:spcPts val="0"/>
+                        </a:spcAft>
+                        <a:buClrTx/>
+                        <a:buSzTx/>
+                        <a:buFontTx/>
+                        <a:buNone/>
+                        <a:tabLst/>
+                        <a:defRPr/>
+                      </a:pPr>
+                      <a:r>
+                        <a:rPr lang="de-DE" sz="1600" b="0" i="0" kern="1200" dirty="0">
+                          <a:solidFill>
+                            <a:schemeClr val="dk1"/>
+                          </a:solidFill>
+                          <a:effectLst/>
+                          <a:latin typeface="Montserrat Medium" pitchFamily="2" charset="77"/>
+                          <a:ea typeface="+mn-ea"/>
+                          <a:cs typeface="+mn-cs"/>
+                        </a:rPr>
+                        <a:t>April</a:t>
+                      </a:r>
+                    </a:p>
+                  </a:txBody>
+                  <a:tcPr>
+                    <a:solidFill>
+                      <a:srgbClr val="062854">
+                        <a:alpha val="25000"/>
+                      </a:srgbClr>
+                    </a:solidFill>
+                  </a:tcPr>
+                </a:tc>
+                <a:extLst>
+                  <a:ext uri="{0D108BD9-81ED-4DB2-BD59-A6C34878D82A}">
+                    <a16:rowId xmlns:a16="http://schemas.microsoft.com/office/drawing/2014/main" val="2443244825"/>
+                  </a:ext>
+                </a:extLst>
+              </a:tr>
+              <a:tr h="446819">
+                <a:tc>
+                  <a:txBody>
+                    <a:bodyPr/>
+                    <a:lstStyle/>
+                    <a:p>
                       <a:pPr marL="0" marR="0" lvl="0" indent="0" algn="l" defTabSz="914400" rtl="0" eaLnBrk="1" fontAlgn="auto" latinLnBrk="0" hangingPunct="1">
                         <a:lnSpc>
                           <a:spcPct val="100000"/>
@@ -5319,7 +6681,7 @@
                   <a:tcPr>
                     <a:solidFill>
                       <a:srgbClr val="062854">
-                        <a:alpha val="25000"/>
+                        <a:alpha val="10000"/>
                       </a:srgbClr>
                     </a:solidFill>
                   </a:tcPr>
@@ -5343,7 +6705,7 @@
                   <a:tcPr>
                     <a:solidFill>
                       <a:srgbClr val="062854">
-                        <a:alpha val="25000"/>
+                        <a:alpha val="10000"/>
                       </a:srgbClr>
                     </a:solidFill>
                   </a:tcPr>
@@ -5361,7 +6723,7 @@
                   <a:tcPr>
                     <a:solidFill>
                       <a:srgbClr val="062854">
-                        <a:alpha val="25000"/>
+                        <a:alpha val="10000"/>
                       </a:srgbClr>
                     </a:solidFill>
                   </a:tcPr>
@@ -5379,7 +6741,7 @@
                   <a:tcPr>
                     <a:solidFill>
                       <a:srgbClr val="062854">
-                        <a:alpha val="25000"/>
+                        <a:alpha val="10000"/>
                       </a:srgbClr>
                     </a:solidFill>
                   </a:tcPr>
@@ -5400,7 +6762,7 @@
                   <a:tcPr>
                     <a:solidFill>
                       <a:srgbClr val="062854">
-                        <a:alpha val="25000"/>
+                        <a:alpha val="10000"/>
                       </a:srgbClr>
                     </a:solidFill>
                   </a:tcPr>
@@ -5415,6 +6777,70 @@
           </a:graphicData>
         </a:graphic>
       </p:graphicFrame>
+      <p:sp>
+        <p:nvSpPr>
+          <p:cNvPr id="3" name="Titel 1">
+            <a:extLst>
+              <a:ext uri="{FF2B5EF4-FFF2-40B4-BE49-F238E27FC236}">
+                <a16:creationId xmlns:a16="http://schemas.microsoft.com/office/drawing/2014/main" id="{B4044BF7-996D-1464-8AE7-A19F1B2F96A2}"/>
+              </a:ext>
+            </a:extLst>
+          </p:cNvPr>
+          <p:cNvSpPr txBox="1">
+            <a:spLocks/>
+          </p:cNvSpPr>
+          <p:nvPr/>
+        </p:nvSpPr>
+        <p:spPr>
+          <a:xfrm>
+            <a:off x="11492947" y="6162260"/>
+            <a:ext cx="447261" cy="516835"/>
+          </a:xfrm>
+          <a:prstGeom prst="rect">
+            <a:avLst/>
+          </a:prstGeom>
+        </p:spPr>
+        <p:txBody>
+          <a:bodyPr vert="horz" lIns="91440" tIns="45720" rIns="91440" bIns="45720" rtlCol="0" anchor="ctr">
+            <a:normAutofit/>
+          </a:bodyPr>
+          <a:lstStyle>
+            <a:lvl1pPr algn="l" defTabSz="914400" rtl="0" eaLnBrk="1" latinLnBrk="0" hangingPunct="1">
+              <a:lnSpc>
+                <a:spcPct val="90000"/>
+              </a:lnSpc>
+              <a:spcBef>
+                <a:spcPct val="0"/>
+              </a:spcBef>
+              <a:buNone/>
+              <a:defRPr sz="4400" kern="1200">
+                <a:solidFill>
+                  <a:schemeClr val="tx1"/>
+                </a:solidFill>
+                <a:latin typeface="+mj-lt"/>
+                <a:ea typeface="+mj-ea"/>
+                <a:cs typeface="+mj-cs"/>
+              </a:defRPr>
+            </a:lvl1pPr>
+          </a:lstStyle>
+          <a:p>
+            <a:pPr algn="ctr">
+              <a:lnSpc>
+                <a:spcPct val="100000"/>
+              </a:lnSpc>
+            </a:pPr>
+            <a:r>
+              <a:rPr lang="de-DE" sz="1600" b="1" dirty="0">
+                <a:latin typeface="Montserrat SemiBold" pitchFamily="2" charset="77"/>
+              </a:rPr>
+              <a:t>1</a:t>
+            </a:r>
+            <a:endParaRPr lang="de-DE" sz="1100" b="1" dirty="0">
+              <a:latin typeface="Montserrat SemiBold" pitchFamily="2" charset="77"/>
+            </a:endParaRPr>
+          </a:p>
+        </p:txBody>
+      </p:sp>
     </p:spTree>
     <p:extLst>
       <p:ext uri="{BB962C8B-B14F-4D97-AF65-F5344CB8AC3E}">
@@ -5492,14 +6918,14 @@
           <p:nvPr>
             <p:extLst>
               <p:ext uri="{D42A27DB-BD31-4B8C-83A1-F6EECF244321}">
-                <p14:modId xmlns:p14="http://schemas.microsoft.com/office/powerpoint/2010/main" val="3014150278"/>
+                <p14:modId xmlns:p14="http://schemas.microsoft.com/office/powerpoint/2010/main" val="1846690376"/>
               </p:ext>
             </p:extLst>
           </p:nvPr>
         </p:nvGraphicFramePr>
         <p:xfrm>
           <a:off x="918817" y="1574799"/>
-          <a:ext cx="10292522" cy="4600491"/>
+          <a:ext cx="10292522" cy="5047310"/>
         </p:xfrm>
         <a:graphic>
           <a:graphicData uri="http://schemas.openxmlformats.org/drawingml/2006/table">
@@ -6902,6 +8328,168 @@
                     <a:bodyPr/>
                     <a:lstStyle/>
                     <a:p>
+                      <a:r>
+                        <a:rPr lang="de-DE" sz="1600" b="0" i="0" dirty="0">
+                          <a:solidFill>
+                            <a:schemeClr val="bg1">
+                              <a:lumMod val="75000"/>
+                            </a:schemeClr>
+                          </a:solidFill>
+                          <a:latin typeface="Montserrat Medium" pitchFamily="2" charset="77"/>
+                        </a:rPr>
+                        <a:t>Monat</a:t>
+                      </a:r>
+                    </a:p>
+                  </a:txBody>
+                  <a:tcPr>
+                    <a:solidFill>
+                      <a:schemeClr val="bg1">
+                        <a:lumMod val="95000"/>
+                      </a:schemeClr>
+                    </a:solidFill>
+                  </a:tcPr>
+                </a:tc>
+                <a:tc>
+                  <a:txBody>
+                    <a:bodyPr/>
+                    <a:lstStyle/>
+                    <a:p>
+                      <a:r>
+                        <a:rPr lang="de-DE" sz="1600" b="0" i="0" dirty="0" err="1">
+                          <a:solidFill>
+                            <a:schemeClr val="bg1">
+                              <a:lumMod val="75000"/>
+                            </a:schemeClr>
+                          </a:solidFill>
+                          <a:latin typeface="Montserrat Medium" pitchFamily="2" charset="77"/>
+                        </a:rPr>
+                        <a:t>str</a:t>
+                      </a:r>
+                      <a:endParaRPr lang="de-DE" sz="1600" b="0" i="0" dirty="0">
+                        <a:solidFill>
+                          <a:schemeClr val="bg1">
+                            <a:lumMod val="75000"/>
+                          </a:schemeClr>
+                        </a:solidFill>
+                        <a:latin typeface="Montserrat Medium" pitchFamily="2" charset="77"/>
+                      </a:endParaRPr>
+                    </a:p>
+                  </a:txBody>
+                  <a:tcPr>
+                    <a:solidFill>
+                      <a:schemeClr val="bg1">
+                        <a:lumMod val="95000"/>
+                      </a:schemeClr>
+                    </a:solidFill>
+                  </a:tcPr>
+                </a:tc>
+                <a:tc>
+                  <a:txBody>
+                    <a:bodyPr/>
+                    <a:lstStyle/>
+                    <a:p>
+                      <a:endParaRPr lang="de-DE" sz="1600" b="0" i="0" dirty="0">
+                        <a:solidFill>
+                          <a:schemeClr val="bg1">
+                            <a:lumMod val="75000"/>
+                          </a:schemeClr>
+                        </a:solidFill>
+                        <a:latin typeface="Montserrat Medium" pitchFamily="2" charset="77"/>
+                      </a:endParaRPr>
+                    </a:p>
+                  </a:txBody>
+                  <a:tcPr>
+                    <a:solidFill>
+                      <a:schemeClr val="bg1">
+                        <a:lumMod val="95000"/>
+                      </a:schemeClr>
+                    </a:solidFill>
+                  </a:tcPr>
+                </a:tc>
+                <a:tc>
+                  <a:txBody>
+                    <a:bodyPr/>
+                    <a:lstStyle/>
+                    <a:p>
+                      <a:r>
+                        <a:rPr lang="de-DE" sz="1600" b="0" i="0" dirty="0">
+                          <a:solidFill>
+                            <a:schemeClr val="bg1">
+                              <a:lumMod val="75000"/>
+                            </a:schemeClr>
+                          </a:solidFill>
+                          <a:latin typeface="Montserrat Medium" pitchFamily="2" charset="77"/>
+                        </a:rPr>
+                        <a:t>Intervall (Kardinal)</a:t>
+                      </a:r>
+                    </a:p>
+                  </a:txBody>
+                  <a:tcPr>
+                    <a:solidFill>
+                      <a:schemeClr val="bg1">
+                        <a:lumMod val="95000"/>
+                      </a:schemeClr>
+                    </a:solidFill>
+                  </a:tcPr>
+                </a:tc>
+                <a:tc>
+                  <a:txBody>
+                    <a:bodyPr/>
+                    <a:lstStyle/>
+                    <a:p>
+                      <a:pPr marL="0" marR="0" lvl="0" indent="0" algn="l" defTabSz="914400" rtl="0" eaLnBrk="1" fontAlgn="auto" latinLnBrk="0" hangingPunct="1">
+                        <a:lnSpc>
+                          <a:spcPct val="100000"/>
+                        </a:lnSpc>
+                        <a:spcBef>
+                          <a:spcPts val="0"/>
+                        </a:spcBef>
+                        <a:spcAft>
+                          <a:spcPts val="0"/>
+                        </a:spcAft>
+                        <a:buClrTx/>
+                        <a:buSzTx/>
+                        <a:buFontTx/>
+                        <a:buNone/>
+                        <a:tabLst/>
+                        <a:defRPr/>
+                      </a:pPr>
+                      <a:r>
+                        <a:rPr lang="de-DE" sz="1600" b="0" i="0" kern="1200" dirty="0">
+                          <a:solidFill>
+                            <a:schemeClr val="bg1">
+                              <a:lumMod val="75000"/>
+                            </a:schemeClr>
+                          </a:solidFill>
+                          <a:effectLst/>
+                          <a:latin typeface="Montserrat Medium" pitchFamily="2" charset="77"/>
+                          <a:ea typeface="+mn-ea"/>
+                          <a:cs typeface="+mn-cs"/>
+                        </a:rPr>
+                        <a:t>April</a:t>
+                      </a:r>
+                    </a:p>
+                  </a:txBody>
+                  <a:tcPr>
+                    <a:solidFill>
+                      <a:schemeClr val="bg1">
+                        <a:lumMod val="95000"/>
+                      </a:schemeClr>
+                    </a:solidFill>
+                  </a:tcPr>
+                </a:tc>
+                <a:extLst>
+                  <a:ext uri="{0D108BD9-81ED-4DB2-BD59-A6C34878D82A}">
+                    <a16:rowId xmlns:a16="http://schemas.microsoft.com/office/drawing/2014/main" val="2761149930"/>
+                  </a:ext>
+                </a:extLst>
+              </a:tr>
+              <a:tr h="446819">
+                <a:tc>
+                  <a:txBody>
+                    <a:bodyPr/>
+                    <a:lstStyle/>
+                    <a:p>
                       <a:pPr marL="0" marR="0" lvl="0" indent="0" algn="l" defTabSz="914400" rtl="0" eaLnBrk="1" fontAlgn="auto" latinLnBrk="0" hangingPunct="1">
                         <a:lnSpc>
                           <a:spcPct val="100000"/>
@@ -7016,6 +8604,70 @@
           </a:graphicData>
         </a:graphic>
       </p:graphicFrame>
+      <p:sp>
+        <p:nvSpPr>
+          <p:cNvPr id="3" name="Titel 1">
+            <a:extLst>
+              <a:ext uri="{FF2B5EF4-FFF2-40B4-BE49-F238E27FC236}">
+                <a16:creationId xmlns:a16="http://schemas.microsoft.com/office/drawing/2014/main" id="{792D30B2-8F5A-16F6-982F-276AE5668599}"/>
+              </a:ext>
+            </a:extLst>
+          </p:cNvPr>
+          <p:cNvSpPr txBox="1">
+            <a:spLocks/>
+          </p:cNvSpPr>
+          <p:nvPr/>
+        </p:nvSpPr>
+        <p:spPr>
+          <a:xfrm>
+            <a:off x="11492947" y="6162260"/>
+            <a:ext cx="447261" cy="516835"/>
+          </a:xfrm>
+          <a:prstGeom prst="rect">
+            <a:avLst/>
+          </a:prstGeom>
+        </p:spPr>
+        <p:txBody>
+          <a:bodyPr vert="horz" lIns="91440" tIns="45720" rIns="91440" bIns="45720" rtlCol="0" anchor="ctr">
+            <a:normAutofit/>
+          </a:bodyPr>
+          <a:lstStyle>
+            <a:lvl1pPr algn="l" defTabSz="914400" rtl="0" eaLnBrk="1" latinLnBrk="0" hangingPunct="1">
+              <a:lnSpc>
+                <a:spcPct val="90000"/>
+              </a:lnSpc>
+              <a:spcBef>
+                <a:spcPct val="0"/>
+              </a:spcBef>
+              <a:buNone/>
+              <a:defRPr sz="4400" kern="1200">
+                <a:solidFill>
+                  <a:schemeClr val="tx1"/>
+                </a:solidFill>
+                <a:latin typeface="+mj-lt"/>
+                <a:ea typeface="+mj-ea"/>
+                <a:cs typeface="+mj-cs"/>
+              </a:defRPr>
+            </a:lvl1pPr>
+          </a:lstStyle>
+          <a:p>
+            <a:pPr algn="ctr">
+              <a:lnSpc>
+                <a:spcPct val="100000"/>
+              </a:lnSpc>
+            </a:pPr>
+            <a:r>
+              <a:rPr lang="de-DE" sz="1600" b="1" dirty="0">
+                <a:latin typeface="Montserrat SemiBold" pitchFamily="2" charset="77"/>
+              </a:rPr>
+              <a:t>2</a:t>
+            </a:r>
+            <a:endParaRPr lang="de-DE" sz="1100" b="1" dirty="0">
+              <a:latin typeface="Montserrat SemiBold" pitchFamily="2" charset="77"/>
+            </a:endParaRPr>
+          </a:p>
+        </p:txBody>
+      </p:sp>
     </p:spTree>
     <p:extLst>
       <p:ext uri="{BB962C8B-B14F-4D97-AF65-F5344CB8AC3E}">
@@ -7108,6 +8760,70 @@
           </a:prstGeom>
         </p:spPr>
       </p:pic>
+      <p:sp>
+        <p:nvSpPr>
+          <p:cNvPr id="6" name="Titel 1">
+            <a:extLst>
+              <a:ext uri="{FF2B5EF4-FFF2-40B4-BE49-F238E27FC236}">
+                <a16:creationId xmlns:a16="http://schemas.microsoft.com/office/drawing/2014/main" id="{C558095F-C7E8-8374-2765-FBF1D9FDFEF2}"/>
+              </a:ext>
+            </a:extLst>
+          </p:cNvPr>
+          <p:cNvSpPr txBox="1">
+            <a:spLocks/>
+          </p:cNvSpPr>
+          <p:nvPr/>
+        </p:nvSpPr>
+        <p:spPr>
+          <a:xfrm>
+            <a:off x="11492947" y="6162260"/>
+            <a:ext cx="447261" cy="516835"/>
+          </a:xfrm>
+          <a:prstGeom prst="rect">
+            <a:avLst/>
+          </a:prstGeom>
+        </p:spPr>
+        <p:txBody>
+          <a:bodyPr vert="horz" lIns="91440" tIns="45720" rIns="91440" bIns="45720" rtlCol="0" anchor="ctr">
+            <a:normAutofit/>
+          </a:bodyPr>
+          <a:lstStyle>
+            <a:lvl1pPr algn="l" defTabSz="914400" rtl="0" eaLnBrk="1" latinLnBrk="0" hangingPunct="1">
+              <a:lnSpc>
+                <a:spcPct val="90000"/>
+              </a:lnSpc>
+              <a:spcBef>
+                <a:spcPct val="0"/>
+              </a:spcBef>
+              <a:buNone/>
+              <a:defRPr sz="4400" kern="1200">
+                <a:solidFill>
+                  <a:schemeClr val="tx1"/>
+                </a:solidFill>
+                <a:latin typeface="+mj-lt"/>
+                <a:ea typeface="+mj-ea"/>
+                <a:cs typeface="+mj-cs"/>
+              </a:defRPr>
+            </a:lvl1pPr>
+          </a:lstStyle>
+          <a:p>
+            <a:pPr algn="ctr">
+              <a:lnSpc>
+                <a:spcPct val="100000"/>
+              </a:lnSpc>
+            </a:pPr>
+            <a:r>
+              <a:rPr lang="de-DE" sz="1600" b="1" dirty="0">
+                <a:latin typeface="Montserrat SemiBold" pitchFamily="2" charset="77"/>
+              </a:rPr>
+              <a:t>3</a:t>
+            </a:r>
+            <a:endParaRPr lang="de-DE" sz="1100" b="1" dirty="0">
+              <a:latin typeface="Montserrat SemiBold" pitchFamily="2" charset="77"/>
+            </a:endParaRPr>
+          </a:p>
+        </p:txBody>
+      </p:sp>
     </p:spTree>
     <p:extLst>
       <p:ext uri="{BB962C8B-B14F-4D97-AF65-F5344CB8AC3E}">
@@ -7199,6 +8915,70 @@
           </a:prstGeom>
         </p:spPr>
       </p:pic>
+      <p:sp>
+        <p:nvSpPr>
+          <p:cNvPr id="3" name="Titel 1">
+            <a:extLst>
+              <a:ext uri="{FF2B5EF4-FFF2-40B4-BE49-F238E27FC236}">
+                <a16:creationId xmlns:a16="http://schemas.microsoft.com/office/drawing/2014/main" id="{12117AF8-75C3-9A98-EA0A-CD0DBAB1C642}"/>
+              </a:ext>
+            </a:extLst>
+          </p:cNvPr>
+          <p:cNvSpPr txBox="1">
+            <a:spLocks/>
+          </p:cNvSpPr>
+          <p:nvPr/>
+        </p:nvSpPr>
+        <p:spPr>
+          <a:xfrm>
+            <a:off x="11492947" y="6162260"/>
+            <a:ext cx="447261" cy="516835"/>
+          </a:xfrm>
+          <a:prstGeom prst="rect">
+            <a:avLst/>
+          </a:prstGeom>
+        </p:spPr>
+        <p:txBody>
+          <a:bodyPr vert="horz" lIns="91440" tIns="45720" rIns="91440" bIns="45720" rtlCol="0" anchor="ctr">
+            <a:normAutofit/>
+          </a:bodyPr>
+          <a:lstStyle>
+            <a:lvl1pPr algn="l" defTabSz="914400" rtl="0" eaLnBrk="1" latinLnBrk="0" hangingPunct="1">
+              <a:lnSpc>
+                <a:spcPct val="90000"/>
+              </a:lnSpc>
+              <a:spcBef>
+                <a:spcPct val="0"/>
+              </a:spcBef>
+              <a:buNone/>
+              <a:defRPr sz="4400" kern="1200">
+                <a:solidFill>
+                  <a:schemeClr val="tx1"/>
+                </a:solidFill>
+                <a:latin typeface="+mj-lt"/>
+                <a:ea typeface="+mj-ea"/>
+                <a:cs typeface="+mj-cs"/>
+              </a:defRPr>
+            </a:lvl1pPr>
+          </a:lstStyle>
+          <a:p>
+            <a:pPr algn="ctr">
+              <a:lnSpc>
+                <a:spcPct val="100000"/>
+              </a:lnSpc>
+            </a:pPr>
+            <a:r>
+              <a:rPr lang="de-DE" sz="1600" b="1" dirty="0">
+                <a:latin typeface="Montserrat SemiBold" pitchFamily="2" charset="77"/>
+              </a:rPr>
+              <a:t>4</a:t>
+            </a:r>
+            <a:endParaRPr lang="de-DE" sz="1100" b="1" dirty="0">
+              <a:latin typeface="Montserrat SemiBold" pitchFamily="2" charset="77"/>
+            </a:endParaRPr>
+          </a:p>
+        </p:txBody>
+      </p:sp>
     </p:spTree>
     <p:extLst>
       <p:ext uri="{BB962C8B-B14F-4D97-AF65-F5344CB8AC3E}">
@@ -7290,6 +9070,70 @@
           </a:prstGeom>
         </p:spPr>
       </p:pic>
+      <p:sp>
+        <p:nvSpPr>
+          <p:cNvPr id="3" name="Titel 1">
+            <a:extLst>
+              <a:ext uri="{FF2B5EF4-FFF2-40B4-BE49-F238E27FC236}">
+                <a16:creationId xmlns:a16="http://schemas.microsoft.com/office/drawing/2014/main" id="{805370D5-1E1A-7B44-1595-8E1581D1FD20}"/>
+              </a:ext>
+            </a:extLst>
+          </p:cNvPr>
+          <p:cNvSpPr txBox="1">
+            <a:spLocks/>
+          </p:cNvSpPr>
+          <p:nvPr/>
+        </p:nvSpPr>
+        <p:spPr>
+          <a:xfrm>
+            <a:off x="11492947" y="6162260"/>
+            <a:ext cx="447261" cy="516835"/>
+          </a:xfrm>
+          <a:prstGeom prst="rect">
+            <a:avLst/>
+          </a:prstGeom>
+        </p:spPr>
+        <p:txBody>
+          <a:bodyPr vert="horz" lIns="91440" tIns="45720" rIns="91440" bIns="45720" rtlCol="0" anchor="ctr">
+            <a:normAutofit/>
+          </a:bodyPr>
+          <a:lstStyle>
+            <a:lvl1pPr algn="l" defTabSz="914400" rtl="0" eaLnBrk="1" latinLnBrk="0" hangingPunct="1">
+              <a:lnSpc>
+                <a:spcPct val="90000"/>
+              </a:lnSpc>
+              <a:spcBef>
+                <a:spcPct val="0"/>
+              </a:spcBef>
+              <a:buNone/>
+              <a:defRPr sz="4400" kern="1200">
+                <a:solidFill>
+                  <a:schemeClr val="tx1"/>
+                </a:solidFill>
+                <a:latin typeface="+mj-lt"/>
+                <a:ea typeface="+mj-ea"/>
+                <a:cs typeface="+mj-cs"/>
+              </a:defRPr>
+            </a:lvl1pPr>
+          </a:lstStyle>
+          <a:p>
+            <a:pPr algn="ctr">
+              <a:lnSpc>
+                <a:spcPct val="100000"/>
+              </a:lnSpc>
+            </a:pPr>
+            <a:r>
+              <a:rPr lang="de-DE" sz="1600" b="1" dirty="0">
+                <a:latin typeface="Montserrat SemiBold" pitchFamily="2" charset="77"/>
+              </a:rPr>
+              <a:t>5</a:t>
+            </a:r>
+            <a:endParaRPr lang="de-DE" sz="1100" b="1" dirty="0">
+              <a:latin typeface="Montserrat SemiBold" pitchFamily="2" charset="77"/>
+            </a:endParaRPr>
+          </a:p>
+        </p:txBody>
+      </p:sp>
     </p:spTree>
     <p:extLst>
       <p:ext uri="{BB962C8B-B14F-4D97-AF65-F5344CB8AC3E}">
@@ -7403,8 +9247,223 @@
               <a:rPr lang="de-DE" sz="2000" b="1" dirty="0">
                 <a:latin typeface="Montserrat SemiBold" pitchFamily="2" charset="77"/>
               </a:rPr>
-              <a:t>Modellausgleichung</a:t>
-            </a:r>
+              <a:t>Modellgleichung</a:t>
+            </a:r>
+          </a:p>
+        </p:txBody>
+      </p:sp>
+      <p:sp>
+        <p:nvSpPr>
+          <p:cNvPr id="4" name="Titel 1">
+            <a:extLst>
+              <a:ext uri="{FF2B5EF4-FFF2-40B4-BE49-F238E27FC236}">
+                <a16:creationId xmlns:a16="http://schemas.microsoft.com/office/drawing/2014/main" id="{5DB3EEE5-6857-D1E7-943F-FFBB9AEC2A2C}"/>
+              </a:ext>
+            </a:extLst>
+          </p:cNvPr>
+          <p:cNvSpPr txBox="1">
+            <a:spLocks/>
+          </p:cNvSpPr>
+          <p:nvPr/>
+        </p:nvSpPr>
+        <p:spPr>
+          <a:xfrm>
+            <a:off x="838200" y="2810496"/>
+            <a:ext cx="10233992" cy="1575974"/>
+          </a:xfrm>
+          <a:prstGeom prst="rect">
+            <a:avLst/>
+          </a:prstGeom>
+        </p:spPr>
+        <p:txBody>
+          <a:bodyPr vert="horz" lIns="91440" tIns="45720" rIns="91440" bIns="45720" rtlCol="0" anchor="ctr">
+            <a:normAutofit fontScale="70000" lnSpcReduction="20000"/>
+          </a:bodyPr>
+          <a:lstStyle>
+            <a:lvl1pPr algn="l" defTabSz="914400" rtl="0" eaLnBrk="1" latinLnBrk="0" hangingPunct="1">
+              <a:lnSpc>
+                <a:spcPct val="90000"/>
+              </a:lnSpc>
+              <a:spcBef>
+                <a:spcPct val="0"/>
+              </a:spcBef>
+              <a:buNone/>
+              <a:defRPr sz="4400" kern="1200">
+                <a:solidFill>
+                  <a:schemeClr val="tx1"/>
+                </a:solidFill>
+                <a:latin typeface="+mj-lt"/>
+                <a:ea typeface="+mj-ea"/>
+                <a:cs typeface="+mj-cs"/>
+              </a:defRPr>
+            </a:lvl1pPr>
+          </a:lstStyle>
+          <a:p>
+            <a:pPr>
+              <a:lnSpc>
+                <a:spcPct val="170000"/>
+              </a:lnSpc>
+            </a:pPr>
+            <a:r>
+              <a:rPr lang="de-DE" sz="2800" dirty="0">
+                <a:latin typeface="Montserrat Medium" pitchFamily="2" charset="77"/>
+              </a:rPr>
+              <a:t>mod_lr_12 &lt;- lm(Umsatz ~ Datum * Temperatur + </a:t>
+            </a:r>
+            <a:r>
+              <a:rPr lang="de-DE" sz="2800" dirty="0" err="1">
+                <a:latin typeface="Montserrat Medium" pitchFamily="2" charset="77"/>
+              </a:rPr>
+              <a:t>as.factor</a:t>
+            </a:r>
+            <a:r>
+              <a:rPr lang="de-DE" sz="2800" dirty="0">
+                <a:latin typeface="Montserrat Medium" pitchFamily="2" charset="77"/>
+              </a:rPr>
+              <a:t>(Warengruppe) + </a:t>
+            </a:r>
+            <a:r>
+              <a:rPr lang="de-DE" sz="2800" dirty="0" err="1">
+                <a:latin typeface="Montserrat Medium" pitchFamily="2" charset="77"/>
+              </a:rPr>
+              <a:t>as.factor</a:t>
+            </a:r>
+            <a:r>
+              <a:rPr lang="de-DE" sz="2800" dirty="0">
+                <a:latin typeface="Montserrat Medium" pitchFamily="2" charset="77"/>
+              </a:rPr>
+              <a:t>(Wochentag) + </a:t>
+            </a:r>
+            <a:r>
+              <a:rPr lang="de-DE" sz="2800" dirty="0" err="1">
+                <a:latin typeface="Montserrat Medium" pitchFamily="2" charset="77"/>
+              </a:rPr>
+              <a:t>FerienSH</a:t>
+            </a:r>
+            <a:r>
+              <a:rPr lang="de-DE" sz="2800" dirty="0">
+                <a:latin typeface="Montserrat Medium" pitchFamily="2" charset="77"/>
+              </a:rPr>
+              <a:t> + Temperatur + </a:t>
+            </a:r>
+            <a:r>
+              <a:rPr lang="de-DE" sz="2800" dirty="0" err="1">
+                <a:latin typeface="Montserrat Medium" pitchFamily="2" charset="77"/>
+              </a:rPr>
+              <a:t>KielerWoche</a:t>
+            </a:r>
+            <a:r>
+              <a:rPr lang="de-DE" sz="2800" dirty="0">
+                <a:latin typeface="Montserrat Medium" pitchFamily="2" charset="77"/>
+              </a:rPr>
+              <a:t> + </a:t>
+            </a:r>
+            <a:r>
+              <a:rPr lang="de-DE" sz="2800" dirty="0" err="1">
+                <a:latin typeface="Montserrat Medium" pitchFamily="2" charset="77"/>
+              </a:rPr>
+              <a:t>Bewoelkung</a:t>
+            </a:r>
+            <a:r>
+              <a:rPr lang="de-DE" sz="2800" dirty="0">
+                <a:latin typeface="Montserrat Medium" pitchFamily="2" charset="77"/>
+              </a:rPr>
+              <a:t> + Windgeschwindigkeit + Monat + </a:t>
+            </a:r>
+            <a:r>
+              <a:rPr lang="de-DE" sz="2800" dirty="0">
+                <a:highlight>
+                  <a:srgbClr val="FFFF00"/>
+                </a:highlight>
+                <a:latin typeface="Montserrat Medium" pitchFamily="2" charset="77"/>
+              </a:rPr>
+              <a:t>Monat * Temperatur</a:t>
+            </a:r>
+            <a:r>
+              <a:rPr lang="de-DE" sz="2800" dirty="0">
+                <a:latin typeface="Montserrat Medium" pitchFamily="2" charset="77"/>
+              </a:rPr>
+              <a:t>, </a:t>
+            </a:r>
+            <a:r>
+              <a:rPr lang="de-DE" sz="2800" dirty="0" err="1">
+                <a:latin typeface="Montserrat Medium" pitchFamily="2" charset="77"/>
+              </a:rPr>
+              <a:t>clean_df</a:t>
+            </a:r>
+            <a:r>
+              <a:rPr lang="de-DE" sz="2800" dirty="0">
+                <a:latin typeface="Montserrat Medium" pitchFamily="2" charset="77"/>
+              </a:rPr>
+              <a:t>)</a:t>
+            </a:r>
+            <a:endParaRPr lang="de-DE" sz="2000" dirty="0">
+              <a:latin typeface="Montserrat Medium" pitchFamily="2" charset="77"/>
+            </a:endParaRPr>
+          </a:p>
+        </p:txBody>
+      </p:sp>
+      <p:sp>
+        <p:nvSpPr>
+          <p:cNvPr id="7" name="Titel 1">
+            <a:extLst>
+              <a:ext uri="{FF2B5EF4-FFF2-40B4-BE49-F238E27FC236}">
+                <a16:creationId xmlns:a16="http://schemas.microsoft.com/office/drawing/2014/main" id="{E483322D-0BAB-FA69-8039-3DCFF7DBEBB9}"/>
+              </a:ext>
+            </a:extLst>
+          </p:cNvPr>
+          <p:cNvSpPr txBox="1">
+            <a:spLocks/>
+          </p:cNvSpPr>
+          <p:nvPr/>
+        </p:nvSpPr>
+        <p:spPr>
+          <a:xfrm>
+            <a:off x="11492947" y="6162260"/>
+            <a:ext cx="447261" cy="516835"/>
+          </a:xfrm>
+          <a:prstGeom prst="rect">
+            <a:avLst/>
+          </a:prstGeom>
+        </p:spPr>
+        <p:txBody>
+          <a:bodyPr vert="horz" lIns="91440" tIns="45720" rIns="91440" bIns="45720" rtlCol="0" anchor="ctr">
+            <a:normAutofit/>
+          </a:bodyPr>
+          <a:lstStyle>
+            <a:lvl1pPr algn="l" defTabSz="914400" rtl="0" eaLnBrk="1" latinLnBrk="0" hangingPunct="1">
+              <a:lnSpc>
+                <a:spcPct val="90000"/>
+              </a:lnSpc>
+              <a:spcBef>
+                <a:spcPct val="0"/>
+              </a:spcBef>
+              <a:buNone/>
+              <a:defRPr sz="4400" kern="1200">
+                <a:solidFill>
+                  <a:schemeClr val="tx1"/>
+                </a:solidFill>
+                <a:latin typeface="+mj-lt"/>
+                <a:ea typeface="+mj-ea"/>
+                <a:cs typeface="+mj-cs"/>
+              </a:defRPr>
+            </a:lvl1pPr>
+          </a:lstStyle>
+          <a:p>
+            <a:pPr algn="ctr">
+              <a:lnSpc>
+                <a:spcPct val="100000"/>
+              </a:lnSpc>
+            </a:pPr>
+            <a:r>
+              <a:rPr lang="de-DE" sz="1600" b="1" dirty="0">
+                <a:latin typeface="Montserrat SemiBold" pitchFamily="2" charset="77"/>
+              </a:rPr>
+              <a:t>6</a:t>
+            </a:r>
+            <a:endParaRPr lang="de-DE" sz="1100" b="1" dirty="0">
+              <a:latin typeface="Montserrat SemiBold" pitchFamily="2" charset="77"/>
+            </a:endParaRPr>
           </a:p>
         </p:txBody>
       </p:sp>
@@ -7538,6 +9597,134 @@
           </a:p>
         </p:txBody>
       </p:sp>
+      <p:sp>
+        <p:nvSpPr>
+          <p:cNvPr id="4" name="Titel 1">
+            <a:extLst>
+              <a:ext uri="{FF2B5EF4-FFF2-40B4-BE49-F238E27FC236}">
+                <a16:creationId xmlns:a16="http://schemas.microsoft.com/office/drawing/2014/main" id="{481E0DC3-8D6C-EA5A-94F4-0083806E5B7D}"/>
+              </a:ext>
+            </a:extLst>
+          </p:cNvPr>
+          <p:cNvSpPr txBox="1">
+            <a:spLocks/>
+          </p:cNvSpPr>
+          <p:nvPr/>
+        </p:nvSpPr>
+        <p:spPr>
+          <a:xfrm>
+            <a:off x="11492947" y="6162260"/>
+            <a:ext cx="447261" cy="516835"/>
+          </a:xfrm>
+          <a:prstGeom prst="rect">
+            <a:avLst/>
+          </a:prstGeom>
+        </p:spPr>
+        <p:txBody>
+          <a:bodyPr vert="horz" lIns="91440" tIns="45720" rIns="91440" bIns="45720" rtlCol="0" anchor="ctr">
+            <a:normAutofit/>
+          </a:bodyPr>
+          <a:lstStyle>
+            <a:lvl1pPr algn="l" defTabSz="914400" rtl="0" eaLnBrk="1" latinLnBrk="0" hangingPunct="1">
+              <a:lnSpc>
+                <a:spcPct val="90000"/>
+              </a:lnSpc>
+              <a:spcBef>
+                <a:spcPct val="0"/>
+              </a:spcBef>
+              <a:buNone/>
+              <a:defRPr sz="4400" kern="1200">
+                <a:solidFill>
+                  <a:schemeClr val="tx1"/>
+                </a:solidFill>
+                <a:latin typeface="+mj-lt"/>
+                <a:ea typeface="+mj-ea"/>
+                <a:cs typeface="+mj-cs"/>
+              </a:defRPr>
+            </a:lvl1pPr>
+          </a:lstStyle>
+          <a:p>
+            <a:pPr algn="ctr">
+              <a:lnSpc>
+                <a:spcPct val="100000"/>
+              </a:lnSpc>
+            </a:pPr>
+            <a:r>
+              <a:rPr lang="de-DE" sz="1600" b="1" dirty="0">
+                <a:latin typeface="Montserrat SemiBold" pitchFamily="2" charset="77"/>
+              </a:rPr>
+              <a:t>7</a:t>
+            </a:r>
+            <a:endParaRPr lang="de-DE" sz="1100" b="1" dirty="0">
+              <a:latin typeface="Montserrat SemiBold" pitchFamily="2" charset="77"/>
+            </a:endParaRPr>
+          </a:p>
+        </p:txBody>
+      </p:sp>
+      <p:sp>
+        <p:nvSpPr>
+          <p:cNvPr id="5" name="Titel 1">
+            <a:extLst>
+              <a:ext uri="{FF2B5EF4-FFF2-40B4-BE49-F238E27FC236}">
+                <a16:creationId xmlns:a16="http://schemas.microsoft.com/office/drawing/2014/main" id="{6C6A6CE7-D813-F75F-7AD5-BCAB773706B0}"/>
+              </a:ext>
+            </a:extLst>
+          </p:cNvPr>
+          <p:cNvSpPr txBox="1">
+            <a:spLocks/>
+          </p:cNvSpPr>
+          <p:nvPr/>
+        </p:nvSpPr>
+        <p:spPr>
+          <a:xfrm>
+            <a:off x="838200" y="2810496"/>
+            <a:ext cx="10233992" cy="1575974"/>
+          </a:xfrm>
+          <a:prstGeom prst="rect">
+            <a:avLst/>
+          </a:prstGeom>
+        </p:spPr>
+        <p:txBody>
+          <a:bodyPr vert="horz" lIns="91440" tIns="45720" rIns="91440" bIns="45720" rtlCol="0" anchor="ctr">
+            <a:normAutofit/>
+          </a:bodyPr>
+          <a:lstStyle>
+            <a:lvl1pPr algn="l" defTabSz="914400" rtl="0" eaLnBrk="1" latinLnBrk="0" hangingPunct="1">
+              <a:lnSpc>
+                <a:spcPct val="90000"/>
+              </a:lnSpc>
+              <a:spcBef>
+                <a:spcPct val="0"/>
+              </a:spcBef>
+              <a:buNone/>
+              <a:defRPr sz="4400" kern="1200">
+                <a:solidFill>
+                  <a:schemeClr val="tx1"/>
+                </a:solidFill>
+                <a:latin typeface="+mj-lt"/>
+                <a:ea typeface="+mj-ea"/>
+                <a:cs typeface="+mj-cs"/>
+              </a:defRPr>
+            </a:lvl1pPr>
+          </a:lstStyle>
+          <a:p>
+            <a:pPr algn="ctr">
+              <a:lnSpc>
+                <a:spcPct val="170000"/>
+              </a:lnSpc>
+            </a:pPr>
+            <a:r>
+              <a:rPr lang="de-DE" sz="4000" dirty="0">
+                <a:latin typeface="Montserrat Medium" pitchFamily="2" charset="77"/>
+              </a:rPr>
+              <a:t>68.24%</a:t>
+            </a:r>
+            <a:endParaRPr lang="de-DE" sz="3200" dirty="0">
+              <a:latin typeface="Montserrat Medium" pitchFamily="2" charset="77"/>
+            </a:endParaRPr>
+          </a:p>
+        </p:txBody>
+      </p:sp>
     </p:spTree>
     <p:extLst>
       <p:ext uri="{BB962C8B-B14F-4D97-AF65-F5344CB8AC3E}">
@@ -7655,6 +9842,140 @@
             </a:r>
             <a:endParaRPr lang="de-DE" sz="2000" b="1" baseline="30000" dirty="0">
               <a:latin typeface="Montserrat SemiBold" pitchFamily="2" charset="77"/>
+            </a:endParaRPr>
+          </a:p>
+        </p:txBody>
+      </p:sp>
+      <p:sp>
+        <p:nvSpPr>
+          <p:cNvPr id="4" name="Titel 1">
+            <a:extLst>
+              <a:ext uri="{FF2B5EF4-FFF2-40B4-BE49-F238E27FC236}">
+                <a16:creationId xmlns:a16="http://schemas.microsoft.com/office/drawing/2014/main" id="{8897DDB3-5A53-F7A3-C88E-78E4835FD10F}"/>
+              </a:ext>
+            </a:extLst>
+          </p:cNvPr>
+          <p:cNvSpPr txBox="1">
+            <a:spLocks/>
+          </p:cNvSpPr>
+          <p:nvPr/>
+        </p:nvSpPr>
+        <p:spPr>
+          <a:xfrm>
+            <a:off x="11492947" y="6162260"/>
+            <a:ext cx="447261" cy="516835"/>
+          </a:xfrm>
+          <a:prstGeom prst="rect">
+            <a:avLst/>
+          </a:prstGeom>
+        </p:spPr>
+        <p:txBody>
+          <a:bodyPr vert="horz" lIns="91440" tIns="45720" rIns="91440" bIns="45720" rtlCol="0" anchor="ctr">
+            <a:normAutofit/>
+          </a:bodyPr>
+          <a:lstStyle>
+            <a:lvl1pPr algn="l" defTabSz="914400" rtl="0" eaLnBrk="1" latinLnBrk="0" hangingPunct="1">
+              <a:lnSpc>
+                <a:spcPct val="90000"/>
+              </a:lnSpc>
+              <a:spcBef>
+                <a:spcPct val="0"/>
+              </a:spcBef>
+              <a:buNone/>
+              <a:defRPr sz="4400" kern="1200">
+                <a:solidFill>
+                  <a:schemeClr val="tx1"/>
+                </a:solidFill>
+                <a:latin typeface="+mj-lt"/>
+                <a:ea typeface="+mj-ea"/>
+                <a:cs typeface="+mj-cs"/>
+              </a:defRPr>
+            </a:lvl1pPr>
+          </a:lstStyle>
+          <a:p>
+            <a:pPr algn="ctr">
+              <a:lnSpc>
+                <a:spcPct val="100000"/>
+              </a:lnSpc>
+            </a:pPr>
+            <a:r>
+              <a:rPr lang="de-DE" sz="1600" b="1" dirty="0">
+                <a:latin typeface="Montserrat SemiBold" pitchFamily="2" charset="77"/>
+              </a:rPr>
+              <a:t>8</a:t>
+            </a:r>
+            <a:endParaRPr lang="de-DE" sz="1100" b="1" dirty="0">
+              <a:latin typeface="Montserrat SemiBold" pitchFamily="2" charset="77"/>
+            </a:endParaRPr>
+          </a:p>
+        </p:txBody>
+      </p:sp>
+      <p:sp>
+        <p:nvSpPr>
+          <p:cNvPr id="5" name="Titel 1">
+            <a:extLst>
+              <a:ext uri="{FF2B5EF4-FFF2-40B4-BE49-F238E27FC236}">
+                <a16:creationId xmlns:a16="http://schemas.microsoft.com/office/drawing/2014/main" id="{5BCB8B56-1E5E-8EDF-898D-B0A00D72B0B9}"/>
+              </a:ext>
+            </a:extLst>
+          </p:cNvPr>
+          <p:cNvSpPr txBox="1">
+            <a:spLocks/>
+          </p:cNvSpPr>
+          <p:nvPr/>
+        </p:nvSpPr>
+        <p:spPr>
+          <a:xfrm>
+            <a:off x="838200" y="2810496"/>
+            <a:ext cx="10233992" cy="1575974"/>
+          </a:xfrm>
+          <a:prstGeom prst="rect">
+            <a:avLst/>
+          </a:prstGeom>
+        </p:spPr>
+        <p:txBody>
+          <a:bodyPr vert="horz" lIns="91440" tIns="45720" rIns="91440" bIns="45720" rtlCol="0" anchor="ctr">
+            <a:normAutofit/>
+          </a:bodyPr>
+          <a:lstStyle>
+            <a:lvl1pPr algn="l" defTabSz="914400" rtl="0" eaLnBrk="1" latinLnBrk="0" hangingPunct="1">
+              <a:lnSpc>
+                <a:spcPct val="90000"/>
+              </a:lnSpc>
+              <a:spcBef>
+                <a:spcPct val="0"/>
+              </a:spcBef>
+              <a:buNone/>
+              <a:defRPr sz="4400" kern="1200">
+                <a:solidFill>
+                  <a:schemeClr val="tx1"/>
+                </a:solidFill>
+                <a:latin typeface="+mj-lt"/>
+                <a:ea typeface="+mj-ea"/>
+                <a:cs typeface="+mj-cs"/>
+              </a:defRPr>
+            </a:lvl1pPr>
+          </a:lstStyle>
+          <a:p>
+            <a:pPr algn="ctr">
+              <a:lnSpc>
+                <a:spcPct val="170000"/>
+              </a:lnSpc>
+            </a:pPr>
+            <a:r>
+              <a:rPr lang="de-DE" sz="4000" dirty="0">
+                <a:solidFill>
+                  <a:srgbClr val="FF0000"/>
+                </a:solidFill>
+                <a:latin typeface="Montserrat Medium" pitchFamily="2" charset="77"/>
+              </a:rPr>
+              <a:t>82.32%</a:t>
+            </a:r>
+            <a:endParaRPr lang="de-DE" sz="3200" dirty="0">
+              <a:solidFill>
+                <a:srgbClr val="FF0000"/>
+              </a:solidFill>
+              <a:latin typeface="Montserrat Medium" pitchFamily="2" charset="77"/>
             </a:endParaRPr>
           </a:p>
         </p:txBody>

--- a/praesentation/abschluss-praesentation.pptx
+++ b/praesentation/abschluss-praesentation.pptx
@@ -20,6 +20,7 @@
     <p:sldId id="270" r:id="rId14"/>
     <p:sldId id="267" r:id="rId15"/>
     <p:sldId id="266" r:id="rId16"/>
+    <p:sldId id="271" r:id="rId17"/>
   </p:sldIdLst>
   <p:sldSz cx="12192000" cy="6858000"/>
   <p:notesSz cx="6858000" cy="9144000"/>
@@ -3688,7 +3689,7 @@
         </p:nvSpPr>
         <p:spPr>
           <a:xfrm>
-            <a:off x="838200" y="2375968"/>
+            <a:off x="838200" y="2057916"/>
             <a:ext cx="10233992" cy="3570770"/>
           </a:xfrm>
           <a:prstGeom prst="rect">
@@ -3964,6 +3965,89 @@
               </a:rPr>
               <a:t>])</a:t>
             </a:r>
+          </a:p>
+        </p:txBody>
+      </p:sp>
+      <p:sp>
+        <p:nvSpPr>
+          <p:cNvPr id="9" name="Titel 1">
+            <a:extLst>
+              <a:ext uri="{FF2B5EF4-FFF2-40B4-BE49-F238E27FC236}">
+                <a16:creationId xmlns:a16="http://schemas.microsoft.com/office/drawing/2014/main" id="{130CDE5F-0EDA-F245-9D16-347B8CB4982C}"/>
+              </a:ext>
+            </a:extLst>
+          </p:cNvPr>
+          <p:cNvSpPr txBox="1">
+            <a:spLocks/>
+          </p:cNvSpPr>
+          <p:nvPr/>
+        </p:nvSpPr>
+        <p:spPr>
+          <a:xfrm>
+            <a:off x="838200" y="5767659"/>
+            <a:ext cx="6781800" cy="456510"/>
+          </a:xfrm>
+          <a:prstGeom prst="rect">
+            <a:avLst/>
+          </a:prstGeom>
+        </p:spPr>
+        <p:txBody>
+          <a:bodyPr vert="horz" lIns="91440" tIns="45720" rIns="91440" bIns="45720" rtlCol="0" anchor="ctr">
+            <a:normAutofit/>
+          </a:bodyPr>
+          <a:lstStyle>
+            <a:lvl1pPr algn="l" defTabSz="914400" rtl="0" eaLnBrk="1" latinLnBrk="0" hangingPunct="1">
+              <a:lnSpc>
+                <a:spcPct val="90000"/>
+              </a:lnSpc>
+              <a:spcBef>
+                <a:spcPct val="0"/>
+              </a:spcBef>
+              <a:buNone/>
+              <a:defRPr sz="4400" kern="1200">
+                <a:solidFill>
+                  <a:schemeClr val="tx1"/>
+                </a:solidFill>
+                <a:latin typeface="+mj-lt"/>
+                <a:ea typeface="+mj-ea"/>
+                <a:cs typeface="+mj-cs"/>
+              </a:defRPr>
+            </a:lvl1pPr>
+          </a:lstStyle>
+          <a:p>
+            <a:r>
+              <a:rPr lang="de-DE" sz="2000" dirty="0">
+                <a:highlight>
+                  <a:srgbClr val="FFFF00"/>
+                </a:highlight>
+                <a:latin typeface="Montserrat Medium" pitchFamily="2" charset="77"/>
+              </a:rPr>
+              <a:t>Learning rate = 0.01, </a:t>
+            </a:r>
+            <a:r>
+              <a:rPr lang="de-DE" sz="2000" dirty="0" err="1">
+                <a:highlight>
+                  <a:srgbClr val="FFFF00"/>
+                </a:highlight>
+                <a:latin typeface="Montserrat Medium" pitchFamily="2" charset="77"/>
+              </a:rPr>
+              <a:t>Epochs</a:t>
+            </a:r>
+            <a:r>
+              <a:rPr lang="de-DE" sz="2000" dirty="0">
+                <a:highlight>
+                  <a:srgbClr val="FFFF00"/>
+                </a:highlight>
+                <a:latin typeface="Montserrat Medium" pitchFamily="2" charset="77"/>
+              </a:rPr>
+              <a:t> = 750</a:t>
+            </a:r>
+            <a:endParaRPr lang="de-DE" sz="2000" baseline="30000" dirty="0">
+              <a:highlight>
+                <a:srgbClr val="FFFF00"/>
+              </a:highlight>
+              <a:latin typeface="Montserrat Medium" pitchFamily="2" charset="77"/>
+            </a:endParaRPr>
           </a:p>
         </p:txBody>
       </p:sp>
@@ -4261,6 +4345,36 @@
           </a:p>
         </p:txBody>
       </p:sp>
+      <p:pic>
+        <p:nvPicPr>
+          <p:cNvPr id="11" name="Grafik 10">
+            <a:extLst>
+              <a:ext uri="{FF2B5EF4-FFF2-40B4-BE49-F238E27FC236}">
+                <a16:creationId xmlns:a16="http://schemas.microsoft.com/office/drawing/2014/main" id="{90731625-1B36-10BF-ED0A-F14BDFF488B6}"/>
+              </a:ext>
+            </a:extLst>
+          </p:cNvPr>
+          <p:cNvPicPr>
+            <a:picLocks noChangeAspect="1"/>
+          </p:cNvPicPr>
+          <p:nvPr/>
+        </p:nvPicPr>
+        <p:blipFill>
+          <a:blip r:embed="rId2"/>
+          <a:stretch>
+            <a:fillRect/>
+          </a:stretch>
+        </p:blipFill>
+        <p:spPr>
+          <a:xfrm>
+            <a:off x="699053" y="1872200"/>
+            <a:ext cx="6519530" cy="3865660"/>
+          </a:xfrm>
+          <a:prstGeom prst="rect">
+            <a:avLst/>
+          </a:prstGeom>
+        </p:spPr>
+      </p:pic>
     </p:spTree>
     <p:extLst>
       <p:ext uri="{BB962C8B-B14F-4D97-AF65-F5344CB8AC3E}">
@@ -4505,7 +4619,7 @@
                 </a:solidFill>
                 <a:latin typeface="Montserrat Medium" pitchFamily="2" charset="77"/>
               </a:rPr>
-              <a:t>19.32%</a:t>
+              <a:t>19.60%</a:t>
             </a:r>
             <a:endParaRPr lang="de-DE" sz="3200" dirty="0">
               <a:solidFill>
@@ -4717,7 +4831,7 @@
         </p:nvSpPr>
         <p:spPr>
           <a:xfrm>
-            <a:off x="6284844" y="2861605"/>
+            <a:off x="6351104" y="2861605"/>
             <a:ext cx="5272705" cy="1575974"/>
           </a:xfrm>
           <a:prstGeom prst="rect">
@@ -4760,7 +4874,7 @@
                 </a:solidFill>
                 <a:latin typeface="Montserrat Medium" pitchFamily="2" charset="77"/>
               </a:rPr>
-              <a:t>19.32%</a:t>
+              <a:t>19.60%</a:t>
             </a:r>
             <a:endParaRPr lang="de-DE" sz="3200" dirty="0">
               <a:solidFill>
@@ -4787,7 +4901,7 @@
         </p:nvSpPr>
         <p:spPr>
           <a:xfrm>
-            <a:off x="838200" y="2443095"/>
+            <a:off x="838200" y="2734643"/>
             <a:ext cx="4909930" cy="456510"/>
           </a:xfrm>
           <a:prstGeom prst="rect">
@@ -4847,7 +4961,7 @@
         </p:nvSpPr>
         <p:spPr>
           <a:xfrm>
-            <a:off x="6443872" y="2452240"/>
+            <a:off x="6443872" y="2743788"/>
             <a:ext cx="4909930" cy="456510"/>
           </a:xfrm>
           <a:prstGeom prst="rect">
@@ -5263,6 +5377,246 @@
     <p:extLst>
       <p:ext uri="{BB962C8B-B14F-4D97-AF65-F5344CB8AC3E}">
         <p14:creationId xmlns:p14="http://schemas.microsoft.com/office/powerpoint/2010/main" val="4120295085"/>
+      </p:ext>
+    </p:extLst>
+  </p:cSld>
+  <p:clrMapOvr>
+    <a:masterClrMapping/>
+  </p:clrMapOvr>
+</p:sld>
+</file>
+
+<file path=ppt/slides/slide16.xml><?xml version="1.0" encoding="utf-8"?>
+<p:sld xmlns:a="http://schemas.openxmlformats.org/drawingml/2006/main" xmlns:r="http://schemas.openxmlformats.org/officeDocument/2006/relationships" xmlns:p="http://schemas.openxmlformats.org/presentationml/2006/main" show="0">
+  <p:cSld>
+    <p:bg>
+      <p:bgPr>
+        <a:solidFill>
+          <a:srgbClr val="062854"/>
+        </a:solidFill>
+        <a:effectLst/>
+      </p:bgPr>
+    </p:bg>
+    <p:spTree>
+      <p:nvGrpSpPr>
+        <p:cNvPr id="1" name=""/>
+        <p:cNvGrpSpPr/>
+        <p:nvPr/>
+      </p:nvGrpSpPr>
+      <p:grpSpPr>
+        <a:xfrm>
+          <a:off x="0" y="0"/>
+          <a:ext cx="0" cy="0"/>
+          <a:chOff x="0" y="0"/>
+          <a:chExt cx="0" cy="0"/>
+        </a:xfrm>
+      </p:grpSpPr>
+      <p:sp>
+        <p:nvSpPr>
+          <p:cNvPr id="2" name="Titel 1">
+            <a:extLst>
+              <a:ext uri="{FF2B5EF4-FFF2-40B4-BE49-F238E27FC236}">
+                <a16:creationId xmlns:a16="http://schemas.microsoft.com/office/drawing/2014/main" id="{1953E359-0FE8-EE4E-41BB-99E9B165A72C}"/>
+              </a:ext>
+            </a:extLst>
+          </p:cNvPr>
+          <p:cNvSpPr>
+            <a:spLocks noGrp="1"/>
+          </p:cNvSpPr>
+          <p:nvPr>
+            <p:ph type="title"/>
+          </p:nvPr>
+        </p:nvSpPr>
+        <p:spPr>
+          <a:xfrm>
+            <a:off x="212650" y="1745799"/>
+            <a:ext cx="12192000" cy="3148929"/>
+          </a:xfrm>
+        </p:spPr>
+        <p:txBody>
+          <a:bodyPr>
+            <a:noAutofit/>
+          </a:bodyPr>
+          <a:lstStyle/>
+          <a:p>
+            <a:br>
+              <a:rPr lang="de-DE" sz="3000" dirty="0">
+                <a:solidFill>
+                  <a:schemeClr val="bg1"/>
+                </a:solidFill>
+                <a:effectLst/>
+                <a:latin typeface="Helvetica Neue" panose="02000503000000020004" pitchFamily="2" charset="0"/>
+              </a:rPr>
+            </a:br>
+            <a:br>
+              <a:rPr lang="de-DE" sz="3000" dirty="0">
+                <a:solidFill>
+                  <a:schemeClr val="bg1"/>
+                </a:solidFill>
+                <a:effectLst/>
+                <a:latin typeface="Helvetica Neue" panose="02000503000000020004" pitchFamily="2" charset="0"/>
+              </a:rPr>
+            </a:br>
+            <a:r>
+              <a:rPr lang="de-DE" sz="3000" b="1" dirty="0">
+                <a:solidFill>
+                  <a:schemeClr val="bg1"/>
+                </a:solidFill>
+                <a:effectLst/>
+                <a:latin typeface="Helvetica Neue" panose="02000503000000020004" pitchFamily="2" charset="0"/>
+              </a:rPr>
+              <a:t>Einführung + Variablen</a:t>
+            </a:r>
+            <a:r>
+              <a:rPr lang="de-DE" sz="3000" b="1" dirty="0">
+                <a:solidFill>
+                  <a:schemeClr val="bg1"/>
+                </a:solidFill>
+                <a:latin typeface="Helvetica Neue" panose="02000503000000020004" pitchFamily="2" charset="0"/>
+              </a:rPr>
+              <a:t> + </a:t>
+            </a:r>
+            <a:r>
+              <a:rPr lang="de-DE" sz="3000" b="1" dirty="0">
+                <a:solidFill>
+                  <a:schemeClr val="bg1"/>
+                </a:solidFill>
+                <a:effectLst/>
+                <a:latin typeface="Helvetica Neue" panose="02000503000000020004" pitchFamily="2" charset="0"/>
+              </a:rPr>
+              <a:t>Konfidenzintervalle (zu variablen) [Felix]</a:t>
+            </a:r>
+            <a:br>
+              <a:rPr lang="de-DE" sz="3000" dirty="0">
+                <a:solidFill>
+                  <a:schemeClr val="bg1"/>
+                </a:solidFill>
+                <a:effectLst/>
+                <a:latin typeface="Helvetica Neue" panose="02000503000000020004" pitchFamily="2" charset="0"/>
+              </a:rPr>
+            </a:br>
+            <a:r>
+              <a:rPr lang="de-DE" sz="3000" b="1" dirty="0">
+                <a:solidFill>
+                  <a:schemeClr val="bg1"/>
+                </a:solidFill>
+                <a:effectLst/>
+                <a:latin typeface="Helvetica Neue" panose="02000503000000020004" pitchFamily="2" charset="0"/>
+              </a:rPr>
+              <a:t>Lineares Modell (Gleichung, r^2, </a:t>
+            </a:r>
+            <a:r>
+              <a:rPr lang="de-DE" sz="3000" b="1" dirty="0" err="1">
+                <a:solidFill>
+                  <a:schemeClr val="bg1"/>
+                </a:solidFill>
+                <a:effectLst/>
+                <a:latin typeface="Helvetica Neue" panose="02000503000000020004" pitchFamily="2" charset="0"/>
+              </a:rPr>
+              <a:t>mape</a:t>
+            </a:r>
+            <a:r>
+              <a:rPr lang="de-DE" sz="3000" b="1" dirty="0">
+                <a:solidFill>
+                  <a:schemeClr val="bg1"/>
+                </a:solidFill>
+                <a:effectLst/>
+                <a:latin typeface="Helvetica Neue" panose="02000503000000020004" pitchFamily="2" charset="0"/>
+              </a:rPr>
+              <a:t>) [Olav]</a:t>
+            </a:r>
+            <a:br>
+              <a:rPr lang="de-DE" sz="3000" dirty="0">
+                <a:solidFill>
+                  <a:schemeClr val="bg1"/>
+                </a:solidFill>
+                <a:effectLst/>
+                <a:latin typeface="Helvetica Neue" panose="02000503000000020004" pitchFamily="2" charset="0"/>
+              </a:rPr>
+            </a:br>
+            <a:r>
+              <a:rPr lang="de-DE" sz="3000" b="1" dirty="0">
+                <a:solidFill>
+                  <a:schemeClr val="bg1"/>
+                </a:solidFill>
+                <a:effectLst/>
+                <a:latin typeface="Helvetica Neue" panose="02000503000000020004" pitchFamily="2" charset="0"/>
+              </a:rPr>
+              <a:t>Neuronales Netz (Code, Loss </a:t>
+            </a:r>
+            <a:r>
+              <a:rPr lang="de-DE" sz="3000" b="1" dirty="0" err="1">
+                <a:solidFill>
+                  <a:schemeClr val="bg1"/>
+                </a:solidFill>
+                <a:effectLst/>
+                <a:latin typeface="Helvetica Neue" panose="02000503000000020004" pitchFamily="2" charset="0"/>
+              </a:rPr>
+              <a:t>fkt</a:t>
+            </a:r>
+            <a:r>
+              <a:rPr lang="de-DE" sz="3000" b="1" dirty="0">
+                <a:solidFill>
+                  <a:schemeClr val="bg1"/>
+                </a:solidFill>
+                <a:effectLst/>
+                <a:latin typeface="Helvetica Neue" panose="02000503000000020004" pitchFamily="2" charset="0"/>
+              </a:rPr>
+              <a:t>., </a:t>
+            </a:r>
+            <a:r>
+              <a:rPr lang="de-DE" sz="3000" b="1" dirty="0" err="1">
+                <a:solidFill>
+                  <a:schemeClr val="bg1"/>
+                </a:solidFill>
+                <a:effectLst/>
+                <a:latin typeface="Helvetica Neue" panose="02000503000000020004" pitchFamily="2" charset="0"/>
+              </a:rPr>
+              <a:t>Mape</a:t>
+            </a:r>
+            <a:r>
+              <a:rPr lang="de-DE" sz="3000" b="1" dirty="0">
+                <a:solidFill>
+                  <a:schemeClr val="bg1"/>
+                </a:solidFill>
+                <a:effectLst/>
+                <a:latin typeface="Helvetica Neue" panose="02000503000000020004" pitchFamily="2" charset="0"/>
+              </a:rPr>
+              <a:t>) [Philipp]</a:t>
+            </a:r>
+            <a:br>
+              <a:rPr lang="de-DE" sz="3000" dirty="0">
+                <a:solidFill>
+                  <a:schemeClr val="bg1"/>
+                </a:solidFill>
+                <a:effectLst/>
+                <a:latin typeface="Helvetica Neue" panose="02000503000000020004" pitchFamily="2" charset="0"/>
+              </a:rPr>
+            </a:br>
+            <a:r>
+              <a:rPr lang="de-DE" sz="3000" b="1" dirty="0">
+                <a:solidFill>
+                  <a:schemeClr val="bg1"/>
+                </a:solidFill>
+                <a:effectLst/>
+                <a:latin typeface="Helvetica Neue" panose="02000503000000020004" pitchFamily="2" charset="0"/>
+              </a:rPr>
+              <a:t>Vergleich Modelle + Fazit + Abschluss [Alex]</a:t>
+            </a:r>
+            <a:endParaRPr lang="de-DE" sz="3000" dirty="0">
+              <a:solidFill>
+                <a:schemeClr val="bg1"/>
+              </a:solidFill>
+              <a:effectLst/>
+              <a:latin typeface="Helvetica Neue" panose="02000503000000020004" pitchFamily="2" charset="0"/>
+            </a:endParaRPr>
+          </a:p>
+        </p:txBody>
+      </p:sp>
+    </p:spTree>
+    <p:extLst>
+      <p:ext uri="{BB962C8B-B14F-4D97-AF65-F5344CB8AC3E}">
+        <p14:creationId xmlns:p14="http://schemas.microsoft.com/office/powerpoint/2010/main" val="1740416645"/>
       </p:ext>
     </p:extLst>
   </p:cSld>

--- a/praesentation/abschluss-praesentation.pptx
+++ b/praesentation/abschluss-praesentation.pptx
@@ -5690,7 +5690,7 @@
           <p:nvPr>
             <p:extLst>
               <p:ext uri="{D42A27DB-BD31-4B8C-83A1-F6EECF244321}">
-                <p14:modId xmlns:p14="http://schemas.microsoft.com/office/powerpoint/2010/main" val="1655932696"/>
+                <p14:modId xmlns:p14="http://schemas.microsoft.com/office/powerpoint/2010/main" val="1666042973"/>
               </p:ext>
             </p:extLst>
           </p:nvPr>
@@ -6897,7 +6897,7 @@
                         <a:rPr lang="de-DE" sz="1600" b="0" i="0" dirty="0" err="1">
                           <a:latin typeface="Montserrat Medium" pitchFamily="2" charset="77"/>
                         </a:rPr>
-                        <a:t>str</a:t>
+                        <a:t>int</a:t>
                       </a:r>
                       <a:endParaRPr lang="de-DE" sz="1600" b="0" i="0" dirty="0">
                         <a:latin typeface="Montserrat Medium" pitchFamily="2" charset="77"/>
@@ -6983,7 +6983,7 @@
                           <a:ea typeface="+mn-ea"/>
                           <a:cs typeface="+mn-cs"/>
                         </a:rPr>
-                        <a:t>April</a:t>
+                        <a:t>7</a:t>
                       </a:r>
                     </a:p>
                   </a:txBody>
@@ -7272,7 +7272,7 @@
           <p:nvPr>
             <p:extLst>
               <p:ext uri="{D42A27DB-BD31-4B8C-83A1-F6EECF244321}">
-                <p14:modId xmlns:p14="http://schemas.microsoft.com/office/powerpoint/2010/main" val="1846690376"/>
+                <p14:modId xmlns:p14="http://schemas.microsoft.com/office/powerpoint/2010/main" val="89607243"/>
               </p:ext>
             </p:extLst>
           </p:nvPr>
@@ -8717,7 +8717,7 @@
                           </a:solidFill>
                           <a:latin typeface="Montserrat Medium" pitchFamily="2" charset="77"/>
                         </a:rPr>
-                        <a:t>str</a:t>
+                        <a:t>int</a:t>
                       </a:r>
                       <a:endParaRPr lang="de-DE" sz="1600" b="0" i="0" dirty="0">
                         <a:solidFill>
@@ -8820,7 +8820,7 @@
                           <a:ea typeface="+mn-ea"/>
                           <a:cs typeface="+mn-cs"/>
                         </a:rPr>
-                        <a:t>April</a:t>
+                        <a:t>7</a:t>
                       </a:r>
                     </a:p>
                   </a:txBody>
@@ -10071,7 +10071,7 @@
               <a:rPr lang="de-DE" sz="4000" dirty="0">
                 <a:latin typeface="Montserrat Medium" pitchFamily="2" charset="77"/>
               </a:rPr>
-              <a:t>68.24%</a:t>
+              <a:t>72.64%</a:t>
             </a:r>
             <a:endParaRPr lang="de-DE" sz="3200" dirty="0">
               <a:latin typeface="Montserrat Medium" pitchFamily="2" charset="77"/>

--- a/praesentation/abschluss-praesentation.pptx
+++ b/praesentation/abschluss-praesentation.pptx
@@ -5064,7 +5064,7 @@
                 </a:solidFill>
                 <a:latin typeface="Montserrat Medium" pitchFamily="2" charset="77"/>
               </a:rPr>
-              <a:t>82.32%</a:t>
+              <a:t>83.57%</a:t>
             </a:r>
             <a:endParaRPr lang="de-DE" sz="3200" dirty="0">
               <a:solidFill>
@@ -5211,6 +5211,21 @@
                 <a:latin typeface="Montserrat Medium" pitchFamily="2" charset="77"/>
               </a:rPr>
               <a:t>In Teilen Schwierigkeiten bei der Kommunikation im Team</a:t>
+            </a:r>
+          </a:p>
+          <a:p>
+            <a:pPr marL="342900" indent="-342900">
+              <a:lnSpc>
+                <a:spcPct val="150000"/>
+              </a:lnSpc>
+              <a:buFontTx/>
+              <a:buChar char="-"/>
+            </a:pPr>
+            <a:r>
+              <a:rPr lang="de-DE" sz="2000" dirty="0">
+                <a:latin typeface="Montserrat Medium" pitchFamily="2" charset="77"/>
+              </a:rPr>
+              <a:t>Teilweise technische Schwierigkeiten</a:t>
             </a:r>
           </a:p>
           <a:p>
@@ -10071,7 +10086,7 @@
               <a:rPr lang="de-DE" sz="4000" dirty="0">
                 <a:latin typeface="Montserrat Medium" pitchFamily="2" charset="77"/>
               </a:rPr>
-              <a:t>72.64%</a:t>
+              <a:t>69.56%</a:t>
             </a:r>
             <a:endParaRPr lang="de-DE" sz="3200" dirty="0">
               <a:latin typeface="Montserrat Medium" pitchFamily="2" charset="77"/>
@@ -10323,7 +10338,7 @@
                 </a:solidFill>
                 <a:latin typeface="Montserrat Medium" pitchFamily="2" charset="77"/>
               </a:rPr>
-              <a:t>82.32%</a:t>
+              <a:t>83.57%</a:t>
             </a:r>
             <a:endParaRPr lang="de-DE" sz="3200" dirty="0">
               <a:solidFill>

--- a/praesentation/abschluss-praesentation.pptx
+++ b/praesentation/abschluss-praesentation.pptx
@@ -8,19 +8,20 @@
     <p:sldId id="256" r:id="rId2"/>
     <p:sldId id="257" r:id="rId3"/>
     <p:sldId id="259" r:id="rId4"/>
-    <p:sldId id="258" r:id="rId5"/>
-    <p:sldId id="268" r:id="rId6"/>
-    <p:sldId id="269" r:id="rId7"/>
-    <p:sldId id="260" r:id="rId8"/>
-    <p:sldId id="261" r:id="rId9"/>
-    <p:sldId id="262" r:id="rId10"/>
-    <p:sldId id="263" r:id="rId11"/>
-    <p:sldId id="264" r:id="rId12"/>
-    <p:sldId id="265" r:id="rId13"/>
-    <p:sldId id="270" r:id="rId14"/>
-    <p:sldId id="267" r:id="rId15"/>
-    <p:sldId id="266" r:id="rId16"/>
-    <p:sldId id="271" r:id="rId17"/>
+    <p:sldId id="272" r:id="rId5"/>
+    <p:sldId id="258" r:id="rId6"/>
+    <p:sldId id="268" r:id="rId7"/>
+    <p:sldId id="269" r:id="rId8"/>
+    <p:sldId id="260" r:id="rId9"/>
+    <p:sldId id="261" r:id="rId10"/>
+    <p:sldId id="262" r:id="rId11"/>
+    <p:sldId id="263" r:id="rId12"/>
+    <p:sldId id="264" r:id="rId13"/>
+    <p:sldId id="265" r:id="rId14"/>
+    <p:sldId id="270" r:id="rId15"/>
+    <p:sldId id="267" r:id="rId16"/>
+    <p:sldId id="266" r:id="rId17"/>
+    <p:sldId id="271" r:id="rId18"/>
   </p:sldIdLst>
   <p:sldSz cx="12192000" cy="6858000"/>
   <p:notesSz cx="6858000" cy="9144000"/>
@@ -3494,7 +3495,7 @@
               <a:rPr lang="de-DE" sz="4000" i="1" dirty="0">
                 <a:latin typeface="Montserrat Medium" pitchFamily="2" charset="77"/>
               </a:rPr>
-              <a:t>Optimierung – neuronales Netz</a:t>
+              <a:t>Optimierung – lineares Modell</a:t>
             </a:r>
           </a:p>
         </p:txBody>
@@ -3550,6 +3551,261 @@
               <a:rPr lang="de-DE" sz="2000" b="1" dirty="0">
                 <a:latin typeface="Montserrat SemiBold" pitchFamily="2" charset="77"/>
               </a:rPr>
+              <a:t>MAPE für den Zeitraum vom 9.6.2019 bis 30.7.2019</a:t>
+            </a:r>
+            <a:endParaRPr lang="de-DE" sz="2000" b="1" baseline="30000" dirty="0">
+              <a:latin typeface="Montserrat SemiBold" pitchFamily="2" charset="77"/>
+            </a:endParaRPr>
+          </a:p>
+        </p:txBody>
+      </p:sp>
+      <p:sp>
+        <p:nvSpPr>
+          <p:cNvPr id="4" name="Titel 1">
+            <a:extLst>
+              <a:ext uri="{FF2B5EF4-FFF2-40B4-BE49-F238E27FC236}">
+                <a16:creationId xmlns:a16="http://schemas.microsoft.com/office/drawing/2014/main" id="{8897DDB3-5A53-F7A3-C88E-78E4835FD10F}"/>
+              </a:ext>
+            </a:extLst>
+          </p:cNvPr>
+          <p:cNvSpPr txBox="1">
+            <a:spLocks/>
+          </p:cNvSpPr>
+          <p:nvPr/>
+        </p:nvSpPr>
+        <p:spPr>
+          <a:xfrm>
+            <a:off x="11492947" y="6162260"/>
+            <a:ext cx="447261" cy="516835"/>
+          </a:xfrm>
+          <a:prstGeom prst="rect">
+            <a:avLst/>
+          </a:prstGeom>
+        </p:spPr>
+        <p:txBody>
+          <a:bodyPr vert="horz" lIns="91440" tIns="45720" rIns="91440" bIns="45720" rtlCol="0" anchor="ctr">
+            <a:normAutofit/>
+          </a:bodyPr>
+          <a:lstStyle>
+            <a:lvl1pPr algn="l" defTabSz="914400" rtl="0" eaLnBrk="1" latinLnBrk="0" hangingPunct="1">
+              <a:lnSpc>
+                <a:spcPct val="90000"/>
+              </a:lnSpc>
+              <a:spcBef>
+                <a:spcPct val="0"/>
+              </a:spcBef>
+              <a:buNone/>
+              <a:defRPr sz="4400" kern="1200">
+                <a:solidFill>
+                  <a:schemeClr val="tx1"/>
+                </a:solidFill>
+                <a:latin typeface="+mj-lt"/>
+                <a:ea typeface="+mj-ea"/>
+                <a:cs typeface="+mj-cs"/>
+              </a:defRPr>
+            </a:lvl1pPr>
+          </a:lstStyle>
+          <a:p>
+            <a:pPr algn="ctr">
+              <a:lnSpc>
+                <a:spcPct val="100000"/>
+              </a:lnSpc>
+            </a:pPr>
+            <a:r>
+              <a:rPr lang="de-DE" sz="1600" b="1" dirty="0">
+                <a:latin typeface="Montserrat SemiBold" pitchFamily="2" charset="77"/>
+              </a:rPr>
+              <a:t>8</a:t>
+            </a:r>
+            <a:endParaRPr lang="de-DE" sz="1100" b="1" dirty="0">
+              <a:latin typeface="Montserrat SemiBold" pitchFamily="2" charset="77"/>
+            </a:endParaRPr>
+          </a:p>
+        </p:txBody>
+      </p:sp>
+      <p:sp>
+        <p:nvSpPr>
+          <p:cNvPr id="5" name="Titel 1">
+            <a:extLst>
+              <a:ext uri="{FF2B5EF4-FFF2-40B4-BE49-F238E27FC236}">
+                <a16:creationId xmlns:a16="http://schemas.microsoft.com/office/drawing/2014/main" id="{5BCB8B56-1E5E-8EDF-898D-B0A00D72B0B9}"/>
+              </a:ext>
+            </a:extLst>
+          </p:cNvPr>
+          <p:cNvSpPr txBox="1">
+            <a:spLocks/>
+          </p:cNvSpPr>
+          <p:nvPr/>
+        </p:nvSpPr>
+        <p:spPr>
+          <a:xfrm>
+            <a:off x="838200" y="2810496"/>
+            <a:ext cx="10233992" cy="1575974"/>
+          </a:xfrm>
+          <a:prstGeom prst="rect">
+            <a:avLst/>
+          </a:prstGeom>
+        </p:spPr>
+        <p:txBody>
+          <a:bodyPr vert="horz" lIns="91440" tIns="45720" rIns="91440" bIns="45720" rtlCol="0" anchor="ctr">
+            <a:normAutofit/>
+          </a:bodyPr>
+          <a:lstStyle>
+            <a:lvl1pPr algn="l" defTabSz="914400" rtl="0" eaLnBrk="1" latinLnBrk="0" hangingPunct="1">
+              <a:lnSpc>
+                <a:spcPct val="90000"/>
+              </a:lnSpc>
+              <a:spcBef>
+                <a:spcPct val="0"/>
+              </a:spcBef>
+              <a:buNone/>
+              <a:defRPr sz="4400" kern="1200">
+                <a:solidFill>
+                  <a:schemeClr val="tx1"/>
+                </a:solidFill>
+                <a:latin typeface="+mj-lt"/>
+                <a:ea typeface="+mj-ea"/>
+                <a:cs typeface="+mj-cs"/>
+              </a:defRPr>
+            </a:lvl1pPr>
+          </a:lstStyle>
+          <a:p>
+            <a:pPr algn="ctr">
+              <a:lnSpc>
+                <a:spcPct val="170000"/>
+              </a:lnSpc>
+            </a:pPr>
+            <a:r>
+              <a:rPr lang="de-DE" sz="4000" dirty="0">
+                <a:solidFill>
+                  <a:srgbClr val="FF0000"/>
+                </a:solidFill>
+                <a:latin typeface="Montserrat Medium" pitchFamily="2" charset="77"/>
+              </a:rPr>
+              <a:t>83.57%</a:t>
+            </a:r>
+            <a:endParaRPr lang="de-DE" sz="3200" dirty="0">
+              <a:solidFill>
+                <a:srgbClr val="FF0000"/>
+              </a:solidFill>
+              <a:latin typeface="Montserrat Medium" pitchFamily="2" charset="77"/>
+            </a:endParaRPr>
+          </a:p>
+        </p:txBody>
+      </p:sp>
+    </p:spTree>
+    <p:extLst>
+      <p:ext uri="{BB962C8B-B14F-4D97-AF65-F5344CB8AC3E}">
+        <p14:creationId xmlns:p14="http://schemas.microsoft.com/office/powerpoint/2010/main" val="772739273"/>
+      </p:ext>
+    </p:extLst>
+  </p:cSld>
+  <p:clrMapOvr>
+    <a:masterClrMapping/>
+  </p:clrMapOvr>
+</p:sld>
+</file>
+
+<file path=ppt/slides/slide11.xml><?xml version="1.0" encoding="utf-8"?>
+<p:sld xmlns:a="http://schemas.openxmlformats.org/drawingml/2006/main" xmlns:r="http://schemas.openxmlformats.org/officeDocument/2006/relationships" xmlns:p="http://schemas.openxmlformats.org/presentationml/2006/main">
+  <p:cSld>
+    <p:spTree>
+      <p:nvGrpSpPr>
+        <p:cNvPr id="1" name=""/>
+        <p:cNvGrpSpPr/>
+        <p:nvPr/>
+      </p:nvGrpSpPr>
+      <p:grpSpPr>
+        <a:xfrm>
+          <a:off x="0" y="0"/>
+          <a:ext cx="0" cy="0"/>
+          <a:chOff x="0" y="0"/>
+          <a:chExt cx="0" cy="0"/>
+        </a:xfrm>
+      </p:grpSpPr>
+      <p:sp>
+        <p:nvSpPr>
+          <p:cNvPr id="2" name="Titel 1">
+            <a:extLst>
+              <a:ext uri="{FF2B5EF4-FFF2-40B4-BE49-F238E27FC236}">
+                <a16:creationId xmlns:a16="http://schemas.microsoft.com/office/drawing/2014/main" id="{1953E359-0FE8-EE4E-41BB-99E9B165A72C}"/>
+              </a:ext>
+            </a:extLst>
+          </p:cNvPr>
+          <p:cNvSpPr>
+            <a:spLocks noGrp="1"/>
+          </p:cNvSpPr>
+          <p:nvPr>
+            <p:ph type="title"/>
+          </p:nvPr>
+        </p:nvSpPr>
+        <p:spPr/>
+        <p:txBody>
+          <a:bodyPr>
+            <a:normAutofit/>
+          </a:bodyPr>
+          <a:lstStyle/>
+          <a:p>
+            <a:r>
+              <a:rPr lang="de-DE" sz="4000" i="1" dirty="0">
+                <a:latin typeface="Montserrat Medium" pitchFamily="2" charset="77"/>
+              </a:rPr>
+              <a:t>Optimierung – neuronales Netz</a:t>
+            </a:r>
+          </a:p>
+        </p:txBody>
+      </p:sp>
+      <p:sp>
+        <p:nvSpPr>
+          <p:cNvPr id="3" name="Titel 1">
+            <a:extLst>
+              <a:ext uri="{FF2B5EF4-FFF2-40B4-BE49-F238E27FC236}">
+                <a16:creationId xmlns:a16="http://schemas.microsoft.com/office/drawing/2014/main" id="{FF5D0F16-79BB-E6CF-B6D5-C219CEA28F67}"/>
+              </a:ext>
+            </a:extLst>
+          </p:cNvPr>
+          <p:cNvSpPr txBox="1">
+            <a:spLocks/>
+          </p:cNvSpPr>
+          <p:nvPr/>
+        </p:nvSpPr>
+        <p:spPr>
+          <a:xfrm>
+            <a:off x="838200" y="1345787"/>
+            <a:ext cx="6781800" cy="456510"/>
+          </a:xfrm>
+          <a:prstGeom prst="rect">
+            <a:avLst/>
+          </a:prstGeom>
+        </p:spPr>
+        <p:txBody>
+          <a:bodyPr vert="horz" lIns="91440" tIns="45720" rIns="91440" bIns="45720" rtlCol="0" anchor="ctr">
+            <a:normAutofit/>
+          </a:bodyPr>
+          <a:lstStyle>
+            <a:lvl1pPr algn="l" defTabSz="914400" rtl="0" eaLnBrk="1" latinLnBrk="0" hangingPunct="1">
+              <a:lnSpc>
+                <a:spcPct val="90000"/>
+              </a:lnSpc>
+              <a:spcBef>
+                <a:spcPct val="0"/>
+              </a:spcBef>
+              <a:buNone/>
+              <a:defRPr sz="4400" kern="1200">
+                <a:solidFill>
+                  <a:schemeClr val="tx1"/>
+                </a:solidFill>
+                <a:latin typeface="+mj-lt"/>
+                <a:ea typeface="+mj-ea"/>
+                <a:cs typeface="+mj-cs"/>
+              </a:defRPr>
+            </a:lvl1pPr>
+          </a:lstStyle>
+          <a:p>
+            <a:r>
+              <a:rPr lang="de-DE" sz="2000" b="1" dirty="0">
+                <a:latin typeface="Montserrat SemiBold" pitchFamily="2" charset="77"/>
+              </a:rPr>
               <a:t>Source Code - Definition neuronales Netz</a:t>
             </a:r>
             <a:endParaRPr lang="de-DE" sz="2000" b="1" baseline="30000" dirty="0">
@@ -4064,7 +4320,7 @@
 </p:sld>
 </file>
 
-<file path=ppt/slides/slide11.xml><?xml version="1.0" encoding="utf-8"?>
+<file path=ppt/slides/slide12.xml><?xml version="1.0" encoding="utf-8"?>
 <p:sld xmlns:a="http://schemas.openxmlformats.org/drawingml/2006/main" xmlns:r="http://schemas.openxmlformats.org/officeDocument/2006/relationships" xmlns:p="http://schemas.openxmlformats.org/presentationml/2006/main">
   <p:cSld>
     <p:spTree>
@@ -4388,7 +4644,7 @@
 </p:sld>
 </file>
 
-<file path=ppt/slides/slide12.xml><?xml version="1.0" encoding="utf-8"?>
+<file path=ppt/slides/slide13.xml><?xml version="1.0" encoding="utf-8"?>
 <p:sld xmlns:a="http://schemas.openxmlformats.org/drawingml/2006/main" xmlns:r="http://schemas.openxmlformats.org/officeDocument/2006/relationships" xmlns:p="http://schemas.openxmlformats.org/presentationml/2006/main">
   <p:cSld>
     <p:spTree>
@@ -4643,7 +4899,7 @@
 </p:sld>
 </file>
 
-<file path=ppt/slides/slide13.xml><?xml version="1.0" encoding="utf-8"?>
+<file path=ppt/slides/slide14.xml><?xml version="1.0" encoding="utf-8"?>
 <p:sld xmlns:a="http://schemas.openxmlformats.org/drawingml/2006/main" xmlns:r="http://schemas.openxmlformats.org/officeDocument/2006/relationships" xmlns:p="http://schemas.openxmlformats.org/presentationml/2006/main">
   <p:cSld>
     <p:spTree>
@@ -5088,7 +5344,7 @@
 </p:sld>
 </file>
 
-<file path=ppt/slides/slide14.xml><?xml version="1.0" encoding="utf-8"?>
+<file path=ppt/slides/slide15.xml><?xml version="1.0" encoding="utf-8"?>
 <p:sld xmlns:a="http://schemas.openxmlformats.org/drawingml/2006/main" xmlns:r="http://schemas.openxmlformats.org/officeDocument/2006/relationships" xmlns:p="http://schemas.openxmlformats.org/presentationml/2006/main">
   <p:cSld>
     <p:spTree>
@@ -5322,7 +5578,7 @@
 </p:sld>
 </file>
 
-<file path=ppt/slides/slide15.xml><?xml version="1.0" encoding="utf-8"?>
+<file path=ppt/slides/slide16.xml><?xml version="1.0" encoding="utf-8"?>
 <p:sld xmlns:a="http://schemas.openxmlformats.org/drawingml/2006/main" xmlns:r="http://schemas.openxmlformats.org/officeDocument/2006/relationships" xmlns:p="http://schemas.openxmlformats.org/presentationml/2006/main">
   <p:cSld>
     <p:bg>
@@ -5401,7 +5657,7 @@
 </p:sld>
 </file>
 
-<file path=ppt/slides/slide16.xml><?xml version="1.0" encoding="utf-8"?>
+<file path=ppt/slides/slide17.xml><?xml version="1.0" encoding="utf-8"?>
 <p:sld xmlns:a="http://schemas.openxmlformats.org/drawingml/2006/main" xmlns:r="http://schemas.openxmlformats.org/officeDocument/2006/relationships" xmlns:p="http://schemas.openxmlformats.org/presentationml/2006/main" show="0">
   <p:cSld>
     <p:bg>
@@ -5444,8 +5700,8 @@
         </p:nvSpPr>
         <p:spPr>
           <a:xfrm>
-            <a:off x="212650" y="1745799"/>
-            <a:ext cx="12192000" cy="3148929"/>
+            <a:off x="0" y="1745799"/>
+            <a:ext cx="12192000" cy="3868192"/>
           </a:xfrm>
         </p:spPr>
         <p:txBody>
@@ -5454,177 +5710,175 @@
           </a:bodyPr>
           <a:lstStyle/>
           <a:p>
+            <a:pPr>
+              <a:lnSpc>
+                <a:spcPct val="150000"/>
+              </a:lnSpc>
+            </a:pPr>
             <a:br>
-              <a:rPr lang="de-DE" sz="3000" dirty="0">
+              <a:rPr lang="de-DE" sz="2800" dirty="0">
                 <a:solidFill>
                   <a:schemeClr val="bg1"/>
                 </a:solidFill>
                 <a:effectLst/>
-                <a:latin typeface="Helvetica Neue" panose="02000503000000020004" pitchFamily="2" charset="0"/>
+                <a:latin typeface="Montserrat Medium" pitchFamily="2" charset="77"/>
               </a:rPr>
             </a:br>
             <a:br>
-              <a:rPr lang="de-DE" sz="3000" dirty="0">
+              <a:rPr lang="de-DE" sz="2800" dirty="0">
                 <a:solidFill>
                   <a:schemeClr val="bg1"/>
                 </a:solidFill>
                 <a:effectLst/>
-                <a:latin typeface="Helvetica Neue" panose="02000503000000020004" pitchFamily="2" charset="0"/>
+                <a:latin typeface="Montserrat Medium" pitchFamily="2" charset="77"/>
               </a:rPr>
             </a:br>
             <a:r>
-              <a:rPr lang="de-DE" sz="3000" b="1" dirty="0">
+              <a:rPr lang="de-DE" sz="2800" dirty="0">
                 <a:solidFill>
                   <a:schemeClr val="bg1"/>
                 </a:solidFill>
                 <a:effectLst/>
-                <a:latin typeface="Helvetica Neue" panose="02000503000000020004" pitchFamily="2" charset="0"/>
+                <a:latin typeface="Montserrat Medium" pitchFamily="2" charset="77"/>
               </a:rPr>
               <a:t>Einführung + Variablen</a:t>
             </a:r>
             <a:r>
-              <a:rPr lang="de-DE" sz="3000" b="1" dirty="0">
+              <a:rPr lang="de-DE" sz="2800" dirty="0">
                 <a:solidFill>
                   <a:schemeClr val="bg1"/>
                 </a:solidFill>
-                <a:latin typeface="Helvetica Neue" panose="02000503000000020004" pitchFamily="2" charset="0"/>
+                <a:latin typeface="Montserrat Medium" pitchFamily="2" charset="77"/>
               </a:rPr>
               <a:t> + </a:t>
             </a:r>
             <a:r>
-              <a:rPr lang="de-DE" sz="3000" b="1" dirty="0">
+              <a:rPr lang="de-DE" sz="2800" dirty="0">
                 <a:solidFill>
                   <a:schemeClr val="bg1"/>
                 </a:solidFill>
                 <a:effectLst/>
-                <a:latin typeface="Helvetica Neue" panose="02000503000000020004" pitchFamily="2" charset="0"/>
+                <a:latin typeface="Montserrat Medium" pitchFamily="2" charset="77"/>
               </a:rPr>
               <a:t>Konfidenzintervalle (zu variablen) [Felix]</a:t>
             </a:r>
             <a:br>
-              <a:rPr lang="de-DE" sz="3000" dirty="0">
+              <a:rPr lang="de-DE" sz="2800" dirty="0">
                 <a:solidFill>
                   <a:schemeClr val="bg1"/>
                 </a:solidFill>
                 <a:effectLst/>
-                <a:latin typeface="Helvetica Neue" panose="02000503000000020004" pitchFamily="2" charset="0"/>
+                <a:latin typeface="Montserrat Medium" pitchFamily="2" charset="77"/>
               </a:rPr>
             </a:br>
             <a:r>
-              <a:rPr lang="de-DE" sz="3000" b="1" dirty="0">
+              <a:rPr lang="de-DE" sz="2800" dirty="0">
                 <a:solidFill>
                   <a:schemeClr val="bg1"/>
                 </a:solidFill>
                 <a:effectLst/>
-                <a:latin typeface="Helvetica Neue" panose="02000503000000020004" pitchFamily="2" charset="0"/>
+                <a:latin typeface="Montserrat Medium" pitchFamily="2" charset="77"/>
               </a:rPr>
               <a:t>Lineares Modell (Gleichung, r^2, </a:t>
             </a:r>
             <a:r>
-              <a:rPr lang="de-DE" sz="3000" b="1" dirty="0" err="1">
+              <a:rPr lang="de-DE" sz="2800" dirty="0" err="1">
                 <a:solidFill>
                   <a:schemeClr val="bg1"/>
                 </a:solidFill>
                 <a:effectLst/>
-                <a:latin typeface="Helvetica Neue" panose="02000503000000020004" pitchFamily="2" charset="0"/>
+                <a:latin typeface="Montserrat Medium" pitchFamily="2" charset="77"/>
               </a:rPr>
               <a:t>mape</a:t>
             </a:r>
             <a:r>
-              <a:rPr lang="de-DE" sz="3000" b="1" dirty="0">
+              <a:rPr lang="de-DE" sz="2800" dirty="0">
                 <a:solidFill>
                   <a:schemeClr val="bg1"/>
                 </a:solidFill>
                 <a:effectLst/>
-                <a:latin typeface="Helvetica Neue" panose="02000503000000020004" pitchFamily="2" charset="0"/>
+                <a:latin typeface="Montserrat Medium" pitchFamily="2" charset="77"/>
               </a:rPr>
               <a:t>) [Olav]</a:t>
             </a:r>
             <a:br>
-              <a:rPr lang="de-DE" sz="3000" dirty="0">
+              <a:rPr lang="de-DE" sz="2800" dirty="0">
                 <a:solidFill>
                   <a:schemeClr val="bg1"/>
                 </a:solidFill>
                 <a:effectLst/>
-                <a:latin typeface="Helvetica Neue" panose="02000503000000020004" pitchFamily="2" charset="0"/>
+                <a:latin typeface="Montserrat Medium" pitchFamily="2" charset="77"/>
               </a:rPr>
             </a:br>
             <a:r>
-              <a:rPr lang="de-DE" sz="3000" b="1" dirty="0">
+              <a:rPr lang="de-DE" sz="2800" dirty="0">
                 <a:solidFill>
                   <a:schemeClr val="bg1"/>
                 </a:solidFill>
                 <a:effectLst/>
-                <a:latin typeface="Helvetica Neue" panose="02000503000000020004" pitchFamily="2" charset="0"/>
+                <a:latin typeface="Montserrat Medium" pitchFamily="2" charset="77"/>
               </a:rPr>
               <a:t>Neuronales Netz (Code, Loss </a:t>
             </a:r>
             <a:r>
-              <a:rPr lang="de-DE" sz="3000" b="1" dirty="0" err="1">
+              <a:rPr lang="de-DE" sz="2800" dirty="0" err="1">
                 <a:solidFill>
                   <a:schemeClr val="bg1"/>
                 </a:solidFill>
                 <a:effectLst/>
-                <a:latin typeface="Helvetica Neue" panose="02000503000000020004" pitchFamily="2" charset="0"/>
+                <a:latin typeface="Montserrat Medium" pitchFamily="2" charset="77"/>
               </a:rPr>
               <a:t>fkt</a:t>
             </a:r>
             <a:r>
-              <a:rPr lang="de-DE" sz="3000" b="1" dirty="0">
+              <a:rPr lang="de-DE" sz="2800" dirty="0">
                 <a:solidFill>
                   <a:schemeClr val="bg1"/>
                 </a:solidFill>
                 <a:effectLst/>
-                <a:latin typeface="Helvetica Neue" panose="02000503000000020004" pitchFamily="2" charset="0"/>
+                <a:latin typeface="Montserrat Medium" pitchFamily="2" charset="77"/>
               </a:rPr>
               <a:t>., </a:t>
             </a:r>
             <a:r>
-              <a:rPr lang="de-DE" sz="3000" b="1" dirty="0" err="1">
+              <a:rPr lang="de-DE" sz="2800" dirty="0" err="1">
                 <a:solidFill>
                   <a:schemeClr val="bg1"/>
                 </a:solidFill>
                 <a:effectLst/>
-                <a:latin typeface="Helvetica Neue" panose="02000503000000020004" pitchFamily="2" charset="0"/>
+                <a:latin typeface="Montserrat Medium" pitchFamily="2" charset="77"/>
               </a:rPr>
               <a:t>Mape</a:t>
             </a:r>
             <a:r>
-              <a:rPr lang="de-DE" sz="3000" b="1" dirty="0">
+              <a:rPr lang="de-DE" sz="2800" dirty="0">
                 <a:solidFill>
                   <a:schemeClr val="bg1"/>
                 </a:solidFill>
                 <a:effectLst/>
-                <a:latin typeface="Helvetica Neue" panose="02000503000000020004" pitchFamily="2" charset="0"/>
+                <a:latin typeface="Montserrat Medium" pitchFamily="2" charset="77"/>
               </a:rPr>
               <a:t>) [Philipp]</a:t>
             </a:r>
             <a:br>
-              <a:rPr lang="de-DE" sz="3000" dirty="0">
+              <a:rPr lang="de-DE" sz="2800" dirty="0">
                 <a:solidFill>
                   <a:schemeClr val="bg1"/>
                 </a:solidFill>
                 <a:effectLst/>
-                <a:latin typeface="Helvetica Neue" panose="02000503000000020004" pitchFamily="2" charset="0"/>
+                <a:latin typeface="Montserrat Medium" pitchFamily="2" charset="77"/>
               </a:rPr>
             </a:br>
             <a:r>
-              <a:rPr lang="de-DE" sz="3000" b="1" dirty="0">
+              <a:rPr lang="de-DE" sz="2800" dirty="0">
                 <a:solidFill>
                   <a:schemeClr val="bg1"/>
                 </a:solidFill>
                 <a:effectLst/>
-                <a:latin typeface="Helvetica Neue" panose="02000503000000020004" pitchFamily="2" charset="0"/>
+                <a:latin typeface="Montserrat Medium" pitchFamily="2" charset="77"/>
               </a:rPr>
               <a:t>Vergleich Modelle + Fazit + Abschluss [Alex]</a:t>
             </a:r>
-            <a:endParaRPr lang="de-DE" sz="3000" dirty="0">
-              <a:solidFill>
-                <a:schemeClr val="bg1"/>
-              </a:solidFill>
-              <a:effectLst/>
-              <a:latin typeface="Helvetica Neue" panose="02000503000000020004" pitchFamily="2" charset="0"/>
-            </a:endParaRPr>
           </a:p>
         </p:txBody>
       </p:sp>
@@ -7287,7 +7541,7 @@
           <p:nvPr>
             <p:extLst>
               <p:ext uri="{D42A27DB-BD31-4B8C-83A1-F6EECF244321}">
-                <p14:modId xmlns:p14="http://schemas.microsoft.com/office/powerpoint/2010/main" val="89607243"/>
+                <p14:modId xmlns:p14="http://schemas.microsoft.com/office/powerpoint/2010/main" val="4032145806"/>
               </p:ext>
             </p:extLst>
           </p:nvPr>
@@ -7966,6 +8220,11 @@
                     <a:p>
                       <a:r>
                         <a:rPr lang="de-DE" sz="1600" b="0" i="0" dirty="0">
+                          <a:solidFill>
+                            <a:schemeClr val="bg1">
+                              <a:lumMod val="75000"/>
+                            </a:schemeClr>
+                          </a:solidFill>
                           <a:latin typeface="Montserrat Medium" pitchFamily="2" charset="77"/>
                         </a:rPr>
                         <a:t>Kieler Woche</a:t>
@@ -7974,7 +8233,9 @@
                   </a:txBody>
                   <a:tcPr>
                     <a:solidFill>
-                      <a:srgbClr val="FFFF00"/>
+                      <a:schemeClr val="bg1">
+                        <a:lumMod val="95000"/>
+                      </a:schemeClr>
                     </a:solidFill>
                   </a:tcPr>
                 </a:tc>
@@ -7985,18 +8246,30 @@
                     <a:p>
                       <a:r>
                         <a:rPr lang="de-DE" sz="1600" b="0" i="0" dirty="0" err="1">
+                          <a:solidFill>
+                            <a:schemeClr val="bg1">
+                              <a:lumMod val="75000"/>
+                            </a:schemeClr>
+                          </a:solidFill>
                           <a:latin typeface="Montserrat Medium" pitchFamily="2" charset="77"/>
                         </a:rPr>
                         <a:t>boolean</a:t>
                       </a:r>
                       <a:endParaRPr lang="de-DE" sz="1600" b="0" i="0" dirty="0">
+                        <a:solidFill>
+                          <a:schemeClr val="bg1">
+                            <a:lumMod val="75000"/>
+                          </a:schemeClr>
+                        </a:solidFill>
                         <a:latin typeface="Montserrat Medium" pitchFamily="2" charset="77"/>
                       </a:endParaRPr>
                     </a:p>
                   </a:txBody>
                   <a:tcPr>
                     <a:solidFill>
-                      <a:srgbClr val="FFFF00"/>
+                      <a:schemeClr val="bg1">
+                        <a:lumMod val="95000"/>
+                      </a:schemeClr>
                     </a:solidFill>
                   </a:tcPr>
                 </a:tc>
@@ -8006,13 +8279,20 @@
                     <a:lstStyle/>
                     <a:p>
                       <a:endParaRPr lang="de-DE" sz="1600" b="0" i="0" dirty="0">
+                        <a:solidFill>
+                          <a:schemeClr val="bg1">
+                            <a:lumMod val="75000"/>
+                          </a:schemeClr>
+                        </a:solidFill>
                         <a:latin typeface="Montserrat Medium" pitchFamily="2" charset="77"/>
                       </a:endParaRPr>
                     </a:p>
                   </a:txBody>
                   <a:tcPr>
                     <a:solidFill>
-                      <a:srgbClr val="FFFF00"/>
+                      <a:schemeClr val="bg1">
+                        <a:lumMod val="95000"/>
+                      </a:schemeClr>
                     </a:solidFill>
                   </a:tcPr>
                 </a:tc>
@@ -8022,13 +8302,20 @@
                     <a:lstStyle/>
                     <a:p>
                       <a:endParaRPr lang="de-DE" sz="1600" b="0" i="0" dirty="0">
+                        <a:solidFill>
+                          <a:schemeClr val="bg1">
+                            <a:lumMod val="75000"/>
+                          </a:schemeClr>
+                        </a:solidFill>
                         <a:latin typeface="Montserrat Medium" pitchFamily="2" charset="77"/>
                       </a:endParaRPr>
                     </a:p>
                   </a:txBody>
                   <a:tcPr>
                     <a:solidFill>
-                      <a:srgbClr val="FFFF00"/>
+                      <a:schemeClr val="bg1">
+                        <a:lumMod val="95000"/>
+                      </a:schemeClr>
                     </a:solidFill>
                   </a:tcPr>
                 </a:tc>
@@ -8039,6 +8326,11 @@
                     <a:p>
                       <a:r>
                         <a:rPr lang="de-DE" sz="1600" b="0" i="0" dirty="0">
+                          <a:solidFill>
+                            <a:schemeClr val="bg1">
+                              <a:lumMod val="75000"/>
+                            </a:schemeClr>
+                          </a:solidFill>
                           <a:latin typeface="Montserrat Medium" pitchFamily="2" charset="77"/>
                         </a:rPr>
                         <a:t>FALSE</a:t>
@@ -8047,7 +8339,9 @@
                   </a:txBody>
                   <a:tcPr>
                     <a:solidFill>
-                      <a:srgbClr val="FFFF00"/>
+                      <a:schemeClr val="bg1">
+                        <a:lumMod val="95000"/>
+                      </a:schemeClr>
                     </a:solidFill>
                   </a:tcPr>
                 </a:tc>
@@ -8538,9 +8832,7 @@
                       <a:r>
                         <a:rPr lang="de-DE" sz="1600" b="0" i="0" dirty="0">
                           <a:solidFill>
-                            <a:schemeClr val="bg1">
-                              <a:lumMod val="75000"/>
-                            </a:schemeClr>
+                            <a:schemeClr val="tx1"/>
                           </a:solidFill>
                           <a:latin typeface="Montserrat Medium" pitchFamily="2" charset="77"/>
                         </a:rPr>
@@ -8550,9 +8842,7 @@
                   </a:txBody>
                   <a:tcPr>
                     <a:solidFill>
-                      <a:schemeClr val="bg1">
-                        <a:lumMod val="95000"/>
-                      </a:schemeClr>
+                      <a:srgbClr val="FFFF00"/>
                     </a:solidFill>
                   </a:tcPr>
                 </a:tc>
@@ -8564,9 +8854,7 @@
                       <a:r>
                         <a:rPr lang="de-DE" sz="1600" b="0" i="0" dirty="0" err="1">
                           <a:solidFill>
-                            <a:schemeClr val="bg1">
-                              <a:lumMod val="75000"/>
-                            </a:schemeClr>
+                            <a:schemeClr val="tx1"/>
                           </a:solidFill>
                           <a:latin typeface="Montserrat Medium" pitchFamily="2" charset="77"/>
                         </a:rPr>
@@ -8574,9 +8862,7 @@
                       </a:r>
                       <a:endParaRPr lang="de-DE" sz="1600" b="0" i="0" dirty="0">
                         <a:solidFill>
-                          <a:schemeClr val="bg1">
-                            <a:lumMod val="75000"/>
-                          </a:schemeClr>
+                          <a:schemeClr val="tx1"/>
                         </a:solidFill>
                         <a:latin typeface="Montserrat Medium" pitchFamily="2" charset="77"/>
                       </a:endParaRPr>
@@ -8584,9 +8870,7 @@
                   </a:txBody>
                   <a:tcPr>
                     <a:solidFill>
-                      <a:schemeClr val="bg1">
-                        <a:lumMod val="95000"/>
-                      </a:schemeClr>
+                      <a:srgbClr val="FFFF00"/>
                     </a:solidFill>
                   </a:tcPr>
                 </a:tc>
@@ -8597,9 +8881,7 @@
                     <a:p>
                       <a:endParaRPr lang="de-DE" sz="1600" b="0" i="0" dirty="0">
                         <a:solidFill>
-                          <a:schemeClr val="bg1">
-                            <a:lumMod val="75000"/>
-                          </a:schemeClr>
+                          <a:schemeClr val="tx1"/>
                         </a:solidFill>
                         <a:latin typeface="Montserrat Medium" pitchFamily="2" charset="77"/>
                       </a:endParaRPr>
@@ -8607,9 +8889,7 @@
                   </a:txBody>
                   <a:tcPr>
                     <a:solidFill>
-                      <a:schemeClr val="bg1">
-                        <a:lumMod val="95000"/>
-                      </a:schemeClr>
+                      <a:srgbClr val="FFFF00"/>
                     </a:solidFill>
                   </a:tcPr>
                 </a:tc>
@@ -8621,9 +8901,7 @@
                       <a:r>
                         <a:rPr lang="de-DE" sz="1600" b="0" i="0" dirty="0">
                           <a:solidFill>
-                            <a:schemeClr val="bg1">
-                              <a:lumMod val="75000"/>
-                            </a:schemeClr>
+                            <a:schemeClr val="tx1"/>
                           </a:solidFill>
                           <a:latin typeface="Montserrat Medium" pitchFamily="2" charset="77"/>
                         </a:rPr>
@@ -8633,9 +8911,7 @@
                   </a:txBody>
                   <a:tcPr>
                     <a:solidFill>
-                      <a:schemeClr val="bg1">
-                        <a:lumMod val="95000"/>
-                      </a:schemeClr>
+                      <a:srgbClr val="FFFF00"/>
                     </a:solidFill>
                   </a:tcPr>
                 </a:tc>
@@ -8664,9 +8940,7 @@
                       <a:r>
                         <a:rPr lang="de-DE" sz="1600" b="0" i="0" kern="1200" dirty="0">
                           <a:solidFill>
-                            <a:schemeClr val="bg1">
-                              <a:lumMod val="75000"/>
-                            </a:schemeClr>
+                            <a:schemeClr val="tx1"/>
                           </a:solidFill>
                           <a:effectLst/>
                           <a:latin typeface="Montserrat Medium" pitchFamily="2" charset="77"/>
@@ -8679,9 +8953,7 @@
                   </a:txBody>
                   <a:tcPr>
                     <a:solidFill>
-                      <a:schemeClr val="bg1">
-                        <a:lumMod val="95000"/>
-                      </a:schemeClr>
+                      <a:srgbClr val="FFFF00"/>
                     </a:solidFill>
                   </a:tcPr>
                 </a:tc>
@@ -8700,9 +8972,7 @@
                       <a:r>
                         <a:rPr lang="de-DE" sz="1600" b="0" i="0" dirty="0">
                           <a:solidFill>
-                            <a:schemeClr val="bg1">
-                              <a:lumMod val="75000"/>
-                            </a:schemeClr>
+                            <a:schemeClr val="tx1"/>
                           </a:solidFill>
                           <a:latin typeface="Montserrat Medium" pitchFamily="2" charset="77"/>
                         </a:rPr>
@@ -8712,9 +8982,7 @@
                   </a:txBody>
                   <a:tcPr>
                     <a:solidFill>
-                      <a:schemeClr val="bg1">
-                        <a:lumMod val="95000"/>
-                      </a:schemeClr>
+                      <a:srgbClr val="FFFF00"/>
                     </a:solidFill>
                   </a:tcPr>
                 </a:tc>
@@ -8726,9 +8994,7 @@
                       <a:r>
                         <a:rPr lang="de-DE" sz="1600" b="0" i="0" dirty="0" err="1">
                           <a:solidFill>
-                            <a:schemeClr val="bg1">
-                              <a:lumMod val="75000"/>
-                            </a:schemeClr>
+                            <a:schemeClr val="tx1"/>
                           </a:solidFill>
                           <a:latin typeface="Montserrat Medium" pitchFamily="2" charset="77"/>
                         </a:rPr>
@@ -8736,9 +9002,7 @@
                       </a:r>
                       <a:endParaRPr lang="de-DE" sz="1600" b="0" i="0" dirty="0">
                         <a:solidFill>
-                          <a:schemeClr val="bg1">
-                            <a:lumMod val="75000"/>
-                          </a:schemeClr>
+                          <a:schemeClr val="tx1"/>
                         </a:solidFill>
                         <a:latin typeface="Montserrat Medium" pitchFamily="2" charset="77"/>
                       </a:endParaRPr>
@@ -8746,9 +9010,7 @@
                   </a:txBody>
                   <a:tcPr>
                     <a:solidFill>
-                      <a:schemeClr val="bg1">
-                        <a:lumMod val="95000"/>
-                      </a:schemeClr>
+                      <a:srgbClr val="FFFF00"/>
                     </a:solidFill>
                   </a:tcPr>
                 </a:tc>
@@ -8759,9 +9021,7 @@
                     <a:p>
                       <a:endParaRPr lang="de-DE" sz="1600" b="0" i="0" dirty="0">
                         <a:solidFill>
-                          <a:schemeClr val="bg1">
-                            <a:lumMod val="75000"/>
-                          </a:schemeClr>
+                          <a:schemeClr val="tx1"/>
                         </a:solidFill>
                         <a:latin typeface="Montserrat Medium" pitchFamily="2" charset="77"/>
                       </a:endParaRPr>
@@ -8769,9 +9029,7 @@
                   </a:txBody>
                   <a:tcPr>
                     <a:solidFill>
-                      <a:schemeClr val="bg1">
-                        <a:lumMod val="95000"/>
-                      </a:schemeClr>
+                      <a:srgbClr val="FFFF00"/>
                     </a:solidFill>
                   </a:tcPr>
                 </a:tc>
@@ -8783,9 +9041,7 @@
                       <a:r>
                         <a:rPr lang="de-DE" sz="1600" b="0" i="0" dirty="0">
                           <a:solidFill>
-                            <a:schemeClr val="bg1">
-                              <a:lumMod val="75000"/>
-                            </a:schemeClr>
+                            <a:schemeClr val="tx1"/>
                           </a:solidFill>
                           <a:latin typeface="Montserrat Medium" pitchFamily="2" charset="77"/>
                         </a:rPr>
@@ -8795,9 +9051,7 @@
                   </a:txBody>
                   <a:tcPr>
                     <a:solidFill>
-                      <a:schemeClr val="bg1">
-                        <a:lumMod val="95000"/>
-                      </a:schemeClr>
+                      <a:srgbClr val="FFFF00"/>
                     </a:solidFill>
                   </a:tcPr>
                 </a:tc>
@@ -8826,9 +9080,7 @@
                       <a:r>
                         <a:rPr lang="de-DE" sz="1600" b="0" i="0" kern="1200" dirty="0">
                           <a:solidFill>
-                            <a:schemeClr val="bg1">
-                              <a:lumMod val="75000"/>
-                            </a:schemeClr>
+                            <a:schemeClr val="tx1"/>
                           </a:solidFill>
                           <a:effectLst/>
                           <a:latin typeface="Montserrat Medium" pitchFamily="2" charset="77"/>
@@ -8841,9 +9093,7 @@
                   </a:txBody>
                   <a:tcPr>
                     <a:solidFill>
-                      <a:schemeClr val="bg1">
-                        <a:lumMod val="95000"/>
-                      </a:schemeClr>
+                      <a:srgbClr val="FFFF00"/>
                     </a:solidFill>
                   </a:tcPr>
                 </a:tc>
@@ -8878,6 +9128,11 @@
                       </a:pPr>
                       <a:r>
                         <a:rPr lang="de-DE" sz="1600" b="0" i="0" dirty="0">
+                          <a:solidFill>
+                            <a:schemeClr val="bg1">
+                              <a:lumMod val="75000"/>
+                            </a:schemeClr>
+                          </a:solidFill>
                           <a:latin typeface="Montserrat Medium" pitchFamily="2" charset="77"/>
                         </a:rPr>
                         <a:t>Ferien (Schleswig-Holstein)</a:t>
@@ -8886,7 +9141,9 @@
                   </a:txBody>
                   <a:tcPr>
                     <a:solidFill>
-                      <a:srgbClr val="FFFF00"/>
+                      <a:schemeClr val="bg1">
+                        <a:lumMod val="95000"/>
+                      </a:schemeClr>
                     </a:solidFill>
                   </a:tcPr>
                 </a:tc>
@@ -8897,18 +9154,30 @@
                     <a:p>
                       <a:r>
                         <a:rPr lang="de-DE" sz="1600" b="0" i="0" dirty="0" err="1">
+                          <a:solidFill>
+                            <a:schemeClr val="bg1">
+                              <a:lumMod val="75000"/>
+                            </a:schemeClr>
+                          </a:solidFill>
                           <a:latin typeface="Montserrat Medium" pitchFamily="2" charset="77"/>
                         </a:rPr>
                         <a:t>boolean</a:t>
                       </a:r>
                       <a:endParaRPr lang="de-DE" sz="1600" b="0" i="0" dirty="0">
+                        <a:solidFill>
+                          <a:schemeClr val="bg1">
+                            <a:lumMod val="75000"/>
+                          </a:schemeClr>
+                        </a:solidFill>
                         <a:latin typeface="Montserrat Medium" pitchFamily="2" charset="77"/>
                       </a:endParaRPr>
                     </a:p>
                   </a:txBody>
                   <a:tcPr>
                     <a:solidFill>
-                      <a:srgbClr val="FFFF00"/>
+                      <a:schemeClr val="bg1">
+                        <a:lumMod val="95000"/>
+                      </a:schemeClr>
                     </a:solidFill>
                   </a:tcPr>
                 </a:tc>
@@ -8918,13 +9187,20 @@
                     <a:lstStyle/>
                     <a:p>
                       <a:endParaRPr lang="de-DE" sz="1600" b="0" i="0" dirty="0">
+                        <a:solidFill>
+                          <a:schemeClr val="bg1">
+                            <a:lumMod val="75000"/>
+                          </a:schemeClr>
+                        </a:solidFill>
                         <a:latin typeface="Montserrat Medium" pitchFamily="2" charset="77"/>
                       </a:endParaRPr>
                     </a:p>
                   </a:txBody>
                   <a:tcPr>
                     <a:solidFill>
-                      <a:srgbClr val="FFFF00"/>
+                      <a:schemeClr val="bg1">
+                        <a:lumMod val="95000"/>
+                      </a:schemeClr>
                     </a:solidFill>
                   </a:tcPr>
                 </a:tc>
@@ -8934,13 +9210,20 @@
                     <a:lstStyle/>
                     <a:p>
                       <a:endParaRPr lang="de-DE" sz="1600" b="0" i="0" dirty="0">
+                        <a:solidFill>
+                          <a:schemeClr val="bg1">
+                            <a:lumMod val="75000"/>
+                          </a:schemeClr>
+                        </a:solidFill>
                         <a:latin typeface="Montserrat Medium" pitchFamily="2" charset="77"/>
                       </a:endParaRPr>
                     </a:p>
                   </a:txBody>
                   <a:tcPr>
                     <a:solidFill>
-                      <a:srgbClr val="FFFF00"/>
+                      <a:schemeClr val="bg1">
+                        <a:lumMod val="95000"/>
+                      </a:schemeClr>
                     </a:solidFill>
                   </a:tcPr>
                 </a:tc>
@@ -8951,6 +9234,11 @@
                     <a:p>
                       <a:r>
                         <a:rPr lang="de-DE" sz="1600" b="0" i="0" dirty="0">
+                          <a:solidFill>
+                            <a:schemeClr val="bg1">
+                              <a:lumMod val="75000"/>
+                            </a:schemeClr>
+                          </a:solidFill>
                           <a:latin typeface="Montserrat Medium" pitchFamily="2" charset="77"/>
                         </a:rPr>
                         <a:t>TRUE</a:t>
@@ -8959,7 +9247,9 @@
                   </a:txBody>
                   <a:tcPr>
                     <a:solidFill>
-                      <a:srgbClr val="FFFF00"/>
+                      <a:schemeClr val="bg1">
+                        <a:lumMod val="95000"/>
+                      </a:schemeClr>
                     </a:solidFill>
                   </a:tcPr>
                 </a:tc>
@@ -9051,6 +9341,1827 @@
 </file>
 
 <file path=ppt/slides/slide4.xml><?xml version="1.0" encoding="utf-8"?>
+<p:sld xmlns:a="http://schemas.openxmlformats.org/drawingml/2006/main" xmlns:r="http://schemas.openxmlformats.org/officeDocument/2006/relationships" xmlns:p="http://schemas.openxmlformats.org/presentationml/2006/main">
+  <p:cSld>
+    <p:spTree>
+      <p:nvGrpSpPr>
+        <p:cNvPr id="1" name=""/>
+        <p:cNvGrpSpPr/>
+        <p:nvPr/>
+      </p:nvGrpSpPr>
+      <p:grpSpPr>
+        <a:xfrm>
+          <a:off x="0" y="0"/>
+          <a:ext cx="0" cy="0"/>
+          <a:chOff x="0" y="0"/>
+          <a:chExt cx="0" cy="0"/>
+        </a:xfrm>
+      </p:grpSpPr>
+      <p:sp>
+        <p:nvSpPr>
+          <p:cNvPr id="2" name="Titel 1">
+            <a:extLst>
+              <a:ext uri="{FF2B5EF4-FFF2-40B4-BE49-F238E27FC236}">
+                <a16:creationId xmlns:a16="http://schemas.microsoft.com/office/drawing/2014/main" id="{1953E359-0FE8-EE4E-41BB-99E9B165A72C}"/>
+              </a:ext>
+            </a:extLst>
+          </p:cNvPr>
+          <p:cNvSpPr>
+            <a:spLocks noGrp="1"/>
+          </p:cNvSpPr>
+          <p:nvPr>
+            <p:ph type="title"/>
+          </p:nvPr>
+        </p:nvSpPr>
+        <p:spPr/>
+        <p:txBody>
+          <a:bodyPr>
+            <a:normAutofit/>
+          </a:bodyPr>
+          <a:lstStyle/>
+          <a:p>
+            <a:r>
+              <a:rPr lang="de-DE" sz="4000" i="1" dirty="0">
+                <a:latin typeface="Montserrat Medium" pitchFamily="2" charset="77"/>
+              </a:rPr>
+              <a:t>Variablen</a:t>
+            </a:r>
+          </a:p>
+        </p:txBody>
+      </p:sp>
+      <p:graphicFrame>
+        <p:nvGraphicFramePr>
+          <p:cNvPr id="4" name="Tabelle 4">
+            <a:extLst>
+              <a:ext uri="{FF2B5EF4-FFF2-40B4-BE49-F238E27FC236}">
+                <a16:creationId xmlns:a16="http://schemas.microsoft.com/office/drawing/2014/main" id="{F75F2BB1-EA07-171C-0690-4FCF976A1BE3}"/>
+              </a:ext>
+            </a:extLst>
+          </p:cNvPr>
+          <p:cNvGraphicFramePr>
+            <a:graphicFrameLocks noGrp="1"/>
+          </p:cNvGraphicFramePr>
+          <p:nvPr/>
+        </p:nvGraphicFramePr>
+        <p:xfrm>
+          <a:off x="918817" y="1574799"/>
+          <a:ext cx="10292522" cy="5047310"/>
+        </p:xfrm>
+        <a:graphic>
+          <a:graphicData uri="http://schemas.openxmlformats.org/drawingml/2006/table">
+            <a:tbl>
+              <a:tblPr firstRow="1" bandRow="1">
+                <a:tableStyleId>{5C22544A-7EE6-4342-B048-85BDC9FD1C3A}</a:tableStyleId>
+              </a:tblPr>
+              <a:tblGrid>
+                <a:gridCol w="2798418">
+                  <a:extLst>
+                    <a:ext uri="{9D8B030D-6E8A-4147-A177-3AD203B41FA5}">
+                      <a16:colId xmlns:a16="http://schemas.microsoft.com/office/drawing/2014/main" val="3340513449"/>
+                    </a:ext>
+                  </a:extLst>
+                </a:gridCol>
+                <a:gridCol w="1431235">
+                  <a:extLst>
+                    <a:ext uri="{9D8B030D-6E8A-4147-A177-3AD203B41FA5}">
+                      <a16:colId xmlns:a16="http://schemas.microsoft.com/office/drawing/2014/main" val="4025617101"/>
+                    </a:ext>
+                  </a:extLst>
+                </a:gridCol>
+                <a:gridCol w="1828800">
+                  <a:extLst>
+                    <a:ext uri="{9D8B030D-6E8A-4147-A177-3AD203B41FA5}">
+                      <a16:colId xmlns:a16="http://schemas.microsoft.com/office/drawing/2014/main" val="2538698929"/>
+                    </a:ext>
+                  </a:extLst>
+                </a:gridCol>
+                <a:gridCol w="2295939">
+                  <a:extLst>
+                    <a:ext uri="{9D8B030D-6E8A-4147-A177-3AD203B41FA5}">
+                      <a16:colId xmlns:a16="http://schemas.microsoft.com/office/drawing/2014/main" val="1243893476"/>
+                    </a:ext>
+                  </a:extLst>
+                </a:gridCol>
+                <a:gridCol w="1938130">
+                  <a:extLst>
+                    <a:ext uri="{9D8B030D-6E8A-4147-A177-3AD203B41FA5}">
+                      <a16:colId xmlns:a16="http://schemas.microsoft.com/office/drawing/2014/main" val="2610090627"/>
+                    </a:ext>
+                  </a:extLst>
+                </a:gridCol>
+              </a:tblGrid>
+              <a:tr h="446819">
+                <a:tc>
+                  <a:txBody>
+                    <a:bodyPr/>
+                    <a:lstStyle/>
+                    <a:p>
+                      <a:r>
+                        <a:rPr lang="de-DE" sz="1600" b="0" i="0" dirty="0">
+                          <a:solidFill>
+                            <a:schemeClr val="bg1">
+                              <a:lumMod val="75000"/>
+                            </a:schemeClr>
+                          </a:solidFill>
+                          <a:latin typeface="Montserrat Medium" pitchFamily="2" charset="77"/>
+                        </a:rPr>
+                        <a:t>Variablenname</a:t>
+                      </a:r>
+                    </a:p>
+                  </a:txBody>
+                  <a:tcPr>
+                    <a:solidFill>
+                      <a:schemeClr val="bg1">
+                        <a:lumMod val="95000"/>
+                      </a:schemeClr>
+                    </a:solidFill>
+                  </a:tcPr>
+                </a:tc>
+                <a:tc>
+                  <a:txBody>
+                    <a:bodyPr/>
+                    <a:lstStyle/>
+                    <a:p>
+                      <a:r>
+                        <a:rPr lang="de-DE" sz="1600" b="0" i="0" dirty="0">
+                          <a:solidFill>
+                            <a:schemeClr val="bg1">
+                              <a:lumMod val="75000"/>
+                            </a:schemeClr>
+                          </a:solidFill>
+                          <a:latin typeface="Montserrat Medium" pitchFamily="2" charset="77"/>
+                        </a:rPr>
+                        <a:t>Datentyp</a:t>
+                      </a:r>
+                    </a:p>
+                  </a:txBody>
+                  <a:tcPr>
+                    <a:solidFill>
+                      <a:schemeClr val="bg1">
+                        <a:lumMod val="95000"/>
+                      </a:schemeClr>
+                    </a:solidFill>
+                  </a:tcPr>
+                </a:tc>
+                <a:tc>
+                  <a:txBody>
+                    <a:bodyPr/>
+                    <a:lstStyle/>
+                    <a:p>
+                      <a:r>
+                        <a:rPr lang="de-DE" sz="1600" b="0" i="0" dirty="0">
+                          <a:solidFill>
+                            <a:schemeClr val="bg1">
+                              <a:lumMod val="75000"/>
+                            </a:schemeClr>
+                          </a:solidFill>
+                          <a:latin typeface="Montserrat Medium" pitchFamily="2" charset="77"/>
+                        </a:rPr>
+                        <a:t>Einheit/Format</a:t>
+                      </a:r>
+                    </a:p>
+                  </a:txBody>
+                  <a:tcPr>
+                    <a:solidFill>
+                      <a:schemeClr val="bg1">
+                        <a:lumMod val="95000"/>
+                      </a:schemeClr>
+                    </a:solidFill>
+                  </a:tcPr>
+                </a:tc>
+                <a:tc>
+                  <a:txBody>
+                    <a:bodyPr/>
+                    <a:lstStyle/>
+                    <a:p>
+                      <a:r>
+                        <a:rPr lang="de-DE" sz="1600" b="0" i="0" dirty="0">
+                          <a:solidFill>
+                            <a:schemeClr val="bg1">
+                              <a:lumMod val="75000"/>
+                            </a:schemeClr>
+                          </a:solidFill>
+                          <a:latin typeface="Montserrat Medium" pitchFamily="2" charset="77"/>
+                        </a:rPr>
+                        <a:t>Skala</a:t>
+                      </a:r>
+                    </a:p>
+                  </a:txBody>
+                  <a:tcPr>
+                    <a:solidFill>
+                      <a:schemeClr val="bg1">
+                        <a:lumMod val="95000"/>
+                      </a:schemeClr>
+                    </a:solidFill>
+                  </a:tcPr>
+                </a:tc>
+                <a:tc>
+                  <a:txBody>
+                    <a:bodyPr/>
+                    <a:lstStyle/>
+                    <a:p>
+                      <a:r>
+                        <a:rPr lang="de-DE" sz="1600" b="0" i="0" dirty="0">
+                          <a:solidFill>
+                            <a:schemeClr val="bg1">
+                              <a:lumMod val="75000"/>
+                            </a:schemeClr>
+                          </a:solidFill>
+                          <a:latin typeface="Montserrat Medium" pitchFamily="2" charset="77"/>
+                        </a:rPr>
+                        <a:t>Beispielwert</a:t>
+                      </a:r>
+                    </a:p>
+                  </a:txBody>
+                  <a:tcPr>
+                    <a:solidFill>
+                      <a:schemeClr val="bg1">
+                        <a:lumMod val="95000"/>
+                      </a:schemeClr>
+                    </a:solidFill>
+                  </a:tcPr>
+                </a:tc>
+                <a:extLst>
+                  <a:ext uri="{0D108BD9-81ED-4DB2-BD59-A6C34878D82A}">
+                    <a16:rowId xmlns:a16="http://schemas.microsoft.com/office/drawing/2014/main" val="1908570865"/>
+                  </a:ext>
+                </a:extLst>
+              </a:tr>
+              <a:tr h="446819">
+                <a:tc>
+                  <a:txBody>
+                    <a:bodyPr/>
+                    <a:lstStyle/>
+                    <a:p>
+                      <a:r>
+                        <a:rPr lang="de-DE" sz="1600" b="0" i="0" dirty="0">
+                          <a:solidFill>
+                            <a:schemeClr val="bg1">
+                              <a:lumMod val="75000"/>
+                            </a:schemeClr>
+                          </a:solidFill>
+                          <a:latin typeface="Montserrat Medium" pitchFamily="2" charset="77"/>
+                        </a:rPr>
+                        <a:t>Datum</a:t>
+                      </a:r>
+                    </a:p>
+                  </a:txBody>
+                  <a:tcPr>
+                    <a:solidFill>
+                      <a:schemeClr val="bg1">
+                        <a:lumMod val="95000"/>
+                      </a:schemeClr>
+                    </a:solidFill>
+                  </a:tcPr>
+                </a:tc>
+                <a:tc>
+                  <a:txBody>
+                    <a:bodyPr/>
+                    <a:lstStyle/>
+                    <a:p>
+                      <a:r>
+                        <a:rPr lang="de-DE" sz="1600" b="0" i="0" dirty="0">
+                          <a:solidFill>
+                            <a:schemeClr val="bg1">
+                              <a:lumMod val="75000"/>
+                            </a:schemeClr>
+                          </a:solidFill>
+                          <a:latin typeface="Montserrat Medium" pitchFamily="2" charset="77"/>
+                        </a:rPr>
+                        <a:t>date</a:t>
+                      </a:r>
+                    </a:p>
+                  </a:txBody>
+                  <a:tcPr>
+                    <a:solidFill>
+                      <a:schemeClr val="bg1">
+                        <a:lumMod val="95000"/>
+                      </a:schemeClr>
+                    </a:solidFill>
+                  </a:tcPr>
+                </a:tc>
+                <a:tc>
+                  <a:txBody>
+                    <a:bodyPr/>
+                    <a:lstStyle/>
+                    <a:p>
+                      <a:r>
+                        <a:rPr lang="de-DE" sz="1600" b="0" i="0" dirty="0" err="1">
+                          <a:solidFill>
+                            <a:schemeClr val="bg1">
+                              <a:lumMod val="75000"/>
+                            </a:schemeClr>
+                          </a:solidFill>
+                          <a:latin typeface="Montserrat Medium" pitchFamily="2" charset="77"/>
+                        </a:rPr>
+                        <a:t>yyyy</a:t>
+                      </a:r>
+                      <a:r>
+                        <a:rPr lang="de-DE" sz="1600" b="0" i="0" dirty="0">
+                          <a:solidFill>
+                            <a:schemeClr val="bg1">
+                              <a:lumMod val="75000"/>
+                            </a:schemeClr>
+                          </a:solidFill>
+                          <a:latin typeface="Montserrat Medium" pitchFamily="2" charset="77"/>
+                        </a:rPr>
+                        <a:t>-mm-</a:t>
+                      </a:r>
+                      <a:r>
+                        <a:rPr lang="de-DE" sz="1600" b="0" i="0" dirty="0" err="1">
+                          <a:solidFill>
+                            <a:schemeClr val="bg1">
+                              <a:lumMod val="75000"/>
+                            </a:schemeClr>
+                          </a:solidFill>
+                          <a:latin typeface="Montserrat Medium" pitchFamily="2" charset="77"/>
+                        </a:rPr>
+                        <a:t>dd</a:t>
+                      </a:r>
+                      <a:endParaRPr lang="de-DE" sz="1600" b="0" i="0" dirty="0">
+                        <a:solidFill>
+                          <a:schemeClr val="bg1">
+                            <a:lumMod val="75000"/>
+                          </a:schemeClr>
+                        </a:solidFill>
+                        <a:latin typeface="Montserrat Medium" pitchFamily="2" charset="77"/>
+                      </a:endParaRPr>
+                    </a:p>
+                  </a:txBody>
+                  <a:tcPr>
+                    <a:solidFill>
+                      <a:schemeClr val="bg1">
+                        <a:lumMod val="95000"/>
+                      </a:schemeClr>
+                    </a:solidFill>
+                  </a:tcPr>
+                </a:tc>
+                <a:tc>
+                  <a:txBody>
+                    <a:bodyPr/>
+                    <a:lstStyle/>
+                    <a:p>
+                      <a:r>
+                        <a:rPr lang="de-DE" sz="1600" b="0" i="0" dirty="0">
+                          <a:solidFill>
+                            <a:schemeClr val="bg1">
+                              <a:lumMod val="75000"/>
+                            </a:schemeClr>
+                          </a:solidFill>
+                          <a:latin typeface="Montserrat Medium" pitchFamily="2" charset="77"/>
+                        </a:rPr>
+                        <a:t>Intervall (Kardinal)</a:t>
+                      </a:r>
+                    </a:p>
+                  </a:txBody>
+                  <a:tcPr>
+                    <a:solidFill>
+                      <a:schemeClr val="bg1">
+                        <a:lumMod val="95000"/>
+                      </a:schemeClr>
+                    </a:solidFill>
+                  </a:tcPr>
+                </a:tc>
+                <a:tc>
+                  <a:txBody>
+                    <a:bodyPr/>
+                    <a:lstStyle/>
+                    <a:p>
+                      <a:r>
+                        <a:rPr lang="de-DE" sz="1600" b="0" i="0" dirty="0">
+                          <a:solidFill>
+                            <a:schemeClr val="bg1">
+                              <a:lumMod val="75000"/>
+                            </a:schemeClr>
+                          </a:solidFill>
+                          <a:latin typeface="Montserrat Medium" pitchFamily="2" charset="77"/>
+                        </a:rPr>
+                        <a:t>2011-05-13</a:t>
+                      </a:r>
+                    </a:p>
+                  </a:txBody>
+                  <a:tcPr>
+                    <a:solidFill>
+                      <a:schemeClr val="bg1">
+                        <a:lumMod val="95000"/>
+                      </a:schemeClr>
+                    </a:solidFill>
+                  </a:tcPr>
+                </a:tc>
+                <a:extLst>
+                  <a:ext uri="{0D108BD9-81ED-4DB2-BD59-A6C34878D82A}">
+                    <a16:rowId xmlns:a16="http://schemas.microsoft.com/office/drawing/2014/main" val="3522874767"/>
+                  </a:ext>
+                </a:extLst>
+              </a:tr>
+              <a:tr h="446819">
+                <a:tc>
+                  <a:txBody>
+                    <a:bodyPr/>
+                    <a:lstStyle/>
+                    <a:p>
+                      <a:pPr marL="0" marR="0" lvl="0" indent="0" algn="l" defTabSz="914400" rtl="0" eaLnBrk="1" fontAlgn="auto" latinLnBrk="0" hangingPunct="1">
+                        <a:lnSpc>
+                          <a:spcPct val="100000"/>
+                        </a:lnSpc>
+                        <a:spcBef>
+                          <a:spcPts val="0"/>
+                        </a:spcBef>
+                        <a:spcAft>
+                          <a:spcPts val="0"/>
+                        </a:spcAft>
+                        <a:buClrTx/>
+                        <a:buSzTx/>
+                        <a:buFontTx/>
+                        <a:buNone/>
+                        <a:tabLst/>
+                        <a:defRPr/>
+                      </a:pPr>
+                      <a:r>
+                        <a:rPr lang="de-DE" sz="1600" b="0" i="0" dirty="0">
+                          <a:solidFill>
+                            <a:schemeClr val="bg1">
+                              <a:lumMod val="75000"/>
+                            </a:schemeClr>
+                          </a:solidFill>
+                          <a:latin typeface="Montserrat Medium" pitchFamily="2" charset="77"/>
+                        </a:rPr>
+                        <a:t>Warengruppe</a:t>
+                      </a:r>
+                    </a:p>
+                  </a:txBody>
+                  <a:tcPr>
+                    <a:solidFill>
+                      <a:schemeClr val="bg1">
+                        <a:lumMod val="95000"/>
+                      </a:schemeClr>
+                    </a:solidFill>
+                  </a:tcPr>
+                </a:tc>
+                <a:tc>
+                  <a:txBody>
+                    <a:bodyPr/>
+                    <a:lstStyle/>
+                    <a:p>
+                      <a:r>
+                        <a:rPr lang="de-DE" sz="1600" b="0" i="0" dirty="0" err="1">
+                          <a:solidFill>
+                            <a:schemeClr val="bg1">
+                              <a:lumMod val="75000"/>
+                            </a:schemeClr>
+                          </a:solidFill>
+                          <a:latin typeface="Montserrat Medium" pitchFamily="2" charset="77"/>
+                        </a:rPr>
+                        <a:t>str</a:t>
+                      </a:r>
+                      <a:endParaRPr lang="de-DE" sz="1600" b="0" i="0" dirty="0">
+                        <a:solidFill>
+                          <a:schemeClr val="bg1">
+                            <a:lumMod val="75000"/>
+                          </a:schemeClr>
+                        </a:solidFill>
+                        <a:latin typeface="Montserrat Medium" pitchFamily="2" charset="77"/>
+                      </a:endParaRPr>
+                    </a:p>
+                  </a:txBody>
+                  <a:tcPr>
+                    <a:solidFill>
+                      <a:schemeClr val="bg1">
+                        <a:lumMod val="95000"/>
+                      </a:schemeClr>
+                    </a:solidFill>
+                  </a:tcPr>
+                </a:tc>
+                <a:tc>
+                  <a:txBody>
+                    <a:bodyPr/>
+                    <a:lstStyle/>
+                    <a:p>
+                      <a:endParaRPr lang="de-DE" sz="1600" b="0" i="0" dirty="0">
+                        <a:solidFill>
+                          <a:schemeClr val="bg1">
+                            <a:lumMod val="75000"/>
+                          </a:schemeClr>
+                        </a:solidFill>
+                        <a:latin typeface="Montserrat Medium" pitchFamily="2" charset="77"/>
+                      </a:endParaRPr>
+                    </a:p>
+                  </a:txBody>
+                  <a:tcPr>
+                    <a:solidFill>
+                      <a:schemeClr val="bg1">
+                        <a:lumMod val="95000"/>
+                      </a:schemeClr>
+                    </a:solidFill>
+                  </a:tcPr>
+                </a:tc>
+                <a:tc>
+                  <a:txBody>
+                    <a:bodyPr/>
+                    <a:lstStyle/>
+                    <a:p>
+                      <a:r>
+                        <a:rPr lang="de-DE" sz="1600" b="0" i="0" dirty="0">
+                          <a:solidFill>
+                            <a:schemeClr val="bg1">
+                              <a:lumMod val="75000"/>
+                            </a:schemeClr>
+                          </a:solidFill>
+                          <a:latin typeface="Montserrat Medium" pitchFamily="2" charset="77"/>
+                        </a:rPr>
+                        <a:t>Nominal</a:t>
+                      </a:r>
+                    </a:p>
+                  </a:txBody>
+                  <a:tcPr>
+                    <a:solidFill>
+                      <a:schemeClr val="bg1">
+                        <a:lumMod val="95000"/>
+                      </a:schemeClr>
+                    </a:solidFill>
+                  </a:tcPr>
+                </a:tc>
+                <a:tc>
+                  <a:txBody>
+                    <a:bodyPr/>
+                    <a:lstStyle/>
+                    <a:p>
+                      <a:r>
+                        <a:rPr lang="de-DE" sz="1600" b="0" i="0" dirty="0">
+                          <a:solidFill>
+                            <a:schemeClr val="bg1">
+                              <a:lumMod val="75000"/>
+                            </a:schemeClr>
+                          </a:solidFill>
+                          <a:latin typeface="Montserrat Medium" pitchFamily="2" charset="77"/>
+                        </a:rPr>
+                        <a:t>Kuchen</a:t>
+                      </a:r>
+                    </a:p>
+                  </a:txBody>
+                  <a:tcPr>
+                    <a:solidFill>
+                      <a:schemeClr val="bg1">
+                        <a:lumMod val="95000"/>
+                      </a:schemeClr>
+                    </a:solidFill>
+                  </a:tcPr>
+                </a:tc>
+                <a:extLst>
+                  <a:ext uri="{0D108BD9-81ED-4DB2-BD59-A6C34878D82A}">
+                    <a16:rowId xmlns:a16="http://schemas.microsoft.com/office/drawing/2014/main" val="706869222"/>
+                  </a:ext>
+                </a:extLst>
+              </a:tr>
+              <a:tr h="446819">
+                <a:tc>
+                  <a:txBody>
+                    <a:bodyPr/>
+                    <a:lstStyle/>
+                    <a:p>
+                      <a:r>
+                        <a:rPr lang="de-DE" sz="1600" b="0" i="0" dirty="0">
+                          <a:solidFill>
+                            <a:schemeClr val="bg1">
+                              <a:lumMod val="75000"/>
+                            </a:schemeClr>
+                          </a:solidFill>
+                          <a:latin typeface="Montserrat Medium" pitchFamily="2" charset="77"/>
+                        </a:rPr>
+                        <a:t>Umsatz</a:t>
+                      </a:r>
+                    </a:p>
+                  </a:txBody>
+                  <a:tcPr>
+                    <a:solidFill>
+                      <a:schemeClr val="bg1">
+                        <a:lumMod val="95000"/>
+                      </a:schemeClr>
+                    </a:solidFill>
+                  </a:tcPr>
+                </a:tc>
+                <a:tc>
+                  <a:txBody>
+                    <a:bodyPr/>
+                    <a:lstStyle/>
+                    <a:p>
+                      <a:r>
+                        <a:rPr lang="de-DE" sz="1600" b="0" i="0" dirty="0" err="1">
+                          <a:solidFill>
+                            <a:schemeClr val="bg1">
+                              <a:lumMod val="75000"/>
+                            </a:schemeClr>
+                          </a:solidFill>
+                          <a:latin typeface="Montserrat Medium" pitchFamily="2" charset="77"/>
+                        </a:rPr>
+                        <a:t>int</a:t>
+                      </a:r>
+                      <a:endParaRPr lang="de-DE" sz="1600" b="0" i="0" dirty="0">
+                        <a:solidFill>
+                          <a:schemeClr val="bg1">
+                            <a:lumMod val="75000"/>
+                          </a:schemeClr>
+                        </a:solidFill>
+                        <a:latin typeface="Montserrat Medium" pitchFamily="2" charset="77"/>
+                      </a:endParaRPr>
+                    </a:p>
+                  </a:txBody>
+                  <a:tcPr>
+                    <a:solidFill>
+                      <a:schemeClr val="bg1">
+                        <a:lumMod val="95000"/>
+                      </a:schemeClr>
+                    </a:solidFill>
+                  </a:tcPr>
+                </a:tc>
+                <a:tc>
+                  <a:txBody>
+                    <a:bodyPr/>
+                    <a:lstStyle/>
+                    <a:p>
+                      <a:r>
+                        <a:rPr lang="de-DE" sz="1600" b="0" i="0" dirty="0">
+                          <a:solidFill>
+                            <a:schemeClr val="bg1">
+                              <a:lumMod val="75000"/>
+                            </a:schemeClr>
+                          </a:solidFill>
+                          <a:latin typeface="Montserrat Medium" pitchFamily="2" charset="77"/>
+                        </a:rPr>
+                        <a:t>€</a:t>
+                      </a:r>
+                    </a:p>
+                  </a:txBody>
+                  <a:tcPr>
+                    <a:solidFill>
+                      <a:schemeClr val="bg1">
+                        <a:lumMod val="95000"/>
+                      </a:schemeClr>
+                    </a:solidFill>
+                  </a:tcPr>
+                </a:tc>
+                <a:tc>
+                  <a:txBody>
+                    <a:bodyPr/>
+                    <a:lstStyle/>
+                    <a:p>
+                      <a:r>
+                        <a:rPr lang="de-DE" sz="1600" b="0" i="0" dirty="0">
+                          <a:solidFill>
+                            <a:schemeClr val="bg1">
+                              <a:lumMod val="75000"/>
+                            </a:schemeClr>
+                          </a:solidFill>
+                          <a:latin typeface="Montserrat Medium" pitchFamily="2" charset="77"/>
+                        </a:rPr>
+                        <a:t>Verhältnis (Kardinal)</a:t>
+                      </a:r>
+                    </a:p>
+                  </a:txBody>
+                  <a:tcPr>
+                    <a:solidFill>
+                      <a:schemeClr val="bg1">
+                        <a:lumMod val="95000"/>
+                      </a:schemeClr>
+                    </a:solidFill>
+                  </a:tcPr>
+                </a:tc>
+                <a:tc>
+                  <a:txBody>
+                    <a:bodyPr/>
+                    <a:lstStyle/>
+                    <a:p>
+                      <a:r>
+                        <a:rPr lang="de-DE" sz="1600" b="0" i="0" kern="1200" dirty="0">
+                          <a:solidFill>
+                            <a:schemeClr val="bg1">
+                              <a:lumMod val="75000"/>
+                            </a:schemeClr>
+                          </a:solidFill>
+                          <a:effectLst/>
+                          <a:latin typeface="Montserrat Medium" pitchFamily="2" charset="77"/>
+                          <a:ea typeface="+mn-ea"/>
+                          <a:cs typeface="+mn-cs"/>
+                        </a:rPr>
+                        <a:t>148.8283</a:t>
+                      </a:r>
+                      <a:endParaRPr lang="de-DE" sz="1600" b="0" i="0" dirty="0">
+                        <a:solidFill>
+                          <a:schemeClr val="bg1">
+                            <a:lumMod val="75000"/>
+                          </a:schemeClr>
+                        </a:solidFill>
+                        <a:latin typeface="Montserrat Medium" pitchFamily="2" charset="77"/>
+                      </a:endParaRPr>
+                    </a:p>
+                  </a:txBody>
+                  <a:tcPr>
+                    <a:solidFill>
+                      <a:schemeClr val="bg1">
+                        <a:lumMod val="95000"/>
+                      </a:schemeClr>
+                    </a:solidFill>
+                  </a:tcPr>
+                </a:tc>
+                <a:extLst>
+                  <a:ext uri="{0D108BD9-81ED-4DB2-BD59-A6C34878D82A}">
+                    <a16:rowId xmlns:a16="http://schemas.microsoft.com/office/drawing/2014/main" val="893082744"/>
+                  </a:ext>
+                </a:extLst>
+              </a:tr>
+              <a:tr h="446819">
+                <a:tc>
+                  <a:txBody>
+                    <a:bodyPr/>
+                    <a:lstStyle/>
+                    <a:p>
+                      <a:r>
+                        <a:rPr lang="de-DE" sz="1600" b="0" i="0" dirty="0">
+                          <a:latin typeface="Montserrat Medium" pitchFamily="2" charset="77"/>
+                        </a:rPr>
+                        <a:t>Kieler Woche</a:t>
+                      </a:r>
+                    </a:p>
+                  </a:txBody>
+                  <a:tcPr>
+                    <a:solidFill>
+                      <a:srgbClr val="FFFF00"/>
+                    </a:solidFill>
+                  </a:tcPr>
+                </a:tc>
+                <a:tc>
+                  <a:txBody>
+                    <a:bodyPr/>
+                    <a:lstStyle/>
+                    <a:p>
+                      <a:r>
+                        <a:rPr lang="de-DE" sz="1600" b="0" i="0" dirty="0" err="1">
+                          <a:latin typeface="Montserrat Medium" pitchFamily="2" charset="77"/>
+                        </a:rPr>
+                        <a:t>boolean</a:t>
+                      </a:r>
+                      <a:endParaRPr lang="de-DE" sz="1600" b="0" i="0" dirty="0">
+                        <a:latin typeface="Montserrat Medium" pitchFamily="2" charset="77"/>
+                      </a:endParaRPr>
+                    </a:p>
+                  </a:txBody>
+                  <a:tcPr>
+                    <a:solidFill>
+                      <a:srgbClr val="FFFF00"/>
+                    </a:solidFill>
+                  </a:tcPr>
+                </a:tc>
+                <a:tc>
+                  <a:txBody>
+                    <a:bodyPr/>
+                    <a:lstStyle/>
+                    <a:p>
+                      <a:endParaRPr lang="de-DE" sz="1600" b="0" i="0" dirty="0">
+                        <a:latin typeface="Montserrat Medium" pitchFamily="2" charset="77"/>
+                      </a:endParaRPr>
+                    </a:p>
+                  </a:txBody>
+                  <a:tcPr>
+                    <a:solidFill>
+                      <a:srgbClr val="FFFF00"/>
+                    </a:solidFill>
+                  </a:tcPr>
+                </a:tc>
+                <a:tc>
+                  <a:txBody>
+                    <a:bodyPr/>
+                    <a:lstStyle/>
+                    <a:p>
+                      <a:endParaRPr lang="de-DE" sz="1600" b="0" i="0" dirty="0">
+                        <a:latin typeface="Montserrat Medium" pitchFamily="2" charset="77"/>
+                      </a:endParaRPr>
+                    </a:p>
+                  </a:txBody>
+                  <a:tcPr>
+                    <a:solidFill>
+                      <a:srgbClr val="FFFF00"/>
+                    </a:solidFill>
+                  </a:tcPr>
+                </a:tc>
+                <a:tc>
+                  <a:txBody>
+                    <a:bodyPr/>
+                    <a:lstStyle/>
+                    <a:p>
+                      <a:r>
+                        <a:rPr lang="de-DE" sz="1600" b="0" i="0" dirty="0">
+                          <a:latin typeface="Montserrat Medium" pitchFamily="2" charset="77"/>
+                        </a:rPr>
+                        <a:t>FALSE</a:t>
+                      </a:r>
+                    </a:p>
+                  </a:txBody>
+                  <a:tcPr>
+                    <a:solidFill>
+                      <a:srgbClr val="FFFF00"/>
+                    </a:solidFill>
+                  </a:tcPr>
+                </a:tc>
+                <a:extLst>
+                  <a:ext uri="{0D108BD9-81ED-4DB2-BD59-A6C34878D82A}">
+                    <a16:rowId xmlns:a16="http://schemas.microsoft.com/office/drawing/2014/main" val="3370454771"/>
+                  </a:ext>
+                </a:extLst>
+              </a:tr>
+              <a:tr h="446819">
+                <a:tc>
+                  <a:txBody>
+                    <a:bodyPr/>
+                    <a:lstStyle/>
+                    <a:p>
+                      <a:r>
+                        <a:rPr lang="de-DE" sz="1600" b="0" i="0" dirty="0">
+                          <a:solidFill>
+                            <a:schemeClr val="bg1">
+                              <a:lumMod val="75000"/>
+                            </a:schemeClr>
+                          </a:solidFill>
+                          <a:latin typeface="Montserrat Medium" pitchFamily="2" charset="77"/>
+                        </a:rPr>
+                        <a:t>Bewölkung</a:t>
+                      </a:r>
+                    </a:p>
+                  </a:txBody>
+                  <a:tcPr>
+                    <a:solidFill>
+                      <a:schemeClr val="bg1">
+                        <a:lumMod val="95000"/>
+                      </a:schemeClr>
+                    </a:solidFill>
+                  </a:tcPr>
+                </a:tc>
+                <a:tc>
+                  <a:txBody>
+                    <a:bodyPr/>
+                    <a:lstStyle/>
+                    <a:p>
+                      <a:r>
+                        <a:rPr lang="de-DE" sz="1600" b="0" i="0" dirty="0" err="1">
+                          <a:solidFill>
+                            <a:schemeClr val="bg1">
+                              <a:lumMod val="75000"/>
+                            </a:schemeClr>
+                          </a:solidFill>
+                          <a:latin typeface="Montserrat Medium" pitchFamily="2" charset="77"/>
+                        </a:rPr>
+                        <a:t>int</a:t>
+                      </a:r>
+                      <a:endParaRPr lang="de-DE" sz="1600" b="0" i="0" dirty="0">
+                        <a:solidFill>
+                          <a:schemeClr val="bg1">
+                            <a:lumMod val="75000"/>
+                          </a:schemeClr>
+                        </a:solidFill>
+                        <a:latin typeface="Montserrat Medium" pitchFamily="2" charset="77"/>
+                      </a:endParaRPr>
+                    </a:p>
+                  </a:txBody>
+                  <a:tcPr>
+                    <a:solidFill>
+                      <a:schemeClr val="bg1">
+                        <a:lumMod val="95000"/>
+                      </a:schemeClr>
+                    </a:solidFill>
+                  </a:tcPr>
+                </a:tc>
+                <a:tc>
+                  <a:txBody>
+                    <a:bodyPr/>
+                    <a:lstStyle/>
+                    <a:p>
+                      <a:endParaRPr lang="de-DE" sz="1600" b="0" i="0" dirty="0">
+                        <a:solidFill>
+                          <a:schemeClr val="bg1">
+                            <a:lumMod val="75000"/>
+                          </a:schemeClr>
+                        </a:solidFill>
+                        <a:latin typeface="Montserrat Medium" pitchFamily="2" charset="77"/>
+                      </a:endParaRPr>
+                    </a:p>
+                  </a:txBody>
+                  <a:tcPr>
+                    <a:solidFill>
+                      <a:schemeClr val="bg1">
+                        <a:lumMod val="95000"/>
+                      </a:schemeClr>
+                    </a:solidFill>
+                  </a:tcPr>
+                </a:tc>
+                <a:tc>
+                  <a:txBody>
+                    <a:bodyPr/>
+                    <a:lstStyle/>
+                    <a:p>
+                      <a:r>
+                        <a:rPr lang="de-DE" sz="1600" b="0" i="0" dirty="0">
+                          <a:solidFill>
+                            <a:schemeClr val="bg1">
+                              <a:lumMod val="75000"/>
+                            </a:schemeClr>
+                          </a:solidFill>
+                          <a:latin typeface="Montserrat Medium" pitchFamily="2" charset="77"/>
+                        </a:rPr>
+                        <a:t>Nominal</a:t>
+                      </a:r>
+                    </a:p>
+                  </a:txBody>
+                  <a:tcPr>
+                    <a:solidFill>
+                      <a:schemeClr val="bg1">
+                        <a:lumMod val="95000"/>
+                      </a:schemeClr>
+                    </a:solidFill>
+                  </a:tcPr>
+                </a:tc>
+                <a:tc>
+                  <a:txBody>
+                    <a:bodyPr/>
+                    <a:lstStyle/>
+                    <a:p>
+                      <a:r>
+                        <a:rPr lang="de-DE" sz="1600" b="0" i="0" dirty="0">
+                          <a:solidFill>
+                            <a:schemeClr val="bg1">
+                              <a:lumMod val="75000"/>
+                            </a:schemeClr>
+                          </a:solidFill>
+                          <a:latin typeface="Montserrat Medium" pitchFamily="2" charset="77"/>
+                        </a:rPr>
+                        <a:t>6</a:t>
+                      </a:r>
+                    </a:p>
+                  </a:txBody>
+                  <a:tcPr>
+                    <a:solidFill>
+                      <a:schemeClr val="bg1">
+                        <a:lumMod val="95000"/>
+                      </a:schemeClr>
+                    </a:solidFill>
+                  </a:tcPr>
+                </a:tc>
+                <a:extLst>
+                  <a:ext uri="{0D108BD9-81ED-4DB2-BD59-A6C34878D82A}">
+                    <a16:rowId xmlns:a16="http://schemas.microsoft.com/office/drawing/2014/main" val="236182835"/>
+                  </a:ext>
+                </a:extLst>
+              </a:tr>
+              <a:tr h="446819">
+                <a:tc>
+                  <a:txBody>
+                    <a:bodyPr/>
+                    <a:lstStyle/>
+                    <a:p>
+                      <a:r>
+                        <a:rPr lang="de-DE" sz="1600" b="0" i="0" dirty="0">
+                          <a:solidFill>
+                            <a:schemeClr val="bg1">
+                              <a:lumMod val="75000"/>
+                            </a:schemeClr>
+                          </a:solidFill>
+                          <a:latin typeface="Montserrat Medium" pitchFamily="2" charset="77"/>
+                        </a:rPr>
+                        <a:t>Temperatur</a:t>
+                      </a:r>
+                    </a:p>
+                  </a:txBody>
+                  <a:tcPr>
+                    <a:solidFill>
+                      <a:schemeClr val="bg1">
+                        <a:lumMod val="95000"/>
+                      </a:schemeClr>
+                    </a:solidFill>
+                  </a:tcPr>
+                </a:tc>
+                <a:tc>
+                  <a:txBody>
+                    <a:bodyPr/>
+                    <a:lstStyle/>
+                    <a:p>
+                      <a:r>
+                        <a:rPr lang="de-DE" sz="1600" b="0" i="0" dirty="0" err="1">
+                          <a:solidFill>
+                            <a:schemeClr val="bg1">
+                              <a:lumMod val="75000"/>
+                            </a:schemeClr>
+                          </a:solidFill>
+                          <a:latin typeface="Montserrat Medium" pitchFamily="2" charset="77"/>
+                        </a:rPr>
+                        <a:t>float</a:t>
+                      </a:r>
+                      <a:endParaRPr lang="de-DE" sz="1600" b="0" i="0" dirty="0">
+                        <a:solidFill>
+                          <a:schemeClr val="bg1">
+                            <a:lumMod val="75000"/>
+                          </a:schemeClr>
+                        </a:solidFill>
+                        <a:latin typeface="Montserrat Medium" pitchFamily="2" charset="77"/>
+                      </a:endParaRPr>
+                    </a:p>
+                  </a:txBody>
+                  <a:tcPr>
+                    <a:solidFill>
+                      <a:schemeClr val="bg1">
+                        <a:lumMod val="95000"/>
+                      </a:schemeClr>
+                    </a:solidFill>
+                  </a:tcPr>
+                </a:tc>
+                <a:tc>
+                  <a:txBody>
+                    <a:bodyPr/>
+                    <a:lstStyle/>
+                    <a:p>
+                      <a:r>
+                        <a:rPr lang="de-DE" sz="1600" b="0" i="0" dirty="0">
+                          <a:solidFill>
+                            <a:schemeClr val="bg1">
+                              <a:lumMod val="75000"/>
+                            </a:schemeClr>
+                          </a:solidFill>
+                          <a:latin typeface="Montserrat Medium" pitchFamily="2" charset="77"/>
+                        </a:rPr>
+                        <a:t>°C</a:t>
+                      </a:r>
+                    </a:p>
+                  </a:txBody>
+                  <a:tcPr>
+                    <a:solidFill>
+                      <a:schemeClr val="bg1">
+                        <a:lumMod val="95000"/>
+                      </a:schemeClr>
+                    </a:solidFill>
+                  </a:tcPr>
+                </a:tc>
+                <a:tc>
+                  <a:txBody>
+                    <a:bodyPr/>
+                    <a:lstStyle/>
+                    <a:p>
+                      <a:r>
+                        <a:rPr lang="de-DE" sz="1600" b="0" i="0" dirty="0">
+                          <a:solidFill>
+                            <a:schemeClr val="bg1">
+                              <a:lumMod val="75000"/>
+                            </a:schemeClr>
+                          </a:solidFill>
+                          <a:latin typeface="Montserrat Medium" pitchFamily="2" charset="77"/>
+                        </a:rPr>
+                        <a:t>Intervall (Kardinal)</a:t>
+                      </a:r>
+                    </a:p>
+                  </a:txBody>
+                  <a:tcPr>
+                    <a:solidFill>
+                      <a:schemeClr val="bg1">
+                        <a:lumMod val="95000"/>
+                      </a:schemeClr>
+                    </a:solidFill>
+                  </a:tcPr>
+                </a:tc>
+                <a:tc>
+                  <a:txBody>
+                    <a:bodyPr/>
+                    <a:lstStyle/>
+                    <a:p>
+                      <a:pPr marL="0" marR="0" lvl="0" indent="0" algn="l" defTabSz="914400" rtl="0" eaLnBrk="1" fontAlgn="auto" latinLnBrk="0" hangingPunct="1">
+                        <a:lnSpc>
+                          <a:spcPct val="100000"/>
+                        </a:lnSpc>
+                        <a:spcBef>
+                          <a:spcPts val="0"/>
+                        </a:spcBef>
+                        <a:spcAft>
+                          <a:spcPts val="0"/>
+                        </a:spcAft>
+                        <a:buClrTx/>
+                        <a:buSzTx/>
+                        <a:buFontTx/>
+                        <a:buNone/>
+                        <a:tabLst/>
+                        <a:defRPr/>
+                      </a:pPr>
+                      <a:r>
+                        <a:rPr lang="de-DE" sz="1600" b="0" i="0" kern="1200" dirty="0">
+                          <a:solidFill>
+                            <a:schemeClr val="bg1">
+                              <a:lumMod val="75000"/>
+                            </a:schemeClr>
+                          </a:solidFill>
+                          <a:effectLst/>
+                          <a:latin typeface="Montserrat Medium" pitchFamily="2" charset="77"/>
+                          <a:ea typeface="+mn-ea"/>
+                          <a:cs typeface="+mn-cs"/>
+                        </a:rPr>
+                        <a:t>17.83</a:t>
+                      </a:r>
+                    </a:p>
+                  </a:txBody>
+                  <a:tcPr>
+                    <a:solidFill>
+                      <a:schemeClr val="bg1">
+                        <a:lumMod val="95000"/>
+                      </a:schemeClr>
+                    </a:solidFill>
+                  </a:tcPr>
+                </a:tc>
+                <a:extLst>
+                  <a:ext uri="{0D108BD9-81ED-4DB2-BD59-A6C34878D82A}">
+                    <a16:rowId xmlns:a16="http://schemas.microsoft.com/office/drawing/2014/main" val="969492181"/>
+                  </a:ext>
+                </a:extLst>
+              </a:tr>
+              <a:tr h="446819">
+                <a:tc>
+                  <a:txBody>
+                    <a:bodyPr/>
+                    <a:lstStyle/>
+                    <a:p>
+                      <a:r>
+                        <a:rPr lang="de-DE" sz="1600" b="0" i="0" dirty="0">
+                          <a:solidFill>
+                            <a:schemeClr val="bg1">
+                              <a:lumMod val="75000"/>
+                            </a:schemeClr>
+                          </a:solidFill>
+                          <a:latin typeface="Montserrat Medium" pitchFamily="2" charset="77"/>
+                        </a:rPr>
+                        <a:t>Windgeschwindigkeit</a:t>
+                      </a:r>
+                    </a:p>
+                  </a:txBody>
+                  <a:tcPr>
+                    <a:solidFill>
+                      <a:schemeClr val="bg1">
+                        <a:lumMod val="95000"/>
+                      </a:schemeClr>
+                    </a:solidFill>
+                  </a:tcPr>
+                </a:tc>
+                <a:tc>
+                  <a:txBody>
+                    <a:bodyPr/>
+                    <a:lstStyle/>
+                    <a:p>
+                      <a:r>
+                        <a:rPr lang="de-DE" sz="1600" b="0" i="0" dirty="0" err="1">
+                          <a:solidFill>
+                            <a:schemeClr val="bg1">
+                              <a:lumMod val="75000"/>
+                            </a:schemeClr>
+                          </a:solidFill>
+                          <a:latin typeface="Montserrat Medium" pitchFamily="2" charset="77"/>
+                        </a:rPr>
+                        <a:t>float</a:t>
+                      </a:r>
+                      <a:endParaRPr lang="de-DE" sz="1600" b="0" i="0" dirty="0">
+                        <a:solidFill>
+                          <a:schemeClr val="bg1">
+                            <a:lumMod val="75000"/>
+                          </a:schemeClr>
+                        </a:solidFill>
+                        <a:latin typeface="Montserrat Medium" pitchFamily="2" charset="77"/>
+                      </a:endParaRPr>
+                    </a:p>
+                  </a:txBody>
+                  <a:tcPr>
+                    <a:solidFill>
+                      <a:schemeClr val="bg1">
+                        <a:lumMod val="95000"/>
+                      </a:schemeClr>
+                    </a:solidFill>
+                  </a:tcPr>
+                </a:tc>
+                <a:tc>
+                  <a:txBody>
+                    <a:bodyPr/>
+                    <a:lstStyle/>
+                    <a:p>
+                      <a:r>
+                        <a:rPr lang="de-DE" sz="1600" b="0" i="0" dirty="0">
+                          <a:solidFill>
+                            <a:schemeClr val="bg1">
+                              <a:lumMod val="75000"/>
+                            </a:schemeClr>
+                          </a:solidFill>
+                          <a:latin typeface="Montserrat Medium" pitchFamily="2" charset="77"/>
+                        </a:rPr>
+                        <a:t>m/s</a:t>
+                      </a:r>
+                    </a:p>
+                  </a:txBody>
+                  <a:tcPr>
+                    <a:solidFill>
+                      <a:schemeClr val="bg1">
+                        <a:lumMod val="95000"/>
+                      </a:schemeClr>
+                    </a:solidFill>
+                  </a:tcPr>
+                </a:tc>
+                <a:tc>
+                  <a:txBody>
+                    <a:bodyPr/>
+                    <a:lstStyle/>
+                    <a:p>
+                      <a:r>
+                        <a:rPr lang="de-DE" sz="1600" b="0" i="0" dirty="0">
+                          <a:solidFill>
+                            <a:schemeClr val="bg1">
+                              <a:lumMod val="75000"/>
+                            </a:schemeClr>
+                          </a:solidFill>
+                          <a:latin typeface="Montserrat Medium" pitchFamily="2" charset="77"/>
+                        </a:rPr>
+                        <a:t>Verhältnis (Kardinal)</a:t>
+                      </a:r>
+                    </a:p>
+                  </a:txBody>
+                  <a:tcPr>
+                    <a:solidFill>
+                      <a:schemeClr val="bg1">
+                        <a:lumMod val="95000"/>
+                      </a:schemeClr>
+                    </a:solidFill>
+                  </a:tcPr>
+                </a:tc>
+                <a:tc>
+                  <a:txBody>
+                    <a:bodyPr/>
+                    <a:lstStyle/>
+                    <a:p>
+                      <a:pPr marL="0" marR="0" lvl="0" indent="0" algn="l" defTabSz="914400" rtl="0" eaLnBrk="1" fontAlgn="auto" latinLnBrk="0" hangingPunct="1">
+                        <a:lnSpc>
+                          <a:spcPct val="100000"/>
+                        </a:lnSpc>
+                        <a:spcBef>
+                          <a:spcPts val="0"/>
+                        </a:spcBef>
+                        <a:spcAft>
+                          <a:spcPts val="0"/>
+                        </a:spcAft>
+                        <a:buClrTx/>
+                        <a:buSzTx/>
+                        <a:buFontTx/>
+                        <a:buNone/>
+                        <a:tabLst/>
+                        <a:defRPr/>
+                      </a:pPr>
+                      <a:r>
+                        <a:rPr lang="de-DE" sz="1600" b="0" i="0" kern="1200" dirty="0">
+                          <a:solidFill>
+                            <a:schemeClr val="bg1">
+                              <a:lumMod val="75000"/>
+                            </a:schemeClr>
+                          </a:solidFill>
+                          <a:effectLst/>
+                          <a:latin typeface="Montserrat Medium" pitchFamily="2" charset="77"/>
+                          <a:ea typeface="+mn-ea"/>
+                          <a:cs typeface="+mn-cs"/>
+                        </a:rPr>
+                        <a:t>15</a:t>
+                      </a:r>
+                    </a:p>
+                  </a:txBody>
+                  <a:tcPr>
+                    <a:solidFill>
+                      <a:schemeClr val="bg1">
+                        <a:lumMod val="95000"/>
+                      </a:schemeClr>
+                    </a:solidFill>
+                  </a:tcPr>
+                </a:tc>
+                <a:extLst>
+                  <a:ext uri="{0D108BD9-81ED-4DB2-BD59-A6C34878D82A}">
+                    <a16:rowId xmlns:a16="http://schemas.microsoft.com/office/drawing/2014/main" val="3558246232"/>
+                  </a:ext>
+                </a:extLst>
+              </a:tr>
+              <a:tr h="446819">
+                <a:tc>
+                  <a:txBody>
+                    <a:bodyPr/>
+                    <a:lstStyle/>
+                    <a:p>
+                      <a:r>
+                        <a:rPr lang="de-DE" sz="1600" b="0" i="0" dirty="0">
+                          <a:solidFill>
+                            <a:schemeClr val="bg1">
+                              <a:lumMod val="75000"/>
+                            </a:schemeClr>
+                          </a:solidFill>
+                          <a:latin typeface="Montserrat Medium" pitchFamily="2" charset="77"/>
+                        </a:rPr>
+                        <a:t>Wochentag</a:t>
+                      </a:r>
+                    </a:p>
+                  </a:txBody>
+                  <a:tcPr>
+                    <a:solidFill>
+                      <a:schemeClr val="bg1">
+                        <a:lumMod val="95000"/>
+                      </a:schemeClr>
+                    </a:solidFill>
+                  </a:tcPr>
+                </a:tc>
+                <a:tc>
+                  <a:txBody>
+                    <a:bodyPr/>
+                    <a:lstStyle/>
+                    <a:p>
+                      <a:r>
+                        <a:rPr lang="de-DE" sz="1600" b="0" i="0" dirty="0" err="1">
+                          <a:solidFill>
+                            <a:schemeClr val="bg1">
+                              <a:lumMod val="75000"/>
+                            </a:schemeClr>
+                          </a:solidFill>
+                          <a:latin typeface="Montserrat Medium" pitchFamily="2" charset="77"/>
+                        </a:rPr>
+                        <a:t>str</a:t>
+                      </a:r>
+                      <a:endParaRPr lang="de-DE" sz="1600" b="0" i="0" dirty="0">
+                        <a:solidFill>
+                          <a:schemeClr val="bg1">
+                            <a:lumMod val="75000"/>
+                          </a:schemeClr>
+                        </a:solidFill>
+                        <a:latin typeface="Montserrat Medium" pitchFamily="2" charset="77"/>
+                      </a:endParaRPr>
+                    </a:p>
+                  </a:txBody>
+                  <a:tcPr>
+                    <a:solidFill>
+                      <a:schemeClr val="bg1">
+                        <a:lumMod val="95000"/>
+                      </a:schemeClr>
+                    </a:solidFill>
+                  </a:tcPr>
+                </a:tc>
+                <a:tc>
+                  <a:txBody>
+                    <a:bodyPr/>
+                    <a:lstStyle/>
+                    <a:p>
+                      <a:endParaRPr lang="de-DE" sz="1600" b="0" i="0" dirty="0">
+                        <a:solidFill>
+                          <a:schemeClr val="bg1">
+                            <a:lumMod val="75000"/>
+                          </a:schemeClr>
+                        </a:solidFill>
+                        <a:latin typeface="Montserrat Medium" pitchFamily="2" charset="77"/>
+                      </a:endParaRPr>
+                    </a:p>
+                  </a:txBody>
+                  <a:tcPr>
+                    <a:solidFill>
+                      <a:schemeClr val="bg1">
+                        <a:lumMod val="95000"/>
+                      </a:schemeClr>
+                    </a:solidFill>
+                  </a:tcPr>
+                </a:tc>
+                <a:tc>
+                  <a:txBody>
+                    <a:bodyPr/>
+                    <a:lstStyle/>
+                    <a:p>
+                      <a:r>
+                        <a:rPr lang="de-DE" sz="1600" b="0" i="0" dirty="0">
+                          <a:solidFill>
+                            <a:schemeClr val="bg1">
+                              <a:lumMod val="75000"/>
+                            </a:schemeClr>
+                          </a:solidFill>
+                          <a:latin typeface="Montserrat Medium" pitchFamily="2" charset="77"/>
+                        </a:rPr>
+                        <a:t>Ordinal</a:t>
+                      </a:r>
+                    </a:p>
+                  </a:txBody>
+                  <a:tcPr>
+                    <a:solidFill>
+                      <a:schemeClr val="bg1">
+                        <a:lumMod val="95000"/>
+                      </a:schemeClr>
+                    </a:solidFill>
+                  </a:tcPr>
+                </a:tc>
+                <a:tc>
+                  <a:txBody>
+                    <a:bodyPr/>
+                    <a:lstStyle/>
+                    <a:p>
+                      <a:pPr marL="0" marR="0" lvl="0" indent="0" algn="l" defTabSz="914400" rtl="0" eaLnBrk="1" fontAlgn="auto" latinLnBrk="0" hangingPunct="1">
+                        <a:lnSpc>
+                          <a:spcPct val="100000"/>
+                        </a:lnSpc>
+                        <a:spcBef>
+                          <a:spcPts val="0"/>
+                        </a:spcBef>
+                        <a:spcAft>
+                          <a:spcPts val="0"/>
+                        </a:spcAft>
+                        <a:buClrTx/>
+                        <a:buSzTx/>
+                        <a:buFontTx/>
+                        <a:buNone/>
+                        <a:tabLst/>
+                        <a:defRPr/>
+                      </a:pPr>
+                      <a:r>
+                        <a:rPr lang="de-DE" sz="1600" b="0" i="0" kern="1200" dirty="0">
+                          <a:solidFill>
+                            <a:schemeClr val="bg1">
+                              <a:lumMod val="75000"/>
+                            </a:schemeClr>
+                          </a:solidFill>
+                          <a:effectLst/>
+                          <a:latin typeface="Montserrat Medium" pitchFamily="2" charset="77"/>
+                          <a:ea typeface="+mn-ea"/>
+                          <a:cs typeface="+mn-cs"/>
+                        </a:rPr>
+                        <a:t>Monday</a:t>
+                      </a:r>
+                    </a:p>
+                  </a:txBody>
+                  <a:tcPr>
+                    <a:solidFill>
+                      <a:schemeClr val="bg1">
+                        <a:lumMod val="95000"/>
+                      </a:schemeClr>
+                    </a:solidFill>
+                  </a:tcPr>
+                </a:tc>
+                <a:extLst>
+                  <a:ext uri="{0D108BD9-81ED-4DB2-BD59-A6C34878D82A}">
+                    <a16:rowId xmlns:a16="http://schemas.microsoft.com/office/drawing/2014/main" val="3219630386"/>
+                  </a:ext>
+                </a:extLst>
+              </a:tr>
+              <a:tr h="446819">
+                <a:tc>
+                  <a:txBody>
+                    <a:bodyPr/>
+                    <a:lstStyle/>
+                    <a:p>
+                      <a:r>
+                        <a:rPr lang="de-DE" sz="1600" b="0" i="0" dirty="0">
+                          <a:solidFill>
+                            <a:schemeClr val="bg1">
+                              <a:lumMod val="75000"/>
+                            </a:schemeClr>
+                          </a:solidFill>
+                          <a:latin typeface="Montserrat Medium" pitchFamily="2" charset="77"/>
+                        </a:rPr>
+                        <a:t>Monat</a:t>
+                      </a:r>
+                    </a:p>
+                  </a:txBody>
+                  <a:tcPr>
+                    <a:solidFill>
+                      <a:schemeClr val="bg1">
+                        <a:lumMod val="95000"/>
+                      </a:schemeClr>
+                    </a:solidFill>
+                  </a:tcPr>
+                </a:tc>
+                <a:tc>
+                  <a:txBody>
+                    <a:bodyPr/>
+                    <a:lstStyle/>
+                    <a:p>
+                      <a:r>
+                        <a:rPr lang="de-DE" sz="1600" b="0" i="0" dirty="0" err="1">
+                          <a:solidFill>
+                            <a:schemeClr val="bg1">
+                              <a:lumMod val="75000"/>
+                            </a:schemeClr>
+                          </a:solidFill>
+                          <a:latin typeface="Montserrat Medium" pitchFamily="2" charset="77"/>
+                        </a:rPr>
+                        <a:t>int</a:t>
+                      </a:r>
+                      <a:endParaRPr lang="de-DE" sz="1600" b="0" i="0" dirty="0">
+                        <a:solidFill>
+                          <a:schemeClr val="bg1">
+                            <a:lumMod val="75000"/>
+                          </a:schemeClr>
+                        </a:solidFill>
+                        <a:latin typeface="Montserrat Medium" pitchFamily="2" charset="77"/>
+                      </a:endParaRPr>
+                    </a:p>
+                  </a:txBody>
+                  <a:tcPr>
+                    <a:solidFill>
+                      <a:schemeClr val="bg1">
+                        <a:lumMod val="95000"/>
+                      </a:schemeClr>
+                    </a:solidFill>
+                  </a:tcPr>
+                </a:tc>
+                <a:tc>
+                  <a:txBody>
+                    <a:bodyPr/>
+                    <a:lstStyle/>
+                    <a:p>
+                      <a:endParaRPr lang="de-DE" sz="1600" b="0" i="0" dirty="0">
+                        <a:solidFill>
+                          <a:schemeClr val="bg1">
+                            <a:lumMod val="75000"/>
+                          </a:schemeClr>
+                        </a:solidFill>
+                        <a:latin typeface="Montserrat Medium" pitchFamily="2" charset="77"/>
+                      </a:endParaRPr>
+                    </a:p>
+                  </a:txBody>
+                  <a:tcPr>
+                    <a:solidFill>
+                      <a:schemeClr val="bg1">
+                        <a:lumMod val="95000"/>
+                      </a:schemeClr>
+                    </a:solidFill>
+                  </a:tcPr>
+                </a:tc>
+                <a:tc>
+                  <a:txBody>
+                    <a:bodyPr/>
+                    <a:lstStyle/>
+                    <a:p>
+                      <a:r>
+                        <a:rPr lang="de-DE" sz="1600" b="0" i="0" dirty="0">
+                          <a:solidFill>
+                            <a:schemeClr val="bg1">
+                              <a:lumMod val="75000"/>
+                            </a:schemeClr>
+                          </a:solidFill>
+                          <a:latin typeface="Montserrat Medium" pitchFamily="2" charset="77"/>
+                        </a:rPr>
+                        <a:t>Intervall (Kardinal)</a:t>
+                      </a:r>
+                    </a:p>
+                  </a:txBody>
+                  <a:tcPr>
+                    <a:solidFill>
+                      <a:schemeClr val="bg1">
+                        <a:lumMod val="95000"/>
+                      </a:schemeClr>
+                    </a:solidFill>
+                  </a:tcPr>
+                </a:tc>
+                <a:tc>
+                  <a:txBody>
+                    <a:bodyPr/>
+                    <a:lstStyle/>
+                    <a:p>
+                      <a:pPr marL="0" marR="0" lvl="0" indent="0" algn="l" defTabSz="914400" rtl="0" eaLnBrk="1" fontAlgn="auto" latinLnBrk="0" hangingPunct="1">
+                        <a:lnSpc>
+                          <a:spcPct val="100000"/>
+                        </a:lnSpc>
+                        <a:spcBef>
+                          <a:spcPts val="0"/>
+                        </a:spcBef>
+                        <a:spcAft>
+                          <a:spcPts val="0"/>
+                        </a:spcAft>
+                        <a:buClrTx/>
+                        <a:buSzTx/>
+                        <a:buFontTx/>
+                        <a:buNone/>
+                        <a:tabLst/>
+                        <a:defRPr/>
+                      </a:pPr>
+                      <a:r>
+                        <a:rPr lang="de-DE" sz="1600" b="0" i="0" kern="1200" dirty="0">
+                          <a:solidFill>
+                            <a:schemeClr val="bg1">
+                              <a:lumMod val="75000"/>
+                            </a:schemeClr>
+                          </a:solidFill>
+                          <a:effectLst/>
+                          <a:latin typeface="Montserrat Medium" pitchFamily="2" charset="77"/>
+                          <a:ea typeface="+mn-ea"/>
+                          <a:cs typeface="+mn-cs"/>
+                        </a:rPr>
+                        <a:t>7</a:t>
+                      </a:r>
+                    </a:p>
+                  </a:txBody>
+                  <a:tcPr>
+                    <a:solidFill>
+                      <a:schemeClr val="bg1">
+                        <a:lumMod val="95000"/>
+                      </a:schemeClr>
+                    </a:solidFill>
+                  </a:tcPr>
+                </a:tc>
+                <a:extLst>
+                  <a:ext uri="{0D108BD9-81ED-4DB2-BD59-A6C34878D82A}">
+                    <a16:rowId xmlns:a16="http://schemas.microsoft.com/office/drawing/2014/main" val="2761149930"/>
+                  </a:ext>
+                </a:extLst>
+              </a:tr>
+              <a:tr h="446819">
+                <a:tc>
+                  <a:txBody>
+                    <a:bodyPr/>
+                    <a:lstStyle/>
+                    <a:p>
+                      <a:pPr marL="0" marR="0" lvl="0" indent="0" algn="l" defTabSz="914400" rtl="0" eaLnBrk="1" fontAlgn="auto" latinLnBrk="0" hangingPunct="1">
+                        <a:lnSpc>
+                          <a:spcPct val="100000"/>
+                        </a:lnSpc>
+                        <a:spcBef>
+                          <a:spcPts val="0"/>
+                        </a:spcBef>
+                        <a:spcAft>
+                          <a:spcPts val="0"/>
+                        </a:spcAft>
+                        <a:buClrTx/>
+                        <a:buSzTx/>
+                        <a:buFontTx/>
+                        <a:buNone/>
+                        <a:tabLst/>
+                        <a:defRPr/>
+                      </a:pPr>
+                      <a:r>
+                        <a:rPr lang="de-DE" sz="1600" b="0" i="0" dirty="0">
+                          <a:latin typeface="Montserrat Medium" pitchFamily="2" charset="77"/>
+                        </a:rPr>
+                        <a:t>Ferien (Schleswig-Holstein)</a:t>
+                      </a:r>
+                    </a:p>
+                  </a:txBody>
+                  <a:tcPr>
+                    <a:solidFill>
+                      <a:srgbClr val="FFFF00"/>
+                    </a:solidFill>
+                  </a:tcPr>
+                </a:tc>
+                <a:tc>
+                  <a:txBody>
+                    <a:bodyPr/>
+                    <a:lstStyle/>
+                    <a:p>
+                      <a:r>
+                        <a:rPr lang="de-DE" sz="1600" b="0" i="0" dirty="0" err="1">
+                          <a:latin typeface="Montserrat Medium" pitchFamily="2" charset="77"/>
+                        </a:rPr>
+                        <a:t>boolean</a:t>
+                      </a:r>
+                      <a:endParaRPr lang="de-DE" sz="1600" b="0" i="0" dirty="0">
+                        <a:latin typeface="Montserrat Medium" pitchFamily="2" charset="77"/>
+                      </a:endParaRPr>
+                    </a:p>
+                  </a:txBody>
+                  <a:tcPr>
+                    <a:solidFill>
+                      <a:srgbClr val="FFFF00"/>
+                    </a:solidFill>
+                  </a:tcPr>
+                </a:tc>
+                <a:tc>
+                  <a:txBody>
+                    <a:bodyPr/>
+                    <a:lstStyle/>
+                    <a:p>
+                      <a:endParaRPr lang="de-DE" sz="1600" b="0" i="0" dirty="0">
+                        <a:latin typeface="Montserrat Medium" pitchFamily="2" charset="77"/>
+                      </a:endParaRPr>
+                    </a:p>
+                  </a:txBody>
+                  <a:tcPr>
+                    <a:solidFill>
+                      <a:srgbClr val="FFFF00"/>
+                    </a:solidFill>
+                  </a:tcPr>
+                </a:tc>
+                <a:tc>
+                  <a:txBody>
+                    <a:bodyPr/>
+                    <a:lstStyle/>
+                    <a:p>
+                      <a:endParaRPr lang="de-DE" sz="1600" b="0" i="0" dirty="0">
+                        <a:latin typeface="Montserrat Medium" pitchFamily="2" charset="77"/>
+                      </a:endParaRPr>
+                    </a:p>
+                  </a:txBody>
+                  <a:tcPr>
+                    <a:solidFill>
+                      <a:srgbClr val="FFFF00"/>
+                    </a:solidFill>
+                  </a:tcPr>
+                </a:tc>
+                <a:tc>
+                  <a:txBody>
+                    <a:bodyPr/>
+                    <a:lstStyle/>
+                    <a:p>
+                      <a:r>
+                        <a:rPr lang="de-DE" sz="1600" b="0" i="0" dirty="0">
+                          <a:latin typeface="Montserrat Medium" pitchFamily="2" charset="77"/>
+                        </a:rPr>
+                        <a:t>TRUE</a:t>
+                      </a:r>
+                    </a:p>
+                  </a:txBody>
+                  <a:tcPr>
+                    <a:solidFill>
+                      <a:srgbClr val="FFFF00"/>
+                    </a:solidFill>
+                  </a:tcPr>
+                </a:tc>
+                <a:extLst>
+                  <a:ext uri="{0D108BD9-81ED-4DB2-BD59-A6C34878D82A}">
+                    <a16:rowId xmlns:a16="http://schemas.microsoft.com/office/drawing/2014/main" val="1363169581"/>
+                  </a:ext>
+                </a:extLst>
+              </a:tr>
+            </a:tbl>
+          </a:graphicData>
+        </a:graphic>
+      </p:graphicFrame>
+      <p:sp>
+        <p:nvSpPr>
+          <p:cNvPr id="3" name="Titel 1">
+            <a:extLst>
+              <a:ext uri="{FF2B5EF4-FFF2-40B4-BE49-F238E27FC236}">
+                <a16:creationId xmlns:a16="http://schemas.microsoft.com/office/drawing/2014/main" id="{792D30B2-8F5A-16F6-982F-276AE5668599}"/>
+              </a:ext>
+            </a:extLst>
+          </p:cNvPr>
+          <p:cNvSpPr txBox="1">
+            <a:spLocks/>
+          </p:cNvSpPr>
+          <p:nvPr/>
+        </p:nvSpPr>
+        <p:spPr>
+          <a:xfrm>
+            <a:off x="11492947" y="6162260"/>
+            <a:ext cx="447261" cy="516835"/>
+          </a:xfrm>
+          <a:prstGeom prst="rect">
+            <a:avLst/>
+          </a:prstGeom>
+        </p:spPr>
+        <p:txBody>
+          <a:bodyPr vert="horz" lIns="91440" tIns="45720" rIns="91440" bIns="45720" rtlCol="0" anchor="ctr">
+            <a:normAutofit/>
+          </a:bodyPr>
+          <a:lstStyle>
+            <a:lvl1pPr algn="l" defTabSz="914400" rtl="0" eaLnBrk="1" latinLnBrk="0" hangingPunct="1">
+              <a:lnSpc>
+                <a:spcPct val="90000"/>
+              </a:lnSpc>
+              <a:spcBef>
+                <a:spcPct val="0"/>
+              </a:spcBef>
+              <a:buNone/>
+              <a:defRPr sz="4400" kern="1200">
+                <a:solidFill>
+                  <a:schemeClr val="tx1"/>
+                </a:solidFill>
+                <a:latin typeface="+mj-lt"/>
+                <a:ea typeface="+mj-ea"/>
+                <a:cs typeface="+mj-cs"/>
+              </a:defRPr>
+            </a:lvl1pPr>
+          </a:lstStyle>
+          <a:p>
+            <a:pPr algn="ctr">
+              <a:lnSpc>
+                <a:spcPct val="100000"/>
+              </a:lnSpc>
+            </a:pPr>
+            <a:r>
+              <a:rPr lang="de-DE" sz="1600" b="1" dirty="0">
+                <a:latin typeface="Montserrat SemiBold" pitchFamily="2" charset="77"/>
+              </a:rPr>
+              <a:t>3</a:t>
+            </a:r>
+            <a:endParaRPr lang="de-DE" sz="1100" b="1" dirty="0">
+              <a:latin typeface="Montserrat SemiBold" pitchFamily="2" charset="77"/>
+            </a:endParaRPr>
+          </a:p>
+        </p:txBody>
+      </p:sp>
+    </p:spTree>
+    <p:extLst>
+      <p:ext uri="{BB962C8B-B14F-4D97-AF65-F5344CB8AC3E}">
+        <p14:creationId xmlns:p14="http://schemas.microsoft.com/office/powerpoint/2010/main" val="3885658599"/>
+      </p:ext>
+    </p:extLst>
+  </p:cSld>
+  <p:clrMapOvr>
+    <a:masterClrMapping/>
+  </p:clrMapOvr>
+</p:sld>
+</file>
+
+<file path=ppt/slides/slide5.xml><?xml version="1.0" encoding="utf-8"?>
 <p:sld xmlns:a="http://schemas.openxmlformats.org/drawingml/2006/main" xmlns:r="http://schemas.openxmlformats.org/officeDocument/2006/relationships" xmlns:p="http://schemas.openxmlformats.org/presentationml/2006/main">
   <p:cSld>
     <p:spTree>
@@ -9185,7 +11296,7 @@
               <a:rPr lang="de-DE" sz="1600" b="1" dirty="0">
                 <a:latin typeface="Montserrat SemiBold" pitchFamily="2" charset="77"/>
               </a:rPr>
-              <a:t>3</a:t>
+              <a:t>4</a:t>
             </a:r>
             <a:endParaRPr lang="de-DE" sz="1100" b="1" dirty="0">
               <a:latin typeface="Montserrat SemiBold" pitchFamily="2" charset="77"/>
@@ -9206,7 +11317,7 @@
 </p:sld>
 </file>
 
-<file path=ppt/slides/slide5.xml><?xml version="1.0" encoding="utf-8"?>
+<file path=ppt/slides/slide6.xml><?xml version="1.0" encoding="utf-8"?>
 <p:sld xmlns:a="http://schemas.openxmlformats.org/drawingml/2006/main" xmlns:r="http://schemas.openxmlformats.org/officeDocument/2006/relationships" xmlns:p="http://schemas.openxmlformats.org/presentationml/2006/main">
   <p:cSld>
     <p:spTree>
@@ -9340,7 +11451,7 @@
               <a:rPr lang="de-DE" sz="1600" b="1" dirty="0">
                 <a:latin typeface="Montserrat SemiBold" pitchFamily="2" charset="77"/>
               </a:rPr>
-              <a:t>4</a:t>
+              <a:t>5</a:t>
             </a:r>
             <a:endParaRPr lang="de-DE" sz="1100" b="1" dirty="0">
               <a:latin typeface="Montserrat SemiBold" pitchFamily="2" charset="77"/>
@@ -9361,7 +11472,7 @@
 </p:sld>
 </file>
 
-<file path=ppt/slides/slide6.xml><?xml version="1.0" encoding="utf-8"?>
+<file path=ppt/slides/slide7.xml><?xml version="1.0" encoding="utf-8"?>
 <p:sld xmlns:a="http://schemas.openxmlformats.org/drawingml/2006/main" xmlns:r="http://schemas.openxmlformats.org/officeDocument/2006/relationships" xmlns:p="http://schemas.openxmlformats.org/presentationml/2006/main">
   <p:cSld>
     <p:spTree>
@@ -9495,7 +11606,7 @@
               <a:rPr lang="de-DE" sz="1600" b="1" dirty="0">
                 <a:latin typeface="Montserrat SemiBold" pitchFamily="2" charset="77"/>
               </a:rPr>
-              <a:t>5</a:t>
+              <a:t>6</a:t>
             </a:r>
             <a:endParaRPr lang="de-DE" sz="1100" b="1" dirty="0">
               <a:latin typeface="Montserrat SemiBold" pitchFamily="2" charset="77"/>
@@ -9516,7 +11627,7 @@
 </p:sld>
 </file>
 
-<file path=ppt/slides/slide7.xml><?xml version="1.0" encoding="utf-8"?>
+<file path=ppt/slides/slide8.xml><?xml version="1.0" encoding="utf-8"?>
 <p:sld xmlns:a="http://schemas.openxmlformats.org/drawingml/2006/main" xmlns:r="http://schemas.openxmlformats.org/officeDocument/2006/relationships" xmlns:p="http://schemas.openxmlformats.org/presentationml/2006/main">
   <p:cSld>
     <p:spTree>
@@ -9637,8 +11748,8 @@
         </p:nvSpPr>
         <p:spPr>
           <a:xfrm>
-            <a:off x="838200" y="2810496"/>
-            <a:ext cx="10233992" cy="1575974"/>
+            <a:off x="838200" y="2810495"/>
+            <a:ext cx="10727453" cy="1781601"/>
           </a:xfrm>
           <a:prstGeom prst="rect">
             <a:avLst/>
@@ -9646,7 +11757,7 @@
         </p:spPr>
         <p:txBody>
           <a:bodyPr vert="horz" lIns="91440" tIns="45720" rIns="91440" bIns="45720" rtlCol="0" anchor="ctr">
-            <a:normAutofit fontScale="70000" lnSpcReduction="20000"/>
+            <a:noAutofit/>
           </a:bodyPr>
           <a:lstStyle>
             <a:lvl1pPr algn="l" defTabSz="914400" rtl="0" eaLnBrk="1" latinLnBrk="0" hangingPunct="1">
@@ -9674,101 +11785,131 @@
               </a:lnSpc>
             </a:pPr>
             <a:r>
-              <a:rPr lang="de-DE" sz="2800" dirty="0">
+              <a:rPr lang="de-DE" sz="1700" dirty="0">
                 <a:latin typeface="Montserrat Medium" pitchFamily="2" charset="77"/>
               </a:rPr>
-              <a:t>mod_lr_12 &lt;- lm(Umsatz ~ Datum * Temperatur + </a:t>
-            </a:r>
-            <a:r>
-              <a:rPr lang="de-DE" sz="2800" dirty="0" err="1">
+              <a:t>mod_lr_12 &lt;- lm(Umsatz ~ Datum + Datum * Temperatur + </a:t>
+            </a:r>
+            <a:r>
+              <a:rPr lang="de-DE" sz="1700" dirty="0" err="1">
                 <a:latin typeface="Montserrat Medium" pitchFamily="2" charset="77"/>
               </a:rPr>
               <a:t>as.factor</a:t>
             </a:r>
             <a:r>
-              <a:rPr lang="de-DE" sz="2800" dirty="0">
+              <a:rPr lang="de-DE" sz="1700" dirty="0">
                 <a:latin typeface="Montserrat Medium" pitchFamily="2" charset="77"/>
               </a:rPr>
               <a:t>(Warengruppe) + </a:t>
             </a:r>
             <a:r>
-              <a:rPr lang="de-DE" sz="2800" dirty="0" err="1">
+              <a:rPr lang="de-DE" sz="1700" dirty="0" err="1">
                 <a:latin typeface="Montserrat Medium" pitchFamily="2" charset="77"/>
               </a:rPr>
               <a:t>as.factor</a:t>
             </a:r>
             <a:r>
-              <a:rPr lang="de-DE" sz="2800" dirty="0">
+              <a:rPr lang="de-DE" sz="1700" dirty="0">
                 <a:latin typeface="Montserrat Medium" pitchFamily="2" charset="77"/>
               </a:rPr>
               <a:t>(Wochentag) + </a:t>
             </a:r>
             <a:r>
-              <a:rPr lang="de-DE" sz="2800" dirty="0" err="1">
+              <a:rPr lang="de-DE" sz="1700" dirty="0" err="1">
                 <a:latin typeface="Montserrat Medium" pitchFamily="2" charset="77"/>
               </a:rPr>
+              <a:t>as.factor</a:t>
+            </a:r>
+            <a:r>
+              <a:rPr lang="de-DE" sz="1700" dirty="0">
+                <a:latin typeface="Montserrat Medium" pitchFamily="2" charset="77"/>
+              </a:rPr>
+              <a:t>(</a:t>
+            </a:r>
+            <a:r>
+              <a:rPr lang="de-DE" sz="1700" dirty="0" err="1">
+                <a:latin typeface="Montserrat Medium" pitchFamily="2" charset="77"/>
+              </a:rPr>
               <a:t>FerienSH</a:t>
             </a:r>
             <a:r>
-              <a:rPr lang="de-DE" sz="2800" dirty="0">
+              <a:rPr lang="de-DE" sz="1700" dirty="0">
                 <a:latin typeface="Montserrat Medium" pitchFamily="2" charset="77"/>
               </a:rPr>
-              <a:t> + Temperatur + </a:t>
-            </a:r>
-            <a:r>
-              <a:rPr lang="de-DE" sz="2800" dirty="0" err="1">
+              <a:t>) + Temperatur + </a:t>
+            </a:r>
+            <a:r>
+              <a:rPr lang="de-DE" sz="1700" dirty="0" err="1">
                 <a:latin typeface="Montserrat Medium" pitchFamily="2" charset="77"/>
               </a:rPr>
+              <a:t>as.factor</a:t>
+            </a:r>
+            <a:r>
+              <a:rPr lang="de-DE" sz="1700" dirty="0">
+                <a:latin typeface="Montserrat Medium" pitchFamily="2" charset="77"/>
+              </a:rPr>
+              <a:t>(</a:t>
+            </a:r>
+            <a:r>
+              <a:rPr lang="de-DE" sz="1700" dirty="0" err="1">
+                <a:latin typeface="Montserrat Medium" pitchFamily="2" charset="77"/>
+              </a:rPr>
               <a:t>KielerWoche</a:t>
             </a:r>
             <a:r>
-              <a:rPr lang="de-DE" sz="2800" dirty="0">
+              <a:rPr lang="de-DE" sz="1700" dirty="0">
                 <a:latin typeface="Montserrat Medium" pitchFamily="2" charset="77"/>
               </a:rPr>
-              <a:t> + </a:t>
-            </a:r>
-            <a:r>
-              <a:rPr lang="de-DE" sz="2800" dirty="0" err="1">
+              <a:t>) + </a:t>
+            </a:r>
+            <a:r>
+              <a:rPr lang="de-DE" sz="1700" dirty="0" err="1">
                 <a:latin typeface="Montserrat Medium" pitchFamily="2" charset="77"/>
               </a:rPr>
               <a:t>Bewoelkung</a:t>
             </a:r>
             <a:r>
-              <a:rPr lang="de-DE" sz="2800" dirty="0">
+              <a:rPr lang="de-DE" sz="1700" dirty="0">
                 <a:latin typeface="Montserrat Medium" pitchFamily="2" charset="77"/>
               </a:rPr>
-              <a:t> + Windgeschwindigkeit + Monat + </a:t>
-            </a:r>
-            <a:r>
-              <a:rPr lang="de-DE" sz="2800" dirty="0">
-                <a:highlight>
-                  <a:srgbClr val="FFFF00"/>
-                </a:highlight>
+              <a:t> + Windgeschwindigkeit + </a:t>
+            </a:r>
+            <a:r>
+              <a:rPr lang="de-DE" sz="1700" dirty="0" err="1">
                 <a:latin typeface="Montserrat Medium" pitchFamily="2" charset="77"/>
               </a:rPr>
-              <a:t>Monat * Temperatur</a:t>
-            </a:r>
-            <a:r>
-              <a:rPr lang="de-DE" sz="2800" dirty="0">
+              <a:t>as.factor</a:t>
+            </a:r>
+            <a:r>
+              <a:rPr lang="de-DE" sz="1700" dirty="0">
                 <a:latin typeface="Montserrat Medium" pitchFamily="2" charset="77"/>
               </a:rPr>
-              <a:t>, </a:t>
-            </a:r>
-            <a:r>
-              <a:rPr lang="de-DE" sz="2800" dirty="0" err="1">
+              <a:t>(Monat) + </a:t>
+            </a:r>
+            <a:r>
+              <a:rPr lang="de-DE" sz="1700" dirty="0" err="1">
                 <a:latin typeface="Montserrat Medium" pitchFamily="2" charset="77"/>
               </a:rPr>
-              <a:t>clean_df</a:t>
-            </a:r>
-            <a:r>
-              <a:rPr lang="de-DE" sz="2800" dirty="0">
+              <a:t>as.factor</a:t>
+            </a:r>
+            <a:r>
+              <a:rPr lang="de-DE" sz="1700" dirty="0">
                 <a:latin typeface="Montserrat Medium" pitchFamily="2" charset="77"/>
               </a:rPr>
+              <a:t>(Monat) * Temperatur, </a:t>
+            </a:r>
+            <a:r>
+              <a:rPr lang="de-DE" sz="1700" dirty="0" err="1">
+                <a:latin typeface="Montserrat Medium" pitchFamily="2" charset="77"/>
+              </a:rPr>
+              <a:t>df</a:t>
+            </a:r>
+            <a:r>
+              <a:rPr lang="de-DE" sz="1700" dirty="0">
+                <a:latin typeface="Montserrat Medium" pitchFamily="2" charset="77"/>
+              </a:rPr>
               <a:t>)</a:t>
             </a:r>
-            <a:endParaRPr lang="de-DE" sz="2000" dirty="0">
-              <a:latin typeface="Montserrat Medium" pitchFamily="2" charset="77"/>
-            </a:endParaRPr>
           </a:p>
         </p:txBody>
       </p:sp>
@@ -9849,7 +11990,7 @@
 </p:sld>
 </file>
 
-<file path=ppt/slides/slide8.xml><?xml version="1.0" encoding="utf-8"?>
+<file path=ppt/slides/slide9.xml><?xml version="1.0" encoding="utf-8"?>
 <p:sld xmlns:a="http://schemas.openxmlformats.org/drawingml/2006/main" xmlns:r="http://schemas.openxmlformats.org/officeDocument/2006/relationships" xmlns:p="http://schemas.openxmlformats.org/presentationml/2006/main">
   <p:cSld>
     <p:spTree>
@@ -10098,261 +12239,6 @@
     <p:extLst>
       <p:ext uri="{BB962C8B-B14F-4D97-AF65-F5344CB8AC3E}">
         <p14:creationId xmlns:p14="http://schemas.microsoft.com/office/powerpoint/2010/main" val="1342806202"/>
-      </p:ext>
-    </p:extLst>
-  </p:cSld>
-  <p:clrMapOvr>
-    <a:masterClrMapping/>
-  </p:clrMapOvr>
-</p:sld>
-</file>
-
-<file path=ppt/slides/slide9.xml><?xml version="1.0" encoding="utf-8"?>
-<p:sld xmlns:a="http://schemas.openxmlformats.org/drawingml/2006/main" xmlns:r="http://schemas.openxmlformats.org/officeDocument/2006/relationships" xmlns:p="http://schemas.openxmlformats.org/presentationml/2006/main">
-  <p:cSld>
-    <p:spTree>
-      <p:nvGrpSpPr>
-        <p:cNvPr id="1" name=""/>
-        <p:cNvGrpSpPr/>
-        <p:nvPr/>
-      </p:nvGrpSpPr>
-      <p:grpSpPr>
-        <a:xfrm>
-          <a:off x="0" y="0"/>
-          <a:ext cx="0" cy="0"/>
-          <a:chOff x="0" y="0"/>
-          <a:chExt cx="0" cy="0"/>
-        </a:xfrm>
-      </p:grpSpPr>
-      <p:sp>
-        <p:nvSpPr>
-          <p:cNvPr id="2" name="Titel 1">
-            <a:extLst>
-              <a:ext uri="{FF2B5EF4-FFF2-40B4-BE49-F238E27FC236}">
-                <a16:creationId xmlns:a16="http://schemas.microsoft.com/office/drawing/2014/main" id="{1953E359-0FE8-EE4E-41BB-99E9B165A72C}"/>
-              </a:ext>
-            </a:extLst>
-          </p:cNvPr>
-          <p:cNvSpPr>
-            <a:spLocks noGrp="1"/>
-          </p:cNvSpPr>
-          <p:nvPr>
-            <p:ph type="title"/>
-          </p:nvPr>
-        </p:nvSpPr>
-        <p:spPr/>
-        <p:txBody>
-          <a:bodyPr>
-            <a:normAutofit/>
-          </a:bodyPr>
-          <a:lstStyle/>
-          <a:p>
-            <a:r>
-              <a:rPr lang="de-DE" sz="4000" i="1" dirty="0">
-                <a:latin typeface="Montserrat Medium" pitchFamily="2" charset="77"/>
-              </a:rPr>
-              <a:t>Optimierung – lineares Modell</a:t>
-            </a:r>
-          </a:p>
-        </p:txBody>
-      </p:sp>
-      <p:sp>
-        <p:nvSpPr>
-          <p:cNvPr id="3" name="Titel 1">
-            <a:extLst>
-              <a:ext uri="{FF2B5EF4-FFF2-40B4-BE49-F238E27FC236}">
-                <a16:creationId xmlns:a16="http://schemas.microsoft.com/office/drawing/2014/main" id="{FF5D0F16-79BB-E6CF-B6D5-C219CEA28F67}"/>
-              </a:ext>
-            </a:extLst>
-          </p:cNvPr>
-          <p:cNvSpPr txBox="1">
-            <a:spLocks/>
-          </p:cNvSpPr>
-          <p:nvPr/>
-        </p:nvSpPr>
-        <p:spPr>
-          <a:xfrm>
-            <a:off x="838200" y="1345787"/>
-            <a:ext cx="6781800" cy="456510"/>
-          </a:xfrm>
-          <a:prstGeom prst="rect">
-            <a:avLst/>
-          </a:prstGeom>
-        </p:spPr>
-        <p:txBody>
-          <a:bodyPr vert="horz" lIns="91440" tIns="45720" rIns="91440" bIns="45720" rtlCol="0" anchor="ctr">
-            <a:normAutofit/>
-          </a:bodyPr>
-          <a:lstStyle>
-            <a:lvl1pPr algn="l" defTabSz="914400" rtl="0" eaLnBrk="1" latinLnBrk="0" hangingPunct="1">
-              <a:lnSpc>
-                <a:spcPct val="90000"/>
-              </a:lnSpc>
-              <a:spcBef>
-                <a:spcPct val="0"/>
-              </a:spcBef>
-              <a:buNone/>
-              <a:defRPr sz="4400" kern="1200">
-                <a:solidFill>
-                  <a:schemeClr val="tx1"/>
-                </a:solidFill>
-                <a:latin typeface="+mj-lt"/>
-                <a:ea typeface="+mj-ea"/>
-                <a:cs typeface="+mj-cs"/>
-              </a:defRPr>
-            </a:lvl1pPr>
-          </a:lstStyle>
-          <a:p>
-            <a:r>
-              <a:rPr lang="de-DE" sz="2000" b="1" dirty="0">
-                <a:latin typeface="Montserrat SemiBold" pitchFamily="2" charset="77"/>
-              </a:rPr>
-              <a:t>MAPE für den Zeitraum vom 9.6.2019 bis 30.7.2019</a:t>
-            </a:r>
-            <a:endParaRPr lang="de-DE" sz="2000" b="1" baseline="30000" dirty="0">
-              <a:latin typeface="Montserrat SemiBold" pitchFamily="2" charset="77"/>
-            </a:endParaRPr>
-          </a:p>
-        </p:txBody>
-      </p:sp>
-      <p:sp>
-        <p:nvSpPr>
-          <p:cNvPr id="4" name="Titel 1">
-            <a:extLst>
-              <a:ext uri="{FF2B5EF4-FFF2-40B4-BE49-F238E27FC236}">
-                <a16:creationId xmlns:a16="http://schemas.microsoft.com/office/drawing/2014/main" id="{8897DDB3-5A53-F7A3-C88E-78E4835FD10F}"/>
-              </a:ext>
-            </a:extLst>
-          </p:cNvPr>
-          <p:cNvSpPr txBox="1">
-            <a:spLocks/>
-          </p:cNvSpPr>
-          <p:nvPr/>
-        </p:nvSpPr>
-        <p:spPr>
-          <a:xfrm>
-            <a:off x="11492947" y="6162260"/>
-            <a:ext cx="447261" cy="516835"/>
-          </a:xfrm>
-          <a:prstGeom prst="rect">
-            <a:avLst/>
-          </a:prstGeom>
-        </p:spPr>
-        <p:txBody>
-          <a:bodyPr vert="horz" lIns="91440" tIns="45720" rIns="91440" bIns="45720" rtlCol="0" anchor="ctr">
-            <a:normAutofit/>
-          </a:bodyPr>
-          <a:lstStyle>
-            <a:lvl1pPr algn="l" defTabSz="914400" rtl="0" eaLnBrk="1" latinLnBrk="0" hangingPunct="1">
-              <a:lnSpc>
-                <a:spcPct val="90000"/>
-              </a:lnSpc>
-              <a:spcBef>
-                <a:spcPct val="0"/>
-              </a:spcBef>
-              <a:buNone/>
-              <a:defRPr sz="4400" kern="1200">
-                <a:solidFill>
-                  <a:schemeClr val="tx1"/>
-                </a:solidFill>
-                <a:latin typeface="+mj-lt"/>
-                <a:ea typeface="+mj-ea"/>
-                <a:cs typeface="+mj-cs"/>
-              </a:defRPr>
-            </a:lvl1pPr>
-          </a:lstStyle>
-          <a:p>
-            <a:pPr algn="ctr">
-              <a:lnSpc>
-                <a:spcPct val="100000"/>
-              </a:lnSpc>
-            </a:pPr>
-            <a:r>
-              <a:rPr lang="de-DE" sz="1600" b="1" dirty="0">
-                <a:latin typeface="Montserrat SemiBold" pitchFamily="2" charset="77"/>
-              </a:rPr>
-              <a:t>8</a:t>
-            </a:r>
-            <a:endParaRPr lang="de-DE" sz="1100" b="1" dirty="0">
-              <a:latin typeface="Montserrat SemiBold" pitchFamily="2" charset="77"/>
-            </a:endParaRPr>
-          </a:p>
-        </p:txBody>
-      </p:sp>
-      <p:sp>
-        <p:nvSpPr>
-          <p:cNvPr id="5" name="Titel 1">
-            <a:extLst>
-              <a:ext uri="{FF2B5EF4-FFF2-40B4-BE49-F238E27FC236}">
-                <a16:creationId xmlns:a16="http://schemas.microsoft.com/office/drawing/2014/main" id="{5BCB8B56-1E5E-8EDF-898D-B0A00D72B0B9}"/>
-              </a:ext>
-            </a:extLst>
-          </p:cNvPr>
-          <p:cNvSpPr txBox="1">
-            <a:spLocks/>
-          </p:cNvSpPr>
-          <p:nvPr/>
-        </p:nvSpPr>
-        <p:spPr>
-          <a:xfrm>
-            <a:off x="838200" y="2810496"/>
-            <a:ext cx="10233992" cy="1575974"/>
-          </a:xfrm>
-          <a:prstGeom prst="rect">
-            <a:avLst/>
-          </a:prstGeom>
-        </p:spPr>
-        <p:txBody>
-          <a:bodyPr vert="horz" lIns="91440" tIns="45720" rIns="91440" bIns="45720" rtlCol="0" anchor="ctr">
-            <a:normAutofit/>
-          </a:bodyPr>
-          <a:lstStyle>
-            <a:lvl1pPr algn="l" defTabSz="914400" rtl="0" eaLnBrk="1" latinLnBrk="0" hangingPunct="1">
-              <a:lnSpc>
-                <a:spcPct val="90000"/>
-              </a:lnSpc>
-              <a:spcBef>
-                <a:spcPct val="0"/>
-              </a:spcBef>
-              <a:buNone/>
-              <a:defRPr sz="4400" kern="1200">
-                <a:solidFill>
-                  <a:schemeClr val="tx1"/>
-                </a:solidFill>
-                <a:latin typeface="+mj-lt"/>
-                <a:ea typeface="+mj-ea"/>
-                <a:cs typeface="+mj-cs"/>
-              </a:defRPr>
-            </a:lvl1pPr>
-          </a:lstStyle>
-          <a:p>
-            <a:pPr algn="ctr">
-              <a:lnSpc>
-                <a:spcPct val="170000"/>
-              </a:lnSpc>
-            </a:pPr>
-            <a:r>
-              <a:rPr lang="de-DE" sz="4000" dirty="0">
-                <a:solidFill>
-                  <a:srgbClr val="FF0000"/>
-                </a:solidFill>
-                <a:latin typeface="Montserrat Medium" pitchFamily="2" charset="77"/>
-              </a:rPr>
-              <a:t>83.57%</a:t>
-            </a:r>
-            <a:endParaRPr lang="de-DE" sz="3200" dirty="0">
-              <a:solidFill>
-                <a:srgbClr val="FF0000"/>
-              </a:solidFill>
-              <a:latin typeface="Montserrat Medium" pitchFamily="2" charset="77"/>
-            </a:endParaRPr>
-          </a:p>
-        </p:txBody>
-      </p:sp>
-    </p:spTree>
-    <p:extLst>
-      <p:ext uri="{BB962C8B-B14F-4D97-AF65-F5344CB8AC3E}">
-        <p14:creationId xmlns:p14="http://schemas.microsoft.com/office/powerpoint/2010/main" val="772739273"/>
       </p:ext>
     </p:extLst>
   </p:cSld>
